--- a/AAS_2017/AAS_2017_frenchd.pptx
+++ b/AAS_2017/AAS_2017_frenchd.pptx
@@ -5,37 +5,38 @@
     <p:sldMasterId id="2147483654" r:id="rId1"/>
   </p:sldMasterIdLst>
   <p:notesMasterIdLst>
-    <p:notesMasterId r:id="rId30"/>
+    <p:notesMasterId r:id="rId31"/>
   </p:notesMasterIdLst>
   <p:sldIdLst>
     <p:sldId id="256" r:id="rId2"/>
     <p:sldId id="308" r:id="rId3"/>
     <p:sldId id="359" r:id="rId4"/>
     <p:sldId id="323" r:id="rId5"/>
-    <p:sldId id="320" r:id="rId6"/>
-    <p:sldId id="270" r:id="rId7"/>
-    <p:sldId id="343" r:id="rId8"/>
-    <p:sldId id="346" r:id="rId9"/>
-    <p:sldId id="342" r:id="rId10"/>
-    <p:sldId id="348" r:id="rId11"/>
-    <p:sldId id="349" r:id="rId12"/>
-    <p:sldId id="350" r:id="rId13"/>
-    <p:sldId id="351" r:id="rId14"/>
-    <p:sldId id="356" r:id="rId15"/>
-    <p:sldId id="338" r:id="rId16"/>
-    <p:sldId id="354" r:id="rId17"/>
-    <p:sldId id="304" r:id="rId18"/>
-    <p:sldId id="347" r:id="rId19"/>
-    <p:sldId id="355" r:id="rId20"/>
-    <p:sldId id="357" r:id="rId21"/>
-    <p:sldId id="358" r:id="rId22"/>
-    <p:sldId id="353" r:id="rId23"/>
-    <p:sldId id="271" r:id="rId24"/>
-    <p:sldId id="301" r:id="rId25"/>
-    <p:sldId id="321" r:id="rId26"/>
-    <p:sldId id="352" r:id="rId27"/>
-    <p:sldId id="336" r:id="rId28"/>
-    <p:sldId id="319" r:id="rId29"/>
+    <p:sldId id="360" r:id="rId6"/>
+    <p:sldId id="320" r:id="rId7"/>
+    <p:sldId id="270" r:id="rId8"/>
+    <p:sldId id="343" r:id="rId9"/>
+    <p:sldId id="346" r:id="rId10"/>
+    <p:sldId id="342" r:id="rId11"/>
+    <p:sldId id="348" r:id="rId12"/>
+    <p:sldId id="349" r:id="rId13"/>
+    <p:sldId id="350" r:id="rId14"/>
+    <p:sldId id="351" r:id="rId15"/>
+    <p:sldId id="356" r:id="rId16"/>
+    <p:sldId id="338" r:id="rId17"/>
+    <p:sldId id="354" r:id="rId18"/>
+    <p:sldId id="304" r:id="rId19"/>
+    <p:sldId id="347" r:id="rId20"/>
+    <p:sldId id="355" r:id="rId21"/>
+    <p:sldId id="357" r:id="rId22"/>
+    <p:sldId id="358" r:id="rId23"/>
+    <p:sldId id="353" r:id="rId24"/>
+    <p:sldId id="271" r:id="rId25"/>
+    <p:sldId id="301" r:id="rId26"/>
+    <p:sldId id="321" r:id="rId27"/>
+    <p:sldId id="352" r:id="rId28"/>
+    <p:sldId id="336" r:id="rId29"/>
+    <p:sldId id="319" r:id="rId30"/>
   </p:sldIdLst>
   <p:sldSz cx="9144000" cy="6858000" type="screen4x3"/>
   <p:notesSz cx="6858000" cy="9144000"/>
@@ -1100,11 +1101,11 @@
             </a:pPr>
             <a:r>
               <a:rPr lang="en-US" dirty="0" smtClean="0"/>
-              <a:t>Absorbers are found most commonly around impact/R</a:t>
+              <a:t>Define</a:t>
             </a:r>
             <a:r>
               <a:rPr lang="en-US" baseline="0" dirty="0" smtClean="0"/>
-              <a:t> = 1.25</a:t>
+              <a:t> inclination and orientation</a:t>
             </a:r>
             <a:endParaRPr dirty="0"/>
           </a:p>
@@ -1123,7 +1124,7 @@
   <p:cSld>
     <p:spTree>
       <p:nvGrpSpPr>
-        <p:cNvPr id="1" name="Shape 71"/>
+        <p:cNvPr id="1" name="Shape 123"/>
         <p:cNvGrpSpPr/>
         <p:nvPr/>
       </p:nvGrpSpPr>
@@ -1137,7 +1138,7 @@
       </p:grpSpPr>
       <p:sp>
         <p:nvSpPr>
-          <p:cNvPr id="72" name="Shape 72"/>
+          <p:cNvPr id="124" name="Shape 124"/>
           <p:cNvSpPr>
             <a:spLocks noGrp="1" noRot="1" noChangeAspect="1"/>
           </p:cNvSpPr>
@@ -1188,7 +1189,7 @@
       </p:sp>
       <p:sp>
         <p:nvSpPr>
-          <p:cNvPr id="73" name="Shape 73"/>
+          <p:cNvPr id="125" name="Shape 125"/>
           <p:cNvSpPr txBox="1">
             <a:spLocks noGrp="1"/>
           </p:cNvSpPr>
@@ -1211,7 +1212,7 @@
           </a:bodyPr>
           <a:lstStyle/>
           <a:p>
-            <a:pPr>
+            <a:pPr lvl="0" rtl="0">
               <a:spcBef>
                 <a:spcPts val="0"/>
               </a:spcBef>
@@ -1219,11 +1220,11 @@
             </a:pPr>
             <a:r>
               <a:rPr lang="en-US" dirty="0" smtClean="0"/>
-              <a:t>Median EW increases</a:t>
+              <a:t>Absorbers are found most commonly around impact/R</a:t>
             </a:r>
             <a:r>
               <a:rPr lang="en-US" baseline="0" dirty="0" smtClean="0"/>
-              <a:t> with decreasing velocity difference</a:t>
+              <a:t> = 1.25</a:t>
             </a:r>
             <a:endParaRPr dirty="0"/>
           </a:p>
@@ -1242,7 +1243,7 @@
   <p:cSld>
     <p:spTree>
       <p:nvGrpSpPr>
-        <p:cNvPr id="1" name="Shape 136"/>
+        <p:cNvPr id="1" name="Shape 71"/>
         <p:cNvGrpSpPr/>
         <p:nvPr/>
       </p:nvGrpSpPr>
@@ -1256,7 +1257,7 @@
       </p:grpSpPr>
       <p:sp>
         <p:nvSpPr>
-          <p:cNvPr id="137" name="Shape 137"/>
+          <p:cNvPr id="72" name="Shape 72"/>
           <p:cNvSpPr>
             <a:spLocks noGrp="1" noRot="1" noChangeAspect="1"/>
           </p:cNvSpPr>
@@ -1307,7 +1308,7 @@
       </p:sp>
       <p:sp>
         <p:nvSpPr>
-          <p:cNvPr id="138" name="Shape 138"/>
+          <p:cNvPr id="73" name="Shape 73"/>
           <p:cNvSpPr txBox="1">
             <a:spLocks noGrp="1"/>
           </p:cNvSpPr>
@@ -1330,13 +1331,21 @@
           </a:bodyPr>
           <a:lstStyle/>
           <a:p>
-            <a:pPr lvl="0" rtl="0">
+            <a:pPr>
               <a:spcBef>
                 <a:spcPts val="0"/>
               </a:spcBef>
               <a:buNone/>
             </a:pPr>
-            <a:endParaRPr/>
+            <a:r>
+              <a:rPr lang="en-US" dirty="0" smtClean="0"/>
+              <a:t>Median EW increases</a:t>
+            </a:r>
+            <a:r>
+              <a:rPr lang="en-US" baseline="0" dirty="0" smtClean="0"/>
+              <a:t> with decreasing velocity difference</a:t>
+            </a:r>
+            <a:endParaRPr dirty="0"/>
           </a:p>
         </p:txBody>
       </p:sp>
@@ -1558,11 +1567,7 @@
               </a:spcBef>
               <a:buNone/>
             </a:pPr>
-            <a:r>
-              <a:rPr lang="en-US" dirty="0" smtClean="0"/>
-              <a:t>TAKE OFF THE BOTTOM PART</a:t>
-            </a:r>
-            <a:endParaRPr dirty="0"/>
+            <a:endParaRPr/>
           </a:p>
         </p:txBody>
       </p:sp>
@@ -1579,7 +1584,7 @@
   <p:cSld>
     <p:spTree>
       <p:nvGrpSpPr>
-        <p:cNvPr id="1" name="Shape 123"/>
+        <p:cNvPr id="1" name="Shape 136"/>
         <p:cNvGrpSpPr/>
         <p:nvPr/>
       </p:nvGrpSpPr>
@@ -1593,7 +1598,7 @@
       </p:grpSpPr>
       <p:sp>
         <p:nvSpPr>
-          <p:cNvPr id="124" name="Shape 124"/>
+          <p:cNvPr id="137" name="Shape 137"/>
           <p:cNvSpPr>
             <a:spLocks noGrp="1" noRot="1" noChangeAspect="1"/>
           </p:cNvSpPr>
@@ -1644,7 +1649,7 @@
       </p:sp>
       <p:sp>
         <p:nvSpPr>
-          <p:cNvPr id="125" name="Shape 125"/>
+          <p:cNvPr id="138" name="Shape 138"/>
           <p:cNvSpPr txBox="1">
             <a:spLocks noGrp="1"/>
           </p:cNvSpPr>
@@ -1675,11 +1680,7 @@
             </a:pPr>
             <a:r>
               <a:rPr lang="en-US" dirty="0" smtClean="0"/>
-              <a:t>Slight increase</a:t>
-            </a:r>
-            <a:r>
-              <a:rPr lang="en-US" baseline="0" dirty="0" smtClean="0"/>
-              <a:t> in median EW with increasing inclination</a:t>
+              <a:t>TAKE OFF THE BOTTOM PART</a:t>
             </a:r>
             <a:endParaRPr dirty="0"/>
           </a:p>
@@ -1798,11 +1799,7 @@
             </a:r>
             <a:r>
               <a:rPr lang="en-US" baseline="0" dirty="0" smtClean="0"/>
-              <a:t> in median EW with </a:t>
-            </a:r>
-            <a:r>
-              <a:rPr lang="en-US" baseline="0" smtClean="0"/>
-              <a:t>increasing inclination</a:t>
+              <a:t> in median EW with increasing inclination</a:t>
             </a:r>
             <a:endParaRPr dirty="0"/>
           </a:p>
@@ -2039,7 +2036,11 @@
             </a:r>
             <a:r>
               <a:rPr lang="en-US" baseline="0" dirty="0" smtClean="0"/>
-              <a:t> in median EW with increasing inclination</a:t>
+              <a:t> in median EW with </a:t>
+            </a:r>
+            <a:r>
+              <a:rPr lang="en-US" baseline="0" smtClean="0"/>
+              <a:t>increasing inclination</a:t>
             </a:r>
             <a:endParaRPr dirty="0"/>
           </a:p>
@@ -2177,7 +2178,7 @@
   <p:cSld>
     <p:spTree>
       <p:nvGrpSpPr>
-        <p:cNvPr id="1" name="Shape 71"/>
+        <p:cNvPr id="1" name="Shape 123"/>
         <p:cNvGrpSpPr/>
         <p:nvPr/>
       </p:nvGrpSpPr>
@@ -2191,7 +2192,7 @@
       </p:grpSpPr>
       <p:sp>
         <p:nvSpPr>
-          <p:cNvPr id="72" name="Shape 72"/>
+          <p:cNvPr id="124" name="Shape 124"/>
           <p:cNvSpPr>
             <a:spLocks noGrp="1" noRot="1" noChangeAspect="1"/>
           </p:cNvSpPr>
@@ -2242,7 +2243,7 @@
       </p:sp>
       <p:sp>
         <p:nvSpPr>
-          <p:cNvPr id="73" name="Shape 73"/>
+          <p:cNvPr id="125" name="Shape 125"/>
           <p:cNvSpPr txBox="1">
             <a:spLocks noGrp="1"/>
           </p:cNvSpPr>
@@ -2265,13 +2266,21 @@
           </a:bodyPr>
           <a:lstStyle/>
           <a:p>
-            <a:pPr>
+            <a:pPr lvl="0" rtl="0">
               <a:spcBef>
                 <a:spcPts val="0"/>
               </a:spcBef>
               <a:buNone/>
             </a:pPr>
-            <a:endParaRPr/>
+            <a:r>
+              <a:rPr lang="en-US" dirty="0" smtClean="0"/>
+              <a:t>Slight increase</a:t>
+            </a:r>
+            <a:r>
+              <a:rPr lang="en-US" baseline="0" dirty="0" smtClean="0"/>
+              <a:t> in median EW with increasing inclination</a:t>
+            </a:r>
+            <a:endParaRPr dirty="0"/>
           </a:p>
         </p:txBody>
       </p:sp>
@@ -2288,7 +2297,7 @@
   <p:cSld>
     <p:spTree>
       <p:nvGrpSpPr>
-        <p:cNvPr id="1" name="Shape 136"/>
+        <p:cNvPr id="1" name="Shape 71"/>
         <p:cNvGrpSpPr/>
         <p:nvPr/>
       </p:nvGrpSpPr>
@@ -2302,7 +2311,7 @@
       </p:grpSpPr>
       <p:sp>
         <p:nvSpPr>
-          <p:cNvPr id="137" name="Shape 137"/>
+          <p:cNvPr id="72" name="Shape 72"/>
           <p:cNvSpPr>
             <a:spLocks noGrp="1" noRot="1" noChangeAspect="1"/>
           </p:cNvSpPr>
@@ -2353,7 +2362,7 @@
       </p:sp>
       <p:sp>
         <p:nvSpPr>
-          <p:cNvPr id="138" name="Shape 138"/>
+          <p:cNvPr id="73" name="Shape 73"/>
           <p:cNvSpPr txBox="1">
             <a:spLocks noGrp="1"/>
           </p:cNvSpPr>
@@ -2376,71 +2385,13 @@
           </a:bodyPr>
           <a:lstStyle/>
           <a:p>
-            <a:pPr lvl="0" rtl="0">
+            <a:pPr>
               <a:spcBef>
                 <a:spcPts val="0"/>
               </a:spcBef>
               <a:buNone/>
             </a:pPr>
-            <a:r>
-              <a:rPr lang="en-US" dirty="0" err="1" smtClean="0"/>
-              <a:t>Kacprzak</a:t>
-            </a:r>
-            <a:r>
-              <a:rPr lang="en-US" baseline="0" dirty="0" smtClean="0"/>
-              <a:t> claims a correlation between inclination and equivalent width – halo gas has a co-planar geometry and is coupled to the disk inclination.</a:t>
-            </a:r>
-          </a:p>
-          <a:p>
-            <a:pPr lvl="0" rtl="0">
-              <a:spcBef>
-                <a:spcPts val="0"/>
-              </a:spcBef>
-              <a:buNone/>
-            </a:pPr>
-            <a:endParaRPr lang="en-US" baseline="0" dirty="0" smtClean="0"/>
-          </a:p>
-          <a:p>
-            <a:pPr lvl="0" rtl="0">
-              <a:spcBef>
-                <a:spcPts val="0"/>
-              </a:spcBef>
-              <a:buNone/>
-            </a:pPr>
-            <a:r>
-              <a:rPr lang="en-US" baseline="0" dirty="0" smtClean="0"/>
-              <a:t>Y-axis: EW residuals computed from the fit between EW </a:t>
-            </a:r>
-            <a:r>
-              <a:rPr lang="en-US" baseline="0" dirty="0" err="1" smtClean="0"/>
-              <a:t>vs</a:t>
-            </a:r>
-            <a:r>
-              <a:rPr lang="en-US" baseline="0" dirty="0" smtClean="0"/>
-              <a:t> impact parameter</a:t>
-            </a:r>
-          </a:p>
-          <a:p>
-            <a:pPr lvl="0" rtl="0">
-              <a:spcBef>
-                <a:spcPts val="0"/>
-              </a:spcBef>
-              <a:buNone/>
-            </a:pPr>
-            <a:endParaRPr lang="en-US" baseline="0" dirty="0" smtClean="0"/>
-          </a:p>
-          <a:p>
-            <a:pPr lvl="0" rtl="0">
-              <a:spcBef>
-                <a:spcPts val="0"/>
-              </a:spcBef>
-              <a:buNone/>
-            </a:pPr>
-            <a:r>
-              <a:rPr lang="en-US" baseline="0" dirty="0" smtClean="0"/>
-              <a:t>BLURRY</a:t>
-            </a:r>
-            <a:endParaRPr dirty="0"/>
+            <a:endParaRPr/>
           </a:p>
         </p:txBody>
       </p:sp>
@@ -2457,7 +2408,7 @@
   <p:cSld>
     <p:spTree>
       <p:nvGrpSpPr>
-        <p:cNvPr id="1" name="Shape 66"/>
+        <p:cNvPr id="1" name="Shape 136"/>
         <p:cNvGrpSpPr/>
         <p:nvPr/>
       </p:nvGrpSpPr>
@@ -2471,7 +2422,7 @@
       </p:grpSpPr>
       <p:sp>
         <p:nvSpPr>
-          <p:cNvPr id="67" name="Shape 67"/>
+          <p:cNvPr id="137" name="Shape 137"/>
           <p:cNvSpPr>
             <a:spLocks noGrp="1" noRot="1" noChangeAspect="1"/>
           </p:cNvSpPr>
@@ -2522,7 +2473,7 @@
       </p:sp>
       <p:sp>
         <p:nvSpPr>
-          <p:cNvPr id="68" name="Shape 68"/>
+          <p:cNvPr id="138" name="Shape 138"/>
           <p:cNvSpPr txBox="1">
             <a:spLocks noGrp="1"/>
           </p:cNvSpPr>
@@ -2545,27 +2496,69 @@
           </a:bodyPr>
           <a:lstStyle/>
           <a:p>
-            <a:pPr>
+            <a:pPr lvl="0" rtl="0">
               <a:spcBef>
                 <a:spcPts val="0"/>
               </a:spcBef>
               <a:buNone/>
             </a:pPr>
             <a:r>
-              <a:rPr lang="en-US" dirty="0" smtClean="0"/>
-              <a:t>Green</a:t>
+              <a:rPr lang="en-US" dirty="0" err="1" smtClean="0"/>
+              <a:t>Kacprzak</a:t>
             </a:r>
             <a:r>
               <a:rPr lang="en-US" baseline="0" dirty="0" smtClean="0"/>
-              <a:t> -&gt; </a:t>
+              <a:t> claims a correlation between inclination and equivalent width – halo gas has a co-planar geometry and is coupled to the disk inclination.</a:t>
+            </a:r>
+          </a:p>
+          <a:p>
+            <a:pPr lvl="0" rtl="0">
+              <a:spcBef>
+                <a:spcPts val="0"/>
+              </a:spcBef>
+              <a:buNone/>
+            </a:pPr>
+            <a:endParaRPr lang="en-US" baseline="0" dirty="0" smtClean="0"/>
+          </a:p>
+          <a:p>
+            <a:pPr lvl="0" rtl="0">
+              <a:spcBef>
+                <a:spcPts val="0"/>
+              </a:spcBef>
+              <a:buNone/>
+            </a:pPr>
+            <a:r>
+              <a:rPr lang="en-US" baseline="0" dirty="0" smtClean="0"/>
+              <a:t>Y-axis: EW residuals computed from the fit between EW </a:t>
             </a:r>
             <a:r>
               <a:rPr lang="en-US" baseline="0" dirty="0" err="1" smtClean="0"/>
-              <a:t>Lya</a:t>
+              <a:t>vs</a:t>
             </a:r>
             <a:r>
               <a:rPr lang="en-US" baseline="0" dirty="0" smtClean="0"/>
-              <a:t> (T = 10^4), Orange -&gt; OVI (T = 10^5 – 10^7), Red -&gt; X-rays (T&gt;10^7)</a:t>
+              <a:t> impact parameter</a:t>
+            </a:r>
+          </a:p>
+          <a:p>
+            <a:pPr lvl="0" rtl="0">
+              <a:spcBef>
+                <a:spcPts val="0"/>
+              </a:spcBef>
+              <a:buNone/>
+            </a:pPr>
+            <a:endParaRPr lang="en-US" baseline="0" dirty="0" smtClean="0"/>
+          </a:p>
+          <a:p>
+            <a:pPr lvl="0" rtl="0">
+              <a:spcBef>
+                <a:spcPts val="0"/>
+              </a:spcBef>
+              <a:buNone/>
+            </a:pPr>
+            <a:r>
+              <a:rPr lang="en-US" baseline="0" dirty="0" smtClean="0"/>
+              <a:t>BLURRY</a:t>
             </a:r>
             <a:endParaRPr dirty="0"/>
           </a:p>
@@ -2584,7 +2577,7 @@
   <p:cSld>
     <p:spTree>
       <p:nvGrpSpPr>
-        <p:cNvPr id="1" name="Shape 32"/>
+        <p:cNvPr id="1" name="Shape 66"/>
         <p:cNvGrpSpPr/>
         <p:nvPr/>
       </p:nvGrpSpPr>
@@ -2598,7 +2591,7 @@
       </p:grpSpPr>
       <p:sp>
         <p:nvSpPr>
-          <p:cNvPr id="33" name="Shape 33"/>
+          <p:cNvPr id="67" name="Shape 67"/>
           <p:cNvSpPr>
             <a:spLocks noGrp="1" noRot="1" noChangeAspect="1"/>
           </p:cNvSpPr>
@@ -2649,7 +2642,7 @@
       </p:sp>
       <p:sp>
         <p:nvSpPr>
-          <p:cNvPr id="34" name="Shape 34"/>
+          <p:cNvPr id="68" name="Shape 68"/>
           <p:cNvSpPr txBox="1">
             <a:spLocks noGrp="1"/>
           </p:cNvSpPr>
@@ -2680,32 +2673,19 @@
             </a:pPr>
             <a:r>
               <a:rPr lang="en-US" dirty="0" smtClean="0"/>
-              <a:t>LEFT: Closed box.</a:t>
-            </a:r>
-          </a:p>
-          <a:p>
-            <a:pPr>
-              <a:spcBef>
-                <a:spcPts val="0"/>
-              </a:spcBef>
-              <a:buNone/>
-            </a:pPr>
-            <a:endParaRPr lang="en-US" dirty="0" smtClean="0"/>
-          </a:p>
-          <a:p>
-            <a:pPr>
-              <a:spcBef>
-                <a:spcPts val="0"/>
-              </a:spcBef>
-              <a:buNone/>
-            </a:pPr>
-            <a:r>
-              <a:rPr lang="en-US" dirty="0" smtClean="0"/>
-              <a:t>RIGHT: Outflow</a:t>
+              <a:t>Green</a:t>
             </a:r>
             <a:r>
               <a:rPr lang="en-US" baseline="0" dirty="0" smtClean="0"/>
-              <a:t> rate = SFR, inflow rate = 1.9*SFR</a:t>
+              <a:t> -&gt; </a:t>
+            </a:r>
+            <a:r>
+              <a:rPr lang="en-US" baseline="0" dirty="0" err="1" smtClean="0"/>
+              <a:t>Lya</a:t>
+            </a:r>
+            <a:r>
+              <a:rPr lang="en-US" baseline="0" dirty="0" smtClean="0"/>
+              <a:t> (T = 10^4), Orange -&gt; OVI (T = 10^5 – 10^7), Red -&gt; X-rays (T&gt;10^7)</a:t>
             </a:r>
             <a:endParaRPr dirty="0"/>
           </a:p>
@@ -2724,7 +2704,7 @@
   <p:cSld>
     <p:spTree>
       <p:nvGrpSpPr>
-        <p:cNvPr id="1" name="Shape 123"/>
+        <p:cNvPr id="1" name="Shape 32"/>
         <p:cNvGrpSpPr/>
         <p:nvPr/>
       </p:nvGrpSpPr>
@@ -2738,7 +2718,7 @@
       </p:grpSpPr>
       <p:sp>
         <p:nvSpPr>
-          <p:cNvPr id="124" name="Shape 124"/>
+          <p:cNvPr id="33" name="Shape 33"/>
           <p:cNvSpPr>
             <a:spLocks noGrp="1" noRot="1" noChangeAspect="1"/>
           </p:cNvSpPr>
@@ -2789,7 +2769,7 @@
       </p:sp>
       <p:sp>
         <p:nvSpPr>
-          <p:cNvPr id="125" name="Shape 125"/>
+          <p:cNvPr id="34" name="Shape 34"/>
           <p:cNvSpPr txBox="1">
             <a:spLocks noGrp="1"/>
           </p:cNvSpPr>
@@ -2812,7 +2792,7 @@
           </a:bodyPr>
           <a:lstStyle/>
           <a:p>
-            <a:pPr lvl="0" rtl="0">
+            <a:pPr>
               <a:spcBef>
                 <a:spcPts val="0"/>
               </a:spcBef>
@@ -2820,11 +2800,32 @@
             </a:pPr>
             <a:r>
               <a:rPr lang="en-US" dirty="0" smtClean="0"/>
-              <a:t>Define</a:t>
+              <a:t>LEFT: Closed box.</a:t>
+            </a:r>
+          </a:p>
+          <a:p>
+            <a:pPr>
+              <a:spcBef>
+                <a:spcPts val="0"/>
+              </a:spcBef>
+              <a:buNone/>
+            </a:pPr>
+            <a:endParaRPr lang="en-US" dirty="0" smtClean="0"/>
+          </a:p>
+          <a:p>
+            <a:pPr>
+              <a:spcBef>
+                <a:spcPts val="0"/>
+              </a:spcBef>
+              <a:buNone/>
+            </a:pPr>
+            <a:r>
+              <a:rPr lang="en-US" dirty="0" smtClean="0"/>
+              <a:t>RIGHT: Outflow</a:t>
             </a:r>
             <a:r>
               <a:rPr lang="en-US" baseline="0" dirty="0" smtClean="0"/>
-              <a:t> inclination and orientation</a:t>
+              <a:t> rate = SFR, inflow rate = 1.9*SFR</a:t>
             </a:r>
             <a:endParaRPr dirty="0"/>
           </a:p>
@@ -2843,7 +2844,7 @@
   <p:cSld>
     <p:spTree>
       <p:nvGrpSpPr>
-        <p:cNvPr id="1" name="Shape 136"/>
+        <p:cNvPr id="1" name="Shape 123"/>
         <p:cNvGrpSpPr/>
         <p:nvPr/>
       </p:nvGrpSpPr>
@@ -2857,7 +2858,7 @@
       </p:grpSpPr>
       <p:sp>
         <p:nvSpPr>
-          <p:cNvPr id="137" name="Shape 137"/>
+          <p:cNvPr id="124" name="Shape 124"/>
           <p:cNvSpPr>
             <a:spLocks noGrp="1" noRot="1" noChangeAspect="1"/>
           </p:cNvSpPr>
@@ -2908,7 +2909,7 @@
       </p:sp>
       <p:sp>
         <p:nvSpPr>
-          <p:cNvPr id="138" name="Shape 138"/>
+          <p:cNvPr id="125" name="Shape 125"/>
           <p:cNvSpPr txBox="1">
             <a:spLocks noGrp="1"/>
           </p:cNvSpPr>
@@ -2939,32 +2940,11 @@
             </a:pPr>
             <a:r>
               <a:rPr lang="en-US" dirty="0" smtClean="0"/>
-              <a:t>Black is total, red is red galaxies (early type),</a:t>
+              <a:t>Define</a:t>
             </a:r>
             <a:r>
               <a:rPr lang="en-US" baseline="0" dirty="0" smtClean="0"/>
-              <a:t> blue is blue galaxies (late type)</a:t>
-            </a:r>
-          </a:p>
-          <a:p>
-            <a:pPr lvl="0" rtl="0">
-              <a:spcBef>
-                <a:spcPts val="0"/>
-              </a:spcBef>
-              <a:buNone/>
-            </a:pPr>
-            <a:endParaRPr lang="en-US" baseline="0" dirty="0" smtClean="0"/>
-          </a:p>
-          <a:p>
-            <a:pPr lvl="0" rtl="0">
-              <a:spcBef>
-                <a:spcPts val="0"/>
-              </a:spcBef>
-              <a:buNone/>
-            </a:pPr>
-            <a:r>
-              <a:rPr lang="en-US" baseline="0" dirty="0" smtClean="0"/>
-              <a:t>LABEL ON THE PLOT “MINOR” AND “MAJOR” AXIS</a:t>
+              <a:t> inclination and orientation</a:t>
             </a:r>
             <a:endParaRPr dirty="0"/>
           </a:p>
@@ -2983,7 +2963,7 @@
   <p:cSld>
     <p:spTree>
       <p:nvGrpSpPr>
-        <p:cNvPr id="1" name="Shape 32"/>
+        <p:cNvPr id="1" name="Shape 136"/>
         <p:cNvGrpSpPr/>
         <p:nvPr/>
       </p:nvGrpSpPr>
@@ -2997,7 +2977,7 @@
       </p:grpSpPr>
       <p:sp>
         <p:nvSpPr>
-          <p:cNvPr id="33" name="Shape 33"/>
+          <p:cNvPr id="137" name="Shape 137"/>
           <p:cNvSpPr>
             <a:spLocks noGrp="1" noRot="1" noChangeAspect="1"/>
           </p:cNvSpPr>
@@ -3048,7 +3028,7 @@
       </p:sp>
       <p:sp>
         <p:nvSpPr>
-          <p:cNvPr id="34" name="Shape 34"/>
+          <p:cNvPr id="138" name="Shape 138"/>
           <p:cNvSpPr txBox="1">
             <a:spLocks noGrp="1"/>
           </p:cNvSpPr>
@@ -3071,7 +3051,7 @@
           </a:bodyPr>
           <a:lstStyle/>
           <a:p>
-            <a:pPr>
+            <a:pPr lvl="0" rtl="0">
               <a:spcBef>
                 <a:spcPts val="0"/>
               </a:spcBef>
@@ -3079,11 +3059,32 @@
             </a:pPr>
             <a:r>
               <a:rPr lang="en-US" dirty="0" smtClean="0"/>
-              <a:t>Gas and galaxies both</a:t>
+              <a:t>Black is total, red is red galaxies (early type),</a:t>
             </a:r>
             <a:r>
               <a:rPr lang="en-US" baseline="0" dirty="0" smtClean="0"/>
-              <a:t> follow the DM potential, but how do the interact?</a:t>
+              <a:t> blue is blue galaxies (late type)</a:t>
+            </a:r>
+          </a:p>
+          <a:p>
+            <a:pPr lvl="0" rtl="0">
+              <a:spcBef>
+                <a:spcPts val="0"/>
+              </a:spcBef>
+              <a:buNone/>
+            </a:pPr>
+            <a:endParaRPr lang="en-US" baseline="0" dirty="0" smtClean="0"/>
+          </a:p>
+          <a:p>
+            <a:pPr lvl="0" rtl="0">
+              <a:spcBef>
+                <a:spcPts val="0"/>
+              </a:spcBef>
+              <a:buNone/>
+            </a:pPr>
+            <a:r>
+              <a:rPr lang="en-US" baseline="0" dirty="0" smtClean="0"/>
+              <a:t>LABEL ON THE PLOT “MINOR” AND “MAJOR” AXIS</a:t>
             </a:r>
             <a:endParaRPr dirty="0"/>
           </a:p>
@@ -3097,7 +3098,7 @@
 </p:notes>
 </file>
 
-<file path=ppt/notesSlides/notesSlide3.xml><?xml version="1.0" encoding="utf-8"?>
+<file path=ppt/notesSlides/notesSlide29.xml><?xml version="1.0" encoding="utf-8"?>
 <p:notes xmlns:a="http://schemas.openxmlformats.org/drawingml/2006/main" xmlns:r="http://schemas.openxmlformats.org/officeDocument/2006/relationships" xmlns:p="http://schemas.openxmlformats.org/presentationml/2006/main" showMasterSp="0" showMasterPhAnim="0">
   <p:cSld>
     <p:spTree>
@@ -3196,6 +3197,14 @@
               </a:spcBef>
               <a:buNone/>
             </a:pPr>
+            <a:r>
+              <a:rPr lang="en-US" dirty="0" smtClean="0"/>
+              <a:t>Gas and galaxies both</a:t>
+            </a:r>
+            <a:r>
+              <a:rPr lang="en-US" baseline="0" dirty="0" smtClean="0"/>
+              <a:t> follow the DM potential, but how do the interact?</a:t>
+            </a:r>
             <a:endParaRPr dirty="0"/>
           </a:p>
         </p:txBody>
@@ -3208,7 +3217,7 @@
 </p:notes>
 </file>
 
-<file path=ppt/notesSlides/notesSlide4.xml><?xml version="1.0" encoding="utf-8"?>
+<file path=ppt/notesSlides/notesSlide3.xml><?xml version="1.0" encoding="utf-8"?>
 <p:notes xmlns:a="http://schemas.openxmlformats.org/drawingml/2006/main" xmlns:r="http://schemas.openxmlformats.org/officeDocument/2006/relationships" xmlns:p="http://schemas.openxmlformats.org/presentationml/2006/main" showMasterSp="0" showMasterPhAnim="0">
   <p:cSld>
     <p:spTree>
@@ -3307,7 +3316,7 @@
               </a:spcBef>
               <a:buNone/>
             </a:pPr>
-            <a:endParaRPr/>
+            <a:endParaRPr dirty="0"/>
           </a:p>
         </p:txBody>
       </p:sp>
@@ -3319,7 +3328,7 @@
 </p:notes>
 </file>
 
-<file path=ppt/notesSlides/notesSlide5.xml><?xml version="1.0" encoding="utf-8"?>
+<file path=ppt/notesSlides/notesSlide4.xml><?xml version="1.0" encoding="utf-8"?>
 <p:notes xmlns:a="http://schemas.openxmlformats.org/drawingml/2006/main" xmlns:r="http://schemas.openxmlformats.org/officeDocument/2006/relationships" xmlns:p="http://schemas.openxmlformats.org/presentationml/2006/main" showMasterSp="0" showMasterPhAnim="0">
   <p:cSld>
     <p:spTree>
@@ -3418,15 +3427,7 @@
               </a:spcBef>
               <a:buNone/>
             </a:pPr>
-            <a:r>
-              <a:rPr lang="en-US" dirty="0" smtClean="0"/>
-              <a:t>Put one</a:t>
-            </a:r>
-            <a:r>
-              <a:rPr lang="en-US" baseline="0" dirty="0" smtClean="0"/>
-              <a:t> of these first</a:t>
-            </a:r>
-            <a:endParaRPr dirty="0"/>
+            <a:endParaRPr/>
           </a:p>
         </p:txBody>
       </p:sp>
@@ -3438,12 +3439,12 @@
 </p:notes>
 </file>
 
-<file path=ppt/notesSlides/notesSlide6.xml><?xml version="1.0" encoding="utf-8"?>
+<file path=ppt/notesSlides/notesSlide5.xml><?xml version="1.0" encoding="utf-8"?>
 <p:notes xmlns:a="http://schemas.openxmlformats.org/drawingml/2006/main" xmlns:r="http://schemas.openxmlformats.org/officeDocument/2006/relationships" xmlns:p="http://schemas.openxmlformats.org/presentationml/2006/main" showMasterSp="0" showMasterPhAnim="0">
   <p:cSld>
     <p:spTree>
       <p:nvGrpSpPr>
-        <p:cNvPr id="1" name="Shape 123"/>
+        <p:cNvPr id="1" name="Shape 32"/>
         <p:cNvGrpSpPr/>
         <p:nvPr/>
       </p:nvGrpSpPr>
@@ -3457,7 +3458,7 @@
       </p:grpSpPr>
       <p:sp>
         <p:nvSpPr>
-          <p:cNvPr id="124" name="Shape 124"/>
+          <p:cNvPr id="33" name="Shape 33"/>
           <p:cNvSpPr>
             <a:spLocks noGrp="1" noRot="1" noChangeAspect="1"/>
           </p:cNvSpPr>
@@ -3508,7 +3509,7 @@
       </p:sp>
       <p:sp>
         <p:nvSpPr>
-          <p:cNvPr id="125" name="Shape 125"/>
+          <p:cNvPr id="34" name="Shape 34"/>
           <p:cNvSpPr txBox="1">
             <a:spLocks noGrp="1"/>
           </p:cNvSpPr>
@@ -3531,19 +3532,135 @@
           </a:bodyPr>
           <a:lstStyle/>
           <a:p>
-            <a:pPr lvl="0" rtl="0">
+            <a:pPr>
               <a:spcBef>
                 <a:spcPts val="0"/>
               </a:spcBef>
               <a:buNone/>
             </a:pPr>
+            <a:endParaRPr/>
+          </a:p>
+        </p:txBody>
+      </p:sp>
+    </p:spTree>
+    <p:extLst>
+      <p:ext uri="{BB962C8B-B14F-4D97-AF65-F5344CB8AC3E}">
+        <p14:creationId xmlns:p14="http://schemas.microsoft.com/office/powerpoint/2010/main" val="1847161907"/>
+      </p:ext>
+    </p:extLst>
+  </p:cSld>
+  <p:clrMapOvr>
+    <a:masterClrMapping/>
+  </p:clrMapOvr>
+</p:notes>
+</file>
+
+<file path=ppt/notesSlides/notesSlide6.xml><?xml version="1.0" encoding="utf-8"?>
+<p:notes xmlns:a="http://schemas.openxmlformats.org/drawingml/2006/main" xmlns:r="http://schemas.openxmlformats.org/officeDocument/2006/relationships" xmlns:p="http://schemas.openxmlformats.org/presentationml/2006/main" showMasterSp="0" showMasterPhAnim="0">
+  <p:cSld>
+    <p:spTree>
+      <p:nvGrpSpPr>
+        <p:cNvPr id="1" name="Shape 32"/>
+        <p:cNvGrpSpPr/>
+        <p:nvPr/>
+      </p:nvGrpSpPr>
+      <p:grpSpPr>
+        <a:xfrm>
+          <a:off x="0" y="0"/>
+          <a:ext cx="0" cy="0"/>
+          <a:chOff x="0" y="0"/>
+          <a:chExt cx="0" cy="0"/>
+        </a:xfrm>
+      </p:grpSpPr>
+      <p:sp>
+        <p:nvSpPr>
+          <p:cNvPr id="33" name="Shape 33"/>
+          <p:cNvSpPr>
+            <a:spLocks noGrp="1" noRot="1" noChangeAspect="1"/>
+          </p:cNvSpPr>
+          <p:nvPr>
+            <p:ph type="sldImg" idx="2"/>
+          </p:nvPr>
+        </p:nvSpPr>
+        <p:spPr>
+          <a:xfrm>
+            <a:off x="1143000" y="685800"/>
+            <a:ext cx="4572000" cy="3429000"/>
+          </a:xfrm>
+          <a:custGeom>
+            <a:avLst/>
+            <a:gdLst/>
+            <a:ahLst/>
+            <a:cxnLst/>
+            <a:rect l="0" t="0" r="0" b="0"/>
+            <a:pathLst>
+              <a:path w="120000" h="120000" extrusionOk="0">
+                <a:moveTo>
+                  <a:pt x="0" y="0"/>
+                </a:moveTo>
+                <a:lnTo>
+                  <a:pt x="120000" y="0"/>
+                </a:lnTo>
+                <a:lnTo>
+                  <a:pt x="120000" y="120000"/>
+                </a:lnTo>
+                <a:lnTo>
+                  <a:pt x="0" y="120000"/>
+                </a:lnTo>
+                <a:close/>
+              </a:path>
+            </a:pathLst>
+          </a:custGeom>
+          <a:noFill/>
+          <a:ln w="9525" cap="flat">
+            <a:solidFill>
+              <a:srgbClr val="000000"/>
+            </a:solidFill>
+            <a:prstDash val="solid"/>
+            <a:round/>
+            <a:headEnd type="none" w="med" len="med"/>
+            <a:tailEnd type="none" w="med" len="med"/>
+          </a:ln>
+        </p:spPr>
+      </p:sp>
+      <p:sp>
+        <p:nvSpPr>
+          <p:cNvPr id="34" name="Shape 34"/>
+          <p:cNvSpPr txBox="1">
+            <a:spLocks noGrp="1"/>
+          </p:cNvSpPr>
+          <p:nvPr>
+            <p:ph type="body" idx="1"/>
+          </p:nvPr>
+        </p:nvSpPr>
+        <p:spPr>
+          <a:xfrm>
+            <a:off x="685800" y="4343400"/>
+            <a:ext cx="5486399" cy="4114800"/>
+          </a:xfrm>
+          <a:prstGeom prst="rect">
+            <a:avLst/>
+          </a:prstGeom>
+        </p:spPr>
+        <p:txBody>
+          <a:bodyPr lIns="91425" tIns="91425" rIns="91425" bIns="91425" anchor="t" anchorCtr="0">
+            <a:noAutofit/>
+          </a:bodyPr>
+          <a:lstStyle/>
+          <a:p>
+            <a:pPr>
+              <a:spcBef>
+                <a:spcPts val="0"/>
+              </a:spcBef>
+              <a:buNone/>
+            </a:pPr>
             <a:r>
               <a:rPr lang="en-US" dirty="0" smtClean="0"/>
-              <a:t>Define</a:t>
+              <a:t>Put one</a:t>
             </a:r>
             <a:r>
               <a:rPr lang="en-US" baseline="0" dirty="0" smtClean="0"/>
-              <a:t> inclination and orientation</a:t>
+              <a:t> of these first</a:t>
             </a:r>
             <a:endParaRPr dirty="0"/>
           </a:p>
@@ -5692,7 +5809,7 @@
         </p:nvSpPr>
         <p:spPr>
           <a:xfrm>
-            <a:off x="186600" y="42334"/>
+            <a:off x="186600" y="235517"/>
             <a:ext cx="8770799" cy="1421998"/>
           </a:xfrm>
           <a:prstGeom prst="rect">
@@ -5707,19 +5824,30 @@
           <a:p>
             <a:pPr lvl="0"/>
             <a:r>
-              <a:rPr lang="en" sz="3600" dirty="0" smtClean="0"/>
-              <a:t>Tracing the </a:t>
-            </a:r>
-            <a:r>
-              <a:rPr lang="en-US" sz="3600" dirty="0" err="1" smtClean="0"/>
+              <a:rPr lang="en-US" sz="3600" dirty="0" smtClean="0"/>
+              <a:t>Does gas in the IGM care about galaxies?</a:t>
+            </a:r>
+            <a:br>
+              <a:rPr lang="en-US" sz="3600" dirty="0" smtClean="0"/>
+            </a:br>
+            <a:r>
+              <a:rPr lang="en" sz="2000" i="1" dirty="0" smtClean="0"/>
+              <a:t>Tracing </a:t>
+            </a:r>
+            <a:r>
+              <a:rPr lang="en" sz="2000" i="1" dirty="0" smtClean="0"/>
+              <a:t>the </a:t>
+            </a:r>
+            <a:r>
+              <a:rPr lang="en-US" sz="2000" i="1" dirty="0" err="1" smtClean="0"/>
               <a:t>Circumgalactic</a:t>
             </a:r>
             <a:r>
-              <a:rPr lang="en-US" sz="3600" dirty="0" smtClean="0"/>
+              <a:rPr lang="en-US" sz="2000" i="1" dirty="0" smtClean="0"/>
               <a:t> Medium in Ly</a:t>
             </a:r>
             <a:r>
-              <a:rPr lang="en-US" sz="3600" dirty="0">
+              <a:rPr lang="en-US" sz="2000" i="1" dirty="0">
                 <a:solidFill>
                   <a:srgbClr val="FFFFFF"/>
                 </a:solidFill>
@@ -5727,14 +5855,14 @@
               <a:t>α</a:t>
             </a:r>
             <a:r>
-              <a:rPr lang="en" sz="3600" dirty="0" smtClean="0"/>
+              <a:rPr lang="en" sz="2000" i="1" dirty="0" smtClean="0"/>
               <a:t> with C</a:t>
             </a:r>
             <a:r>
-              <a:rPr lang="en-US" sz="3600" dirty="0" smtClean="0"/>
+              <a:rPr lang="en-US" sz="2000" i="1" dirty="0" smtClean="0"/>
               <a:t>OS</a:t>
             </a:r>
-            <a:endParaRPr lang="en" sz="3600" dirty="0"/>
+            <a:endParaRPr lang="en" sz="2000" i="1" dirty="0"/>
           </a:p>
         </p:txBody>
       </p:sp>
@@ -5750,8 +5878,8 @@
         </p:nvSpPr>
         <p:spPr>
           <a:xfrm>
-            <a:off x="685800" y="4346100"/>
-            <a:ext cx="7772400" cy="1889400"/>
+            <a:off x="685799" y="4713667"/>
+            <a:ext cx="7772400" cy="1789963"/>
           </a:xfrm>
           <a:prstGeom prst="rect">
             <a:avLst/>
@@ -5763,7 +5891,7 @@
           </a:bodyPr>
           <a:lstStyle/>
           <a:p>
-            <a:pPr lvl="0" rtl="0">
+            <a:pPr lvl="0" algn="r" rtl="0">
               <a:lnSpc>
                 <a:spcPct val="115000"/>
               </a:lnSpc>
@@ -5773,7 +5901,7 @@
               <a:buNone/>
             </a:pPr>
             <a:r>
-              <a:rPr lang="en" sz="2600" dirty="0">
+              <a:rPr lang="en" sz="2400" dirty="0">
                 <a:solidFill>
                   <a:srgbClr val="FFFFFF"/>
                 </a:solidFill>
@@ -5781,7 +5909,7 @@
               <a:t>David </a:t>
             </a:r>
             <a:r>
-              <a:rPr lang="en-US" sz="2600" dirty="0" smtClean="0">
+              <a:rPr lang="en-US" sz="2400" dirty="0" smtClean="0">
                 <a:solidFill>
                   <a:srgbClr val="FFFFFF"/>
                 </a:solidFill>
@@ -5789,21 +5917,21 @@
               <a:t>M. </a:t>
             </a:r>
             <a:r>
-              <a:rPr lang="en" sz="2600" dirty="0" smtClean="0">
+              <a:rPr lang="en" sz="2400" dirty="0" smtClean="0">
                 <a:solidFill>
                   <a:srgbClr val="FFFFFF"/>
                 </a:solidFill>
               </a:rPr>
               <a:t>French</a:t>
             </a:r>
-            <a:endParaRPr lang="en" sz="2600" dirty="0">
+            <a:endParaRPr lang="en" sz="2400" dirty="0">
               <a:solidFill>
                 <a:srgbClr val="FFFFFF"/>
               </a:solidFill>
             </a:endParaRPr>
           </a:p>
           <a:p>
-            <a:pPr lvl="0" rtl="0">
+            <a:pPr lvl="0" algn="r" rtl="0">
               <a:lnSpc>
                 <a:spcPct val="115000"/>
               </a:lnSpc>
@@ -5813,7 +5941,7 @@
               <a:buNone/>
             </a:pPr>
             <a:r>
-              <a:rPr lang="en" sz="2600" dirty="0" smtClean="0">
+              <a:rPr lang="en" sz="2400" dirty="0" smtClean="0">
                 <a:solidFill>
                   <a:srgbClr val="FFFFFF"/>
                 </a:solidFill>
@@ -5821,7 +5949,7 @@
               <a:t>Adv</a:t>
             </a:r>
             <a:r>
-              <a:rPr lang="en-US" sz="2600" dirty="0" err="1" smtClean="0">
+              <a:rPr lang="en-US" sz="2400" dirty="0" err="1" smtClean="0">
                 <a:solidFill>
                   <a:srgbClr val="FFFFFF"/>
                 </a:solidFill>
@@ -5829,7 +5957,7 @@
               <a:t>isor</a:t>
             </a:r>
             <a:r>
-              <a:rPr lang="en" sz="2600" dirty="0" smtClean="0">
+              <a:rPr lang="en" sz="2400" dirty="0" smtClean="0">
                 <a:solidFill>
                   <a:srgbClr val="FFFFFF"/>
                 </a:solidFill>
@@ -5837,7 +5965,7 @@
               <a:t>: </a:t>
             </a:r>
             <a:r>
-              <a:rPr lang="en" sz="2600" dirty="0">
+              <a:rPr lang="en" sz="2400" dirty="0">
                 <a:solidFill>
                   <a:srgbClr val="FFFFFF"/>
                 </a:solidFill>
@@ -5846,7 +5974,7 @@
             </a:r>
           </a:p>
           <a:p>
-            <a:pPr lvl="0" rtl="0">
+            <a:pPr lvl="0" algn="r" rtl="0">
               <a:lnSpc>
                 <a:spcPct val="115000"/>
               </a:lnSpc>
@@ -5865,7 +5993,7 @@
             </a:r>
           </a:p>
           <a:p>
-            <a:pPr lvl="0" rtl="0">
+            <a:pPr lvl="0" algn="r" rtl="0">
               <a:lnSpc>
                 <a:spcPct val="115000"/>
               </a:lnSpc>
@@ -5905,7 +6033,7 @@
             </a:endParaRPr>
           </a:p>
           <a:p>
-            <a:pPr>
+            <a:pPr algn="r">
               <a:spcBef>
                 <a:spcPts val="0"/>
               </a:spcBef>
@@ -6054,7 +6182,7 @@
         </p:nvSpPr>
         <p:spPr>
           <a:xfrm>
-            <a:off x="628550" y="31856"/>
+            <a:off x="628550" y="19028"/>
             <a:ext cx="8077500" cy="917393"/>
           </a:xfrm>
           <a:prstGeom prst="rect">
@@ -6079,7 +6207,15 @@
                   <a:srgbClr val="FFFFFF"/>
                 </a:solidFill>
               </a:rPr>
-              <a:t>Impact parameter</a:t>
+              <a:t>Results so far</a:t>
+            </a:r>
+            <a:r>
+              <a:rPr lang="is-IS" sz="3600" i="1" dirty="0" smtClean="0">
+                <a:solidFill>
+                  <a:srgbClr val="FFFFFF"/>
+                </a:solidFill>
+              </a:rPr>
+              <a:t>…</a:t>
             </a:r>
             <a:endParaRPr lang="en" sz="3600" i="1" dirty="0">
               <a:solidFill>
@@ -6089,40 +6225,174 @@
           </a:p>
         </p:txBody>
       </p:sp>
-      <p:pic>
-        <p:nvPicPr>
-          <p:cNvPr id="3" name="Picture 2" descr="W(impact)_avgHistograms.pdf"/>
-          <p:cNvPicPr>
-            <a:picLocks noChangeAspect="1"/>
-          </p:cNvPicPr>
+      <p:sp>
+        <p:nvSpPr>
+          <p:cNvPr id="2" name="TextBox 1"/>
+          <p:cNvSpPr txBox="1"/>
           <p:nvPr/>
-        </p:nvPicPr>
-        <p:blipFill>
-          <a:blip r:embed="rId3">
-            <a:extLst>
-              <a:ext uri="{28A0092B-C50C-407E-A947-70E740481C1C}">
-                <a14:useLocalDpi xmlns:a14="http://schemas.microsoft.com/office/drawing/2010/main" val="0"/>
-              </a:ext>
-            </a:extLst>
-          </a:blip>
-          <a:stretch>
-            <a:fillRect/>
-          </a:stretch>
-        </p:blipFill>
-        <p:spPr>
-          <a:xfrm>
-            <a:off x="975048" y="897941"/>
-            <a:ext cx="7224082" cy="5418062"/>
-          </a:xfrm>
-          <a:prstGeom prst="rect">
-            <a:avLst/>
-          </a:prstGeom>
-        </p:spPr>
-      </p:pic>
+        </p:nvSpPr>
+        <p:spPr>
+          <a:xfrm>
+            <a:off x="782580" y="1103179"/>
+            <a:ext cx="7769520" cy="4832093"/>
+          </a:xfrm>
+          <a:prstGeom prst="rect">
+            <a:avLst/>
+          </a:prstGeom>
+          <a:noFill/>
+        </p:spPr>
+        <p:txBody>
+          <a:bodyPr wrap="square" rtlCol="0">
+            <a:spAutoFit/>
+          </a:bodyPr>
+          <a:lstStyle/>
+          <a:p>
+            <a:pPr marL="457200" indent="-457200">
+              <a:buFont typeface="Arial"/>
+              <a:buChar char="•"/>
+            </a:pPr>
+            <a:r>
+              <a:rPr lang="en-US" sz="2800" dirty="0" smtClean="0">
+                <a:solidFill>
+                  <a:srgbClr val="FFFFFF"/>
+                </a:solidFill>
+              </a:rPr>
+              <a:t>35 COS sightlines analyzed</a:t>
+            </a:r>
+          </a:p>
+          <a:p>
+            <a:pPr marL="457200" indent="-457200">
+              <a:buFont typeface="Arial"/>
+              <a:buChar char="•"/>
+            </a:pPr>
+            <a:endParaRPr lang="en-US" sz="2800" dirty="0">
+              <a:solidFill>
+                <a:srgbClr val="FFFFFF"/>
+              </a:solidFill>
+            </a:endParaRPr>
+          </a:p>
+          <a:p>
+            <a:pPr marL="457200" indent="-457200">
+              <a:buFont typeface="Arial"/>
+              <a:buChar char="•"/>
+            </a:pPr>
+            <a:r>
+              <a:rPr lang="en-US" sz="2800" dirty="0" smtClean="0">
+                <a:solidFill>
+                  <a:srgbClr val="FFFFFF"/>
+                </a:solidFill>
+              </a:rPr>
+              <a:t>175 Lyα lines</a:t>
+            </a:r>
+          </a:p>
+          <a:p>
+            <a:pPr marL="457200" indent="-457200">
+              <a:buFont typeface="Arial"/>
+              <a:buChar char="•"/>
+            </a:pPr>
+            <a:endParaRPr lang="en-US" sz="2800" dirty="0" smtClean="0">
+              <a:solidFill>
+                <a:srgbClr val="FFFFFF"/>
+              </a:solidFill>
+            </a:endParaRPr>
+          </a:p>
+          <a:p>
+            <a:pPr lvl="1"/>
+            <a:r>
+              <a:rPr lang="en-US" sz="2800" dirty="0">
+                <a:solidFill>
+                  <a:srgbClr val="FFFFFF"/>
+                </a:solidFill>
+              </a:rPr>
+              <a:t>	</a:t>
+            </a:r>
+            <a:r>
+              <a:rPr lang="en-US" sz="2800" dirty="0" smtClean="0">
+                <a:solidFill>
+                  <a:srgbClr val="FFFFFF"/>
+                </a:solidFill>
+              </a:rPr>
+              <a:t>- 41 associated</a:t>
+            </a:r>
+          </a:p>
+          <a:p>
+            <a:pPr lvl="1"/>
+            <a:endParaRPr lang="en-US" sz="2800" dirty="0" smtClean="0">
+              <a:solidFill>
+                <a:srgbClr val="FFFFFF"/>
+              </a:solidFill>
+            </a:endParaRPr>
+          </a:p>
+          <a:p>
+            <a:pPr lvl="1"/>
+            <a:r>
+              <a:rPr lang="en-US" sz="2800" dirty="0">
+                <a:solidFill>
+                  <a:srgbClr val="FFFFFF"/>
+                </a:solidFill>
+              </a:rPr>
+              <a:t>	</a:t>
+            </a:r>
+            <a:r>
+              <a:rPr lang="en-US" sz="2800" dirty="0" smtClean="0">
+                <a:solidFill>
+                  <a:srgbClr val="FFFFFF"/>
+                </a:solidFill>
+              </a:rPr>
+              <a:t>- 44 ambiguous (no best match)</a:t>
+            </a:r>
+          </a:p>
+          <a:p>
+            <a:pPr lvl="1"/>
+            <a:endParaRPr lang="en-US" sz="2800" dirty="0" smtClean="0">
+              <a:solidFill>
+                <a:srgbClr val="FFFFFF"/>
+              </a:solidFill>
+            </a:endParaRPr>
+          </a:p>
+          <a:p>
+            <a:pPr lvl="1"/>
+            <a:r>
+              <a:rPr lang="en-US" sz="2800" dirty="0">
+                <a:solidFill>
+                  <a:srgbClr val="FFFFFF"/>
+                </a:solidFill>
+              </a:rPr>
+              <a:t>	</a:t>
+            </a:r>
+            <a:r>
+              <a:rPr lang="en-US" sz="2800" dirty="0" smtClean="0">
+                <a:solidFill>
+                  <a:srgbClr val="FFFFFF"/>
+                </a:solidFill>
+              </a:rPr>
+              <a:t>- 88 IGM (no galaxies nearby)</a:t>
+            </a:r>
+          </a:p>
+          <a:p>
+            <a:pPr marL="457200" indent="-457200">
+              <a:buFont typeface="Arial"/>
+              <a:buChar char="•"/>
+            </a:pPr>
+            <a:endParaRPr lang="en-US" sz="2800" dirty="0">
+              <a:solidFill>
+                <a:srgbClr val="FFFFFF"/>
+              </a:solidFill>
+            </a:endParaRPr>
+          </a:p>
+          <a:p>
+            <a:endParaRPr lang="en-US" sz="2800" dirty="0">
+              <a:solidFill>
+                <a:srgbClr val="FFFFFF"/>
+              </a:solidFill>
+            </a:endParaRPr>
+          </a:p>
+        </p:txBody>
+      </p:sp>
     </p:spTree>
     <p:extLst>
       <p:ext uri="{BB962C8B-B14F-4D97-AF65-F5344CB8AC3E}">
-        <p14:creationId xmlns:p14="http://schemas.microsoft.com/office/powerpoint/2010/main" val="403955929"/>
+        <p14:creationId xmlns:p14="http://schemas.microsoft.com/office/powerpoint/2010/main" val="2512173972"/>
       </p:ext>
     </p:extLst>
   </p:cSld>
@@ -6196,7 +6466,7 @@
                   <a:srgbClr val="FFFFFF"/>
                 </a:solidFill>
               </a:rPr>
-              <a:t>Impact parameter / </a:t>
+              <a:t>Impact parameter</a:t>
             </a:r>
             <a:endParaRPr lang="en" sz="3600" i="1" dirty="0">
               <a:solidFill>
@@ -6208,38 +6478,14 @@
       </p:sp>
       <p:pic>
         <p:nvPicPr>
-          <p:cNvPr id="4" name="Picture 3"/>
+          <p:cNvPr id="3" name="Picture 2" descr="W(impact)_avgHistograms.pdf"/>
           <p:cNvPicPr>
             <a:picLocks noChangeAspect="1"/>
           </p:cNvPicPr>
           <p:nvPr/>
         </p:nvPicPr>
         <p:blipFill>
-          <a:blip r:embed="rId3"/>
-          <a:stretch>
-            <a:fillRect/>
-          </a:stretch>
-        </p:blipFill>
-        <p:spPr>
-          <a:xfrm>
-            <a:off x="6616232" y="250032"/>
-            <a:ext cx="863600" cy="457200"/>
-          </a:xfrm>
-          <a:prstGeom prst="rect">
-            <a:avLst/>
-          </a:prstGeom>
-        </p:spPr>
-      </p:pic>
-      <p:pic>
-        <p:nvPicPr>
-          <p:cNvPr id="5" name="Picture 4" descr="W(impact_vir)_avgHistograms.pdf"/>
-          <p:cNvPicPr>
-            <a:picLocks noChangeAspect="1"/>
-          </p:cNvPicPr>
-          <p:nvPr/>
-        </p:nvPicPr>
-        <p:blipFill>
-          <a:blip r:embed="rId4">
+          <a:blip r:embed="rId3">
             <a:extLst>
               <a:ext uri="{28A0092B-C50C-407E-A947-70E740481C1C}">
                 <a14:useLocalDpi xmlns:a14="http://schemas.microsoft.com/office/drawing/2010/main" val="0"/>
@@ -6252,8 +6498,8 @@
         </p:blipFill>
         <p:spPr>
           <a:xfrm>
-            <a:off x="975017" y="910453"/>
-            <a:ext cx="7198455" cy="5398841"/>
+            <a:off x="975048" y="897941"/>
+            <a:ext cx="7224082" cy="5418062"/>
           </a:xfrm>
           <a:prstGeom prst="rect">
             <a:avLst/>
@@ -6263,7 +6509,7 @@
     </p:spTree>
     <p:extLst>
       <p:ext uri="{BB962C8B-B14F-4D97-AF65-F5344CB8AC3E}">
-        <p14:creationId xmlns:p14="http://schemas.microsoft.com/office/powerpoint/2010/main" val="1704150729"/>
+        <p14:creationId xmlns:p14="http://schemas.microsoft.com/office/powerpoint/2010/main" val="403955929"/>
       </p:ext>
     </p:extLst>
   </p:cSld>
@@ -6337,23 +6583,7 @@
                   <a:srgbClr val="FFFFFF"/>
                 </a:solidFill>
               </a:rPr>
-              <a:t>Impact parameter </a:t>
-            </a:r>
-            <a:r>
-              <a:rPr lang="en-US" sz="3600" i="1" dirty="0" err="1" smtClean="0">
-                <a:solidFill>
-                  <a:srgbClr val="FFFFFF"/>
-                </a:solidFill>
-              </a:rPr>
-              <a:t>vs</a:t>
-            </a:r>
-            <a:r>
-              <a:rPr lang="en-US" sz="3600" i="1" dirty="0" smtClean="0">
-                <a:solidFill>
-                  <a:srgbClr val="FFFFFF"/>
-                </a:solidFill>
-              </a:rPr>
-              <a:t> </a:t>
+              <a:t>Impact parameter / </a:t>
             </a:r>
             <a:endParaRPr lang="en" sz="3600" i="1" dirty="0">
               <a:solidFill>
@@ -6379,7 +6609,7 @@
         </p:blipFill>
         <p:spPr>
           <a:xfrm>
-            <a:off x="6808669" y="250032"/>
+            <a:off x="6616232" y="250032"/>
             <a:ext cx="863600" cy="457200"/>
           </a:xfrm>
           <a:prstGeom prst="rect">
@@ -6389,14 +6619,14 @@
       </p:pic>
       <p:pic>
         <p:nvPicPr>
-          <p:cNvPr id="6" name="Picture 5" descr="impact(virial)_avgHist.pdf"/>
+          <p:cNvPr id="5" name="Picture 4" descr="W(impact_vir)_avgHistograms.pdf"/>
           <p:cNvPicPr>
             <a:picLocks noChangeAspect="1"/>
           </p:cNvPicPr>
           <p:nvPr/>
         </p:nvPicPr>
         <p:blipFill>
-          <a:blip r:embed="rId4">
+          <a:blip r:embed="rId3">
             <a:extLst>
               <a:ext uri="{28A0092B-C50C-407E-A947-70E740481C1C}">
                 <a14:useLocalDpi xmlns:a14="http://schemas.microsoft.com/office/drawing/2010/main" val="0"/>
@@ -6409,8 +6639,8 @@
         </p:blipFill>
         <p:spPr>
           <a:xfrm>
-            <a:off x="872385" y="910765"/>
-            <a:ext cx="7315200" cy="5486400"/>
+            <a:off x="975017" y="910453"/>
+            <a:ext cx="7198455" cy="5398841"/>
           </a:xfrm>
           <a:prstGeom prst="rect">
             <a:avLst/>
@@ -6420,7 +6650,7 @@
     </p:spTree>
     <p:extLst>
       <p:ext uri="{BB962C8B-B14F-4D97-AF65-F5344CB8AC3E}">
-        <p14:creationId xmlns:p14="http://schemas.microsoft.com/office/powerpoint/2010/main" val="2993001500"/>
+        <p14:creationId xmlns:p14="http://schemas.microsoft.com/office/powerpoint/2010/main" val="1704150729"/>
       </p:ext>
     </p:extLst>
   </p:cSld>
@@ -6469,8 +6699,8 @@
         </p:nvSpPr>
         <p:spPr>
           <a:xfrm>
-            <a:off x="628551" y="31856"/>
-            <a:ext cx="7402518" cy="917393"/>
+            <a:off x="628550" y="31856"/>
+            <a:ext cx="8077500" cy="917393"/>
           </a:xfrm>
           <a:prstGeom prst="rect">
             <a:avLst/>
@@ -6494,7 +6724,23 @@
                   <a:srgbClr val="FFFFFF"/>
                 </a:solidFill>
               </a:rPr>
-              <a:t>Impact parameter /</a:t>
+              <a:t>Impact parameter </a:t>
+            </a:r>
+            <a:r>
+              <a:rPr lang="en-US" sz="3600" i="1" dirty="0" err="1" smtClean="0">
+                <a:solidFill>
+                  <a:srgbClr val="FFFFFF"/>
+                </a:solidFill>
+              </a:rPr>
+              <a:t>vs</a:t>
+            </a:r>
+            <a:r>
+              <a:rPr lang="en-US" sz="3600" i="1" dirty="0" smtClean="0">
+                <a:solidFill>
+                  <a:srgbClr val="FFFFFF"/>
+                </a:solidFill>
+              </a:rPr>
+              <a:t> </a:t>
             </a:r>
             <a:endParaRPr lang="en" sz="3600" i="1" dirty="0">
               <a:solidFill>
@@ -6520,6 +6766,147 @@
         </p:blipFill>
         <p:spPr>
           <a:xfrm>
+            <a:off x="6808669" y="250032"/>
+            <a:ext cx="863600" cy="457200"/>
+          </a:xfrm>
+          <a:prstGeom prst="rect">
+            <a:avLst/>
+          </a:prstGeom>
+        </p:spPr>
+      </p:pic>
+      <p:pic>
+        <p:nvPicPr>
+          <p:cNvPr id="6" name="Picture 5" descr="impact(virial)_avgHist.pdf"/>
+          <p:cNvPicPr>
+            <a:picLocks noChangeAspect="1"/>
+          </p:cNvPicPr>
+          <p:nvPr/>
+        </p:nvPicPr>
+        <p:blipFill>
+          <a:blip r:embed="rId3">
+            <a:extLst>
+              <a:ext uri="{28A0092B-C50C-407E-A947-70E740481C1C}">
+                <a14:useLocalDpi xmlns:a14="http://schemas.microsoft.com/office/drawing/2010/main" val="0"/>
+              </a:ext>
+            </a:extLst>
+          </a:blip>
+          <a:stretch>
+            <a:fillRect/>
+          </a:stretch>
+        </p:blipFill>
+        <p:spPr>
+          <a:xfrm>
+            <a:off x="872385" y="910765"/>
+            <a:ext cx="7315200" cy="5486400"/>
+          </a:xfrm>
+          <a:prstGeom prst="rect">
+            <a:avLst/>
+          </a:prstGeom>
+        </p:spPr>
+      </p:pic>
+    </p:spTree>
+    <p:extLst>
+      <p:ext uri="{BB962C8B-B14F-4D97-AF65-F5344CB8AC3E}">
+        <p14:creationId xmlns:p14="http://schemas.microsoft.com/office/powerpoint/2010/main" val="2993001500"/>
+      </p:ext>
+    </p:extLst>
+  </p:cSld>
+  <p:clrMapOvr>
+    <a:masterClrMapping/>
+  </p:clrMapOvr>
+  <p:transition spd="slow">
+    <p:cut/>
+  </p:transition>
+  <p:timing>
+    <p:tnLst>
+      <p:par>
+        <p:cTn id="1" dur="indefinite" restart="never" nodeType="tmRoot"/>
+      </p:par>
+    </p:tnLst>
+  </p:timing>
+</p:sld>
+</file>
+
+<file path=ppt/slides/slide14.xml><?xml version="1.0" encoding="utf-8"?>
+<p:sld xmlns:a="http://schemas.openxmlformats.org/drawingml/2006/main" xmlns:r="http://schemas.openxmlformats.org/officeDocument/2006/relationships" xmlns:p="http://schemas.openxmlformats.org/presentationml/2006/main">
+  <p:cSld>
+    <p:spTree>
+      <p:nvGrpSpPr>
+        <p:cNvPr id="1" name="Shape 121"/>
+        <p:cNvGrpSpPr/>
+        <p:nvPr/>
+      </p:nvGrpSpPr>
+      <p:grpSpPr>
+        <a:xfrm>
+          <a:off x="0" y="0"/>
+          <a:ext cx="0" cy="0"/>
+          <a:chOff x="0" y="0"/>
+          <a:chExt cx="0" cy="0"/>
+        </a:xfrm>
+      </p:grpSpPr>
+      <p:sp>
+        <p:nvSpPr>
+          <p:cNvPr id="122" name="Shape 122"/>
+          <p:cNvSpPr txBox="1">
+            <a:spLocks noGrp="1"/>
+          </p:cNvSpPr>
+          <p:nvPr>
+            <p:ph type="subTitle" idx="1"/>
+          </p:nvPr>
+        </p:nvSpPr>
+        <p:spPr>
+          <a:xfrm>
+            <a:off x="628551" y="31856"/>
+            <a:ext cx="7402518" cy="917393"/>
+          </a:xfrm>
+          <a:prstGeom prst="rect">
+            <a:avLst/>
+          </a:prstGeom>
+        </p:spPr>
+        <p:txBody>
+          <a:bodyPr lIns="91425" tIns="91425" rIns="91425" bIns="91425" anchor="t" anchorCtr="0">
+            <a:noAutofit/>
+          </a:bodyPr>
+          <a:lstStyle/>
+          <a:p>
+            <a:pPr lvl="0" rtl="0">
+              <a:spcBef>
+                <a:spcPts val="0"/>
+              </a:spcBef>
+              <a:buNone/>
+            </a:pPr>
+            <a:r>
+              <a:rPr lang="en-US" sz="3600" i="1" dirty="0" smtClean="0">
+                <a:solidFill>
+                  <a:srgbClr val="FFFFFF"/>
+                </a:solidFill>
+              </a:rPr>
+              <a:t>Impact parameter /</a:t>
+            </a:r>
+            <a:endParaRPr lang="en" sz="3600" i="1" dirty="0">
+              <a:solidFill>
+                <a:srgbClr val="FFFFFF"/>
+              </a:solidFill>
+            </a:endParaRPr>
+          </a:p>
+        </p:txBody>
+      </p:sp>
+      <p:pic>
+        <p:nvPicPr>
+          <p:cNvPr id="4" name="Picture 3"/>
+          <p:cNvPicPr>
+            <a:picLocks noChangeAspect="1"/>
+          </p:cNvPicPr>
+          <p:nvPr/>
+        </p:nvPicPr>
+        <p:blipFill>
+          <a:blip r:embed="rId3"/>
+          <a:stretch>
+            <a:fillRect/>
+          </a:stretch>
+        </p:blipFill>
+        <p:spPr>
+          <a:xfrm>
             <a:off x="6346818" y="237204"/>
             <a:ext cx="863600" cy="457200"/>
           </a:xfrm>
@@ -6537,7 +6924,7 @@
           <p:nvPr/>
         </p:nvPicPr>
         <p:blipFill>
-          <a:blip r:embed="rId4">
+          <a:blip r:embed="rId3">
             <a:extLst>
               <a:ext uri="{28A0092B-C50C-407E-A947-70E740481C1C}">
                 <a14:useLocalDpi xmlns:a14="http://schemas.microsoft.com/office/drawing/2010/main" val="0"/>
@@ -6605,7 +6992,7 @@
           <p:nvPr/>
         </p:nvPicPr>
         <p:blipFill>
-          <a:blip r:embed="rId5"/>
+          <a:blip r:embed="rId3"/>
           <a:stretch>
             <a:fillRect/>
           </a:stretch>
@@ -6643,7 +7030,7 @@
 </p:sld>
 </file>
 
-<file path=ppt/slides/slide14.xml><?xml version="1.0" encoding="utf-8"?>
+<file path=ppt/slides/slide15.xml><?xml version="1.0" encoding="utf-8"?>
 <p:sld xmlns:a="http://schemas.openxmlformats.org/drawingml/2006/main" xmlns:r="http://schemas.openxmlformats.org/officeDocument/2006/relationships" xmlns:p="http://schemas.openxmlformats.org/presentationml/2006/main">
   <p:cSld>
     <p:spTree>
@@ -6764,7 +7151,7 @@
 </p:sld>
 </file>
 
-<file path=ppt/slides/slide15.xml><?xml version="1.0" encoding="utf-8"?>
+<file path=ppt/slides/slide16.xml><?xml version="1.0" encoding="utf-8"?>
 <p:sld xmlns:a="http://schemas.openxmlformats.org/drawingml/2006/main" xmlns:r="http://schemas.openxmlformats.org/officeDocument/2006/relationships" xmlns:p="http://schemas.openxmlformats.org/presentationml/2006/main">
   <p:cSld>
     <p:spTree>
@@ -7154,7 +7541,7 @@
           <p:nvPr/>
         </p:nvPicPr>
         <p:blipFill>
-          <a:blip r:embed="rId4">
+          <a:blip r:embed="rId3">
             <a:extLst>
               <a:ext uri="{28A0092B-C50C-407E-A947-70E740481C1C}">
                 <a14:useLocalDpi xmlns:a14="http://schemas.microsoft.com/office/drawing/2010/main" val="0"/>
@@ -7293,339 +7680,6 @@
     <p:extLst>
       <p:ext uri="{BB962C8B-B14F-4D97-AF65-F5344CB8AC3E}">
         <p14:creationId xmlns:p14="http://schemas.microsoft.com/office/powerpoint/2010/main" val="1951354649"/>
-      </p:ext>
-    </p:extLst>
-  </p:cSld>
-  <p:clrMapOvr>
-    <a:masterClrMapping/>
-  </p:clrMapOvr>
-  <p:transition spd="slow">
-    <p:cut/>
-  </p:transition>
-  <p:timing>
-    <p:tnLst>
-      <p:par>
-        <p:cTn id="1" dur="indefinite" restart="never" nodeType="tmRoot"/>
-      </p:par>
-    </p:tnLst>
-  </p:timing>
-</p:sld>
-</file>
-
-<file path=ppt/slides/slide16.xml><?xml version="1.0" encoding="utf-8"?>
-<p:sld xmlns:a="http://schemas.openxmlformats.org/drawingml/2006/main" xmlns:r="http://schemas.openxmlformats.org/officeDocument/2006/relationships" xmlns:p="http://schemas.openxmlformats.org/presentationml/2006/main">
-  <p:cSld>
-    <p:spTree>
-      <p:nvGrpSpPr>
-        <p:cNvPr id="1" name="Shape 126"/>
-        <p:cNvGrpSpPr/>
-        <p:nvPr/>
-      </p:nvGrpSpPr>
-      <p:grpSpPr>
-        <a:xfrm>
-          <a:off x="0" y="0"/>
-          <a:ext cx="0" cy="0"/>
-          <a:chOff x="0" y="0"/>
-          <a:chExt cx="0" cy="0"/>
-        </a:xfrm>
-      </p:grpSpPr>
-      <p:sp>
-        <p:nvSpPr>
-          <p:cNvPr id="127" name="Shape 127"/>
-          <p:cNvSpPr txBox="1">
-            <a:spLocks noGrp="1"/>
-          </p:cNvSpPr>
-          <p:nvPr>
-            <p:ph type="subTitle" idx="1"/>
-          </p:nvPr>
-        </p:nvSpPr>
-        <p:spPr>
-          <a:xfrm>
-            <a:off x="628550" y="33296"/>
-            <a:ext cx="8077500" cy="1265399"/>
-          </a:xfrm>
-          <a:prstGeom prst="rect">
-            <a:avLst/>
-          </a:prstGeom>
-        </p:spPr>
-        <p:txBody>
-          <a:bodyPr lIns="91425" tIns="91425" rIns="91425" bIns="91425" anchor="t" anchorCtr="0">
-            <a:noAutofit/>
-          </a:bodyPr>
-          <a:lstStyle/>
-          <a:p>
-            <a:pPr lvl="0" rtl="0">
-              <a:spcBef>
-                <a:spcPts val="0"/>
-              </a:spcBef>
-              <a:buNone/>
-            </a:pPr>
-            <a:r>
-              <a:rPr lang="en" sz="3600" i="1" dirty="0">
-                <a:solidFill>
-                  <a:srgbClr val="FFFFFF"/>
-                </a:solidFill>
-              </a:rPr>
-              <a:t>How </a:t>
-            </a:r>
-            <a:r>
-              <a:rPr lang="en" sz="3600" i="1" dirty="0" smtClean="0">
-                <a:solidFill>
-                  <a:srgbClr val="FFFFFF"/>
-                </a:solidFill>
-              </a:rPr>
-              <a:t>do</a:t>
-            </a:r>
-            <a:r>
-              <a:rPr lang="en-US" sz="3600" i="1" dirty="0" smtClean="0">
-                <a:solidFill>
-                  <a:srgbClr val="FFFFFF"/>
-                </a:solidFill>
-              </a:rPr>
-              <a:t> CGM absorber properties</a:t>
-            </a:r>
-            <a:r>
-              <a:rPr lang="en" sz="3600" i="1" dirty="0" smtClean="0">
-                <a:solidFill>
-                  <a:srgbClr val="FFFFFF"/>
-                </a:solidFill>
-              </a:rPr>
-              <a:t> </a:t>
-            </a:r>
-            <a:r>
-              <a:rPr lang="en" sz="3600" i="1" dirty="0">
-                <a:solidFill>
-                  <a:srgbClr val="FFFFFF"/>
-                </a:solidFill>
-              </a:rPr>
-              <a:t>depend on galaxy </a:t>
-            </a:r>
-            <a:r>
-              <a:rPr lang="en" sz="3600" i="1" dirty="0" smtClean="0">
-                <a:solidFill>
-                  <a:srgbClr val="FFFFFF"/>
-                </a:solidFill>
-              </a:rPr>
-              <a:t>orientation</a:t>
-            </a:r>
-            <a:r>
-              <a:rPr lang="en" sz="3600" i="1" dirty="0">
-                <a:solidFill>
-                  <a:srgbClr val="FFFFFF"/>
-                </a:solidFill>
-              </a:rPr>
-              <a:t>?</a:t>
-            </a:r>
-          </a:p>
-        </p:txBody>
-      </p:sp>
-      <p:sp>
-        <p:nvSpPr>
-          <p:cNvPr id="133" name="Shape 133"/>
-          <p:cNvSpPr txBox="1"/>
-          <p:nvPr/>
-        </p:nvSpPr>
-        <p:spPr>
-          <a:xfrm>
-            <a:off x="7277750" y="6272672"/>
-            <a:ext cx="1828856" cy="370200"/>
-          </a:xfrm>
-          <a:prstGeom prst="rect">
-            <a:avLst/>
-          </a:prstGeom>
-          <a:noFill/>
-          <a:ln>
-            <a:noFill/>
-          </a:ln>
-        </p:spPr>
-        <p:txBody>
-          <a:bodyPr lIns="91425" tIns="91425" rIns="91425" bIns="91425" anchor="t" anchorCtr="0">
-            <a:noAutofit/>
-          </a:bodyPr>
-          <a:lstStyle/>
-          <a:p>
-            <a:pPr lvl="0" rtl="0">
-              <a:spcBef>
-                <a:spcPts val="0"/>
-              </a:spcBef>
-              <a:buNone/>
-            </a:pPr>
-            <a:r>
-              <a:rPr lang="en-US" dirty="0" err="1" smtClean="0">
-                <a:solidFill>
-                  <a:srgbClr val="FFFFFF"/>
-                </a:solidFill>
-              </a:rPr>
-              <a:t>Kacprzak</a:t>
-            </a:r>
-            <a:r>
-              <a:rPr lang="en-US" dirty="0" smtClean="0">
-                <a:solidFill>
-                  <a:srgbClr val="FFFFFF"/>
-                </a:solidFill>
-              </a:rPr>
-              <a:t> et al. 2012</a:t>
-            </a:r>
-            <a:endParaRPr lang="en" dirty="0">
-              <a:solidFill>
-                <a:srgbClr val="FFFFFF"/>
-              </a:solidFill>
-            </a:endParaRPr>
-          </a:p>
-          <a:p>
-            <a:pPr lvl="0" rtl="0">
-              <a:spcBef>
-                <a:spcPts val="0"/>
-              </a:spcBef>
-              <a:buNone/>
-            </a:pPr>
-            <a:endParaRPr dirty="0">
-              <a:solidFill>
-                <a:srgbClr val="FFFFFF"/>
-              </a:solidFill>
-            </a:endParaRPr>
-          </a:p>
-        </p:txBody>
-      </p:sp>
-      <p:pic>
-        <p:nvPicPr>
-          <p:cNvPr id="2" name="Picture 1" descr="kacprzak2012_azimuth.jpg"/>
-          <p:cNvPicPr>
-            <a:picLocks noChangeAspect="1"/>
-          </p:cNvPicPr>
-          <p:nvPr/>
-        </p:nvPicPr>
-        <p:blipFill>
-          <a:blip r:embed="rId3">
-            <a:extLst>
-              <a:ext uri="{28A0092B-C50C-407E-A947-70E740481C1C}">
-                <a14:useLocalDpi xmlns:a14="http://schemas.microsoft.com/office/drawing/2010/main" val="0"/>
-              </a:ext>
-            </a:extLst>
-          </a:blip>
-          <a:stretch>
-            <a:fillRect/>
-          </a:stretch>
-        </p:blipFill>
-        <p:spPr>
-          <a:xfrm>
-            <a:off x="4625954" y="1962352"/>
-            <a:ext cx="4480651" cy="3869148"/>
-          </a:xfrm>
-          <a:prstGeom prst="rect">
-            <a:avLst/>
-          </a:prstGeom>
-        </p:spPr>
-      </p:pic>
-      <p:pic>
-        <p:nvPicPr>
-          <p:cNvPr id="8" name="Picture 7" descr="hist(azimuth)_overlaid_all.pdf"/>
-          <p:cNvPicPr>
-            <a:picLocks noChangeAspect="1"/>
-          </p:cNvPicPr>
-          <p:nvPr/>
-        </p:nvPicPr>
-        <p:blipFill rotWithShape="1">
-          <a:blip r:embed="rId4">
-            <a:extLst>
-              <a:ext uri="{28A0092B-C50C-407E-A947-70E740481C1C}">
-                <a14:useLocalDpi xmlns:a14="http://schemas.microsoft.com/office/drawing/2010/main" val="0"/>
-              </a:ext>
-            </a:extLst>
-          </a:blip>
-          <a:srcRect l="3029" t="6970" r="6739"/>
-          <a:stretch/>
-        </p:blipFill>
-        <p:spPr>
-          <a:xfrm>
-            <a:off x="38487" y="1962352"/>
-            <a:ext cx="4690910" cy="3869147"/>
-          </a:xfrm>
-          <a:prstGeom prst="rect">
-            <a:avLst/>
-          </a:prstGeom>
-        </p:spPr>
-      </p:pic>
-      <p:sp>
-        <p:nvSpPr>
-          <p:cNvPr id="10" name="TextBox 9"/>
-          <p:cNvSpPr txBox="1"/>
-          <p:nvPr/>
-        </p:nvSpPr>
-        <p:spPr>
-          <a:xfrm>
-            <a:off x="1916946" y="1439132"/>
-            <a:ext cx="771490" cy="523220"/>
-          </a:xfrm>
-          <a:prstGeom prst="rect">
-            <a:avLst/>
-          </a:prstGeom>
-          <a:noFill/>
-        </p:spPr>
-        <p:txBody>
-          <a:bodyPr wrap="none" rtlCol="0">
-            <a:spAutoFit/>
-          </a:bodyPr>
-          <a:lstStyle/>
-          <a:p>
-            <a:r>
-              <a:rPr lang="en-US" sz="2800" dirty="0" smtClean="0">
-                <a:solidFill>
-                  <a:srgbClr val="FFFFFF"/>
-                </a:solidFill>
-              </a:rPr>
-              <a:t>Lyα</a:t>
-            </a:r>
-            <a:endParaRPr lang="en-US" sz="2800" dirty="0">
-              <a:solidFill>
-                <a:srgbClr val="FFFFFF"/>
-              </a:solidFill>
-            </a:endParaRPr>
-          </a:p>
-        </p:txBody>
-      </p:sp>
-      <p:sp>
-        <p:nvSpPr>
-          <p:cNvPr id="18" name="TextBox 17"/>
-          <p:cNvSpPr txBox="1"/>
-          <p:nvPr/>
-        </p:nvSpPr>
-        <p:spPr>
-          <a:xfrm>
-            <a:off x="6713510" y="1439132"/>
-            <a:ext cx="882999" cy="523220"/>
-          </a:xfrm>
-          <a:prstGeom prst="rect">
-            <a:avLst/>
-          </a:prstGeom>
-          <a:noFill/>
-        </p:spPr>
-        <p:txBody>
-          <a:bodyPr wrap="none" rtlCol="0">
-            <a:spAutoFit/>
-          </a:bodyPr>
-          <a:lstStyle/>
-          <a:p>
-            <a:r>
-              <a:rPr lang="en-US" sz="2800" dirty="0" err="1" smtClean="0">
-                <a:solidFill>
-                  <a:srgbClr val="FFFFFF"/>
-                </a:solidFill>
-              </a:rPr>
-              <a:t>MgII</a:t>
-            </a:r>
-            <a:endParaRPr lang="en-US" sz="2800" dirty="0">
-              <a:solidFill>
-                <a:srgbClr val="FFFFFF"/>
-              </a:solidFill>
-            </a:endParaRPr>
-          </a:p>
-        </p:txBody>
-      </p:sp>
-    </p:spTree>
-    <p:extLst>
-      <p:ext uri="{BB962C8B-B14F-4D97-AF65-F5344CB8AC3E}">
-        <p14:creationId xmlns:p14="http://schemas.microsoft.com/office/powerpoint/2010/main" val="330008988"/>
       </p:ext>
     </p:extLst>
   </p:cSld>
@@ -7674,7 +7728,7 @@
         </p:nvSpPr>
         <p:spPr>
           <a:xfrm>
-            <a:off x="628550" y="19028"/>
+            <a:off x="628550" y="33296"/>
             <a:ext cx="8077500" cy="1265399"/>
           </a:xfrm>
           <a:prstGeom prst="rect">
@@ -7694,12 +7748,28 @@
               <a:buNone/>
             </a:pPr>
             <a:r>
+              <a:rPr lang="en" sz="3600" i="1" dirty="0">
+                <a:solidFill>
+                  <a:srgbClr val="FFFFFF"/>
+                </a:solidFill>
+              </a:rPr>
+              <a:t>How </a:t>
+            </a:r>
+            <a:r>
+              <a:rPr lang="en" sz="3600" i="1" dirty="0" smtClean="0">
+                <a:solidFill>
+                  <a:srgbClr val="FFFFFF"/>
+                </a:solidFill>
+              </a:rPr>
+              <a:t>do</a:t>
+            </a:r>
+            <a:r>
               <a:rPr lang="en-US" sz="3600" i="1" dirty="0" smtClean="0">
                 <a:solidFill>
                   <a:srgbClr val="FFFFFF"/>
                 </a:solidFill>
               </a:rPr>
-              <a:t>G</a:t>
+              <a:t> CGM absorber properties</a:t>
             </a:r>
             <a:r>
               <a:rPr lang="en" sz="3600" i="1" dirty="0" smtClean="0">
@@ -7707,15 +7777,15 @@
                   <a:srgbClr val="FFFFFF"/>
                 </a:solidFill>
               </a:rPr>
-              <a:t>alaxy </a:t>
-            </a:r>
-            <a:r>
-              <a:rPr lang="en-US" sz="3600" i="1" dirty="0">
+              <a:t> </a:t>
+            </a:r>
+            <a:r>
+              <a:rPr lang="en" sz="3600" i="1" dirty="0">
                 <a:solidFill>
                   <a:srgbClr val="FFFFFF"/>
                 </a:solidFill>
               </a:rPr>
-              <a:t>I</a:t>
+              <a:t>depend on galaxy </a:t>
             </a:r>
             <a:r>
               <a:rPr lang="en" sz="3600" i="1" dirty="0" smtClean="0">
@@ -7723,13 +7793,16 @@
                   <a:srgbClr val="FFFFFF"/>
                 </a:solidFill>
               </a:rPr>
-              <a:t>nclination</a:t>
-            </a:r>
-            <a:endParaRPr lang="en" sz="3600" i="1" dirty="0">
-              <a:solidFill>
-                <a:srgbClr val="FFFFFF"/>
-              </a:solidFill>
-            </a:endParaRPr>
+              <a:t>orientation</a:t>
+            </a:r>
+            <a:r>
+              <a:rPr lang="en" sz="3600" i="1" dirty="0">
+                <a:solidFill>
+                  <a:srgbClr val="FFFFFF"/>
+                </a:solidFill>
+              </a:rPr>
+              <a:t>?</a:t>
+            </a:r>
           </a:p>
         </p:txBody>
       </p:sp>
@@ -7741,8 +7814,8 @@
         </p:nvSpPr>
         <p:spPr>
           <a:xfrm>
-            <a:off x="4521930" y="5543362"/>
-            <a:ext cx="1655675" cy="370200"/>
+            <a:off x="7277750" y="6272672"/>
+            <a:ext cx="1828856" cy="370200"/>
           </a:xfrm>
           <a:prstGeom prst="rect">
             <a:avLst/>
@@ -7770,7 +7843,7 @@
                   <a:srgbClr val="FFFFFF"/>
                 </a:solidFill>
               </a:rPr>
-              <a:t>Mathes</a:t>
+              <a:t>Kacprzak</a:t>
             </a:r>
             <a:r>
               <a:rPr lang="en-US" dirty="0" smtClean="0">
@@ -7778,40 +7851,21 @@
                   <a:srgbClr val="FFFFFF"/>
                 </a:solidFill>
               </a:rPr>
-              <a:t> </a:t>
-            </a:r>
-            <a:r>
-              <a:rPr lang="en" dirty="0" smtClean="0">
-                <a:solidFill>
-                  <a:srgbClr val="FFFFFF"/>
-                </a:solidFill>
-              </a:rPr>
-              <a:t>et </a:t>
-            </a:r>
-            <a:r>
-              <a:rPr lang="en" dirty="0">
-                <a:solidFill>
-                  <a:srgbClr val="FFFFFF"/>
-                </a:solidFill>
-              </a:rPr>
-              <a:t>al. </a:t>
-            </a:r>
-            <a:r>
-              <a:rPr lang="en" dirty="0" smtClean="0">
-                <a:solidFill>
-                  <a:srgbClr val="FFFFFF"/>
-                </a:solidFill>
-              </a:rPr>
-              <a:t>201</a:t>
-            </a:r>
-            <a:r>
-              <a:rPr lang="en-US" dirty="0" smtClean="0">
-                <a:solidFill>
-                  <a:srgbClr val="FFFFFF"/>
-                </a:solidFill>
-              </a:rPr>
-              <a:t>4</a:t>
-            </a:r>
+              <a:t> et al. 2012</a:t>
+            </a:r>
+            <a:endParaRPr lang="en" dirty="0">
+              <a:solidFill>
+                <a:srgbClr val="FFFFFF"/>
+              </a:solidFill>
+            </a:endParaRPr>
+          </a:p>
+          <a:p>
+            <a:pPr lvl="0" rtl="0">
+              <a:spcBef>
+                <a:spcPts val="0"/>
+              </a:spcBef>
+              <a:buNone/>
+            </a:pPr>
             <a:endParaRPr dirty="0">
               <a:solidFill>
                 <a:srgbClr val="FFFFFF"/>
@@ -7820,120 +7874,39 @@
           </a:p>
         </p:txBody>
       </p:sp>
-      <p:sp>
-        <p:nvSpPr>
-          <p:cNvPr id="3" name="TextBox 2"/>
-          <p:cNvSpPr txBox="1"/>
-          <p:nvPr/>
-        </p:nvSpPr>
-        <p:spPr>
-          <a:xfrm>
-            <a:off x="96099" y="2456732"/>
-            <a:ext cx="1064902" cy="523220"/>
-          </a:xfrm>
-          <a:prstGeom prst="rect">
-            <a:avLst/>
-          </a:prstGeom>
-          <a:noFill/>
-        </p:spPr>
-        <p:txBody>
-          <a:bodyPr wrap="square" rtlCol="0">
-            <a:spAutoFit/>
-          </a:bodyPr>
-          <a:lstStyle/>
-          <a:p>
-            <a:r>
-              <a:rPr lang="en-US" sz="2800" dirty="0" smtClean="0">
-                <a:solidFill>
-                  <a:srgbClr val="FFFFFF"/>
-                </a:solidFill>
-              </a:rPr>
-              <a:t>No?</a:t>
-            </a:r>
-            <a:endParaRPr lang="en-US" sz="2800" dirty="0">
-              <a:solidFill>
-                <a:srgbClr val="FFFFFF"/>
-              </a:solidFill>
-            </a:endParaRPr>
-          </a:p>
-        </p:txBody>
-      </p:sp>
-      <p:sp>
-        <p:nvSpPr>
-          <p:cNvPr id="5" name="Rectangle 4"/>
-          <p:cNvSpPr/>
-          <p:nvPr/>
-        </p:nvSpPr>
-        <p:spPr>
-          <a:xfrm>
-            <a:off x="1074760" y="4686593"/>
-            <a:ext cx="1008173" cy="783683"/>
-          </a:xfrm>
-          <a:prstGeom prst="rect">
-            <a:avLst/>
-          </a:prstGeom>
-          <a:solidFill>
-            <a:srgbClr val="FFFFFF"/>
-          </a:solidFill>
-          <a:ln>
-            <a:solidFill>
-              <a:srgbClr val="FFFFFF"/>
-            </a:solidFill>
-          </a:ln>
-          <a:effectLst/>
-        </p:spPr>
-        <p:style>
-          <a:lnRef idx="1">
-            <a:schemeClr val="accent1"/>
-          </a:lnRef>
-          <a:fillRef idx="3">
-            <a:schemeClr val="accent1"/>
-          </a:fillRef>
-          <a:effectRef idx="2">
-            <a:schemeClr val="accent1"/>
-          </a:effectRef>
-          <a:fontRef idx="minor">
-            <a:schemeClr val="lt1"/>
-          </a:fontRef>
-        </p:style>
-        <p:txBody>
-          <a:bodyPr rtlCol="0" anchor="ctr"/>
-          <a:lstStyle/>
-          <a:p>
-            <a:pPr algn="ctr"/>
-            <a:endParaRPr lang="en-US"/>
-          </a:p>
-        </p:txBody>
-      </p:sp>
-      <p:sp>
-        <p:nvSpPr>
-          <p:cNvPr id="6" name="TextBox 5"/>
-          <p:cNvSpPr txBox="1"/>
-          <p:nvPr/>
-        </p:nvSpPr>
-        <p:spPr>
-          <a:xfrm>
-            <a:off x="8108043" y="5913562"/>
-            <a:ext cx="184666" cy="307777"/>
-          </a:xfrm>
-          <a:prstGeom prst="rect">
-            <a:avLst/>
-          </a:prstGeom>
-          <a:noFill/>
-        </p:spPr>
-        <p:txBody>
-          <a:bodyPr wrap="none" rtlCol="0">
-            <a:spAutoFit/>
-          </a:bodyPr>
-          <a:lstStyle/>
-          <a:p>
-            <a:endParaRPr lang="en-US" dirty="0"/>
-          </a:p>
-        </p:txBody>
-      </p:sp>
       <p:pic>
         <p:nvPicPr>
-          <p:cNvPr id="4" name="Picture 3" descr="mathes2014_inclination.png"/>
+          <p:cNvPr id="2" name="Picture 1" descr="kacprzak2012_azimuth.jpg"/>
+          <p:cNvPicPr>
+            <a:picLocks noChangeAspect="1"/>
+          </p:cNvPicPr>
+          <p:nvPr/>
+        </p:nvPicPr>
+        <p:blipFill>
+          <a:blip r:embed="rId3">
+            <a:extLst>
+              <a:ext uri="{28A0092B-C50C-407E-A947-70E740481C1C}">
+                <a14:useLocalDpi xmlns:a14="http://schemas.microsoft.com/office/drawing/2010/main" val="0"/>
+              </a:ext>
+            </a:extLst>
+          </a:blip>
+          <a:stretch>
+            <a:fillRect/>
+          </a:stretch>
+        </p:blipFill>
+        <p:spPr>
+          <a:xfrm>
+            <a:off x="4625954" y="1962352"/>
+            <a:ext cx="4480651" cy="3869148"/>
+          </a:xfrm>
+          <a:prstGeom prst="rect">
+            <a:avLst/>
+          </a:prstGeom>
+        </p:spPr>
+      </p:pic>
+      <p:pic>
+        <p:nvPicPr>
+          <p:cNvPr id="8" name="Picture 7" descr="hist(azimuth)_overlaid_all.pdf"/>
           <p:cNvPicPr>
             <a:picLocks noChangeAspect="1"/>
           </p:cNvPicPr>
@@ -7947,113 +7920,99 @@
               </a:ext>
             </a:extLst>
           </a:blip>
-          <a:srcRect b="53911"/>
+          <a:srcRect l="3029" t="6970" r="6739"/>
           <a:stretch/>
         </p:blipFill>
         <p:spPr>
           <a:xfrm>
-            <a:off x="1063902" y="1576490"/>
-            <a:ext cx="7037948" cy="3232379"/>
+            <a:off x="38487" y="1962352"/>
+            <a:ext cx="4690910" cy="3869147"/>
           </a:xfrm>
           <a:prstGeom prst="rect">
             <a:avLst/>
           </a:prstGeom>
         </p:spPr>
       </p:pic>
-      <p:pic>
-        <p:nvPicPr>
-          <p:cNvPr id="2" name="Picture 1" descr="mathes2014_inclination_xaxis.png"/>
-          <p:cNvPicPr>
-            <a:picLocks noChangeAspect="1"/>
-          </p:cNvPicPr>
+      <p:sp>
+        <p:nvSpPr>
+          <p:cNvPr id="10" name="TextBox 9"/>
+          <p:cNvSpPr txBox="1"/>
           <p:nvPr/>
-        </p:nvPicPr>
-        <p:blipFill>
-          <a:blip r:embed="rId4">
-            <a:extLst>
-              <a:ext uri="{28A0092B-C50C-407E-A947-70E740481C1C}">
-                <a14:useLocalDpi xmlns:a14="http://schemas.microsoft.com/office/drawing/2010/main" val="0"/>
-              </a:ext>
-            </a:extLst>
-          </a:blip>
-          <a:stretch>
-            <a:fillRect/>
-          </a:stretch>
-        </p:blipFill>
-        <p:spPr>
-          <a:xfrm>
-            <a:off x="2073404" y="4631762"/>
-            <a:ext cx="6022252" cy="856723"/>
-          </a:xfrm>
-          <a:prstGeom prst="rect">
-            <a:avLst/>
-          </a:prstGeom>
-        </p:spPr>
-      </p:pic>
-      <p:pic>
-        <p:nvPicPr>
-          <p:cNvPr id="10" name="Shape 85"/>
-          <p:cNvPicPr preferRelativeResize="0">
-            <a:picLocks noChangeAspect="1"/>
-          </p:cNvPicPr>
+        </p:nvSpPr>
+        <p:spPr>
+          <a:xfrm>
+            <a:off x="1916946" y="1439132"/>
+            <a:ext cx="771490" cy="523220"/>
+          </a:xfrm>
+          <a:prstGeom prst="rect">
+            <a:avLst/>
+          </a:prstGeom>
+          <a:noFill/>
+        </p:spPr>
+        <p:txBody>
+          <a:bodyPr wrap="none" rtlCol="0">
+            <a:spAutoFit/>
+          </a:bodyPr>
+          <a:lstStyle/>
+          <a:p>
+            <a:r>
+              <a:rPr lang="en-US" sz="2800" dirty="0" smtClean="0">
+                <a:solidFill>
+                  <a:srgbClr val="FFFFFF"/>
+                </a:solidFill>
+              </a:rPr>
+              <a:t>Lyα</a:t>
+            </a:r>
+            <a:endParaRPr lang="en-US" sz="2800" dirty="0">
+              <a:solidFill>
+                <a:srgbClr val="FFFFFF"/>
+              </a:solidFill>
+            </a:endParaRPr>
+          </a:p>
+        </p:txBody>
+      </p:sp>
+      <p:sp>
+        <p:nvSpPr>
+          <p:cNvPr id="18" name="TextBox 17"/>
+          <p:cNvSpPr txBox="1"/>
           <p:nvPr/>
-        </p:nvPicPr>
-        <p:blipFill>
-          <a:blip r:embed="rId5">
-            <a:alphaModFix/>
-          </a:blip>
-          <a:stretch>
-            <a:fillRect/>
-          </a:stretch>
-        </p:blipFill>
-        <p:spPr>
-          <a:xfrm>
-            <a:off x="1954372" y="5103956"/>
-            <a:ext cx="680883" cy="596824"/>
+        </p:nvSpPr>
+        <p:spPr>
+          <a:xfrm>
+            <a:off x="6713510" y="1439132"/>
+            <a:ext cx="882999" cy="523220"/>
           </a:xfrm>
           <a:prstGeom prst="rect">
             <a:avLst/>
           </a:prstGeom>
           <a:noFill/>
-          <a:ln>
-            <a:noFill/>
-          </a:ln>
-        </p:spPr>
-      </p:pic>
-      <p:pic>
-        <p:nvPicPr>
-          <p:cNvPr id="11" name="Picture 10" descr="sombrero_galaxy.jpg"/>
-          <p:cNvPicPr>
-            <a:picLocks noChangeAspect="1"/>
-          </p:cNvPicPr>
-          <p:nvPr/>
-        </p:nvPicPr>
-        <p:blipFill>
-          <a:blip r:embed="rId6">
-            <a:extLst>
-              <a:ext uri="{28A0092B-C50C-407E-A947-70E740481C1C}">
-                <a14:useLocalDpi xmlns:a14="http://schemas.microsoft.com/office/drawing/2010/main" val="0"/>
-              </a:ext>
-            </a:extLst>
-          </a:blip>
-          <a:stretch>
-            <a:fillRect/>
-          </a:stretch>
-        </p:blipFill>
-        <p:spPr>
-          <a:xfrm flipH="1">
-            <a:off x="7401613" y="5151538"/>
-            <a:ext cx="732088" cy="549242"/>
-          </a:xfrm>
-          <a:prstGeom prst="rect">
-            <a:avLst/>
-          </a:prstGeom>
-        </p:spPr>
-      </p:pic>
+        </p:spPr>
+        <p:txBody>
+          <a:bodyPr wrap="none" rtlCol="0">
+            <a:spAutoFit/>
+          </a:bodyPr>
+          <a:lstStyle/>
+          <a:p>
+            <a:r>
+              <a:rPr lang="en-US" sz="2800" dirty="0" err="1" smtClean="0">
+                <a:solidFill>
+                  <a:srgbClr val="FFFFFF"/>
+                </a:solidFill>
+              </a:rPr>
+              <a:t>MgII</a:t>
+            </a:r>
+            <a:endParaRPr lang="en-US" sz="2800" dirty="0">
+              <a:solidFill>
+                <a:srgbClr val="FFFFFF"/>
+              </a:solidFill>
+            </a:endParaRPr>
+          </a:p>
+        </p:txBody>
+      </p:sp>
     </p:spTree>
     <p:extLst>
       <p:ext uri="{BB962C8B-B14F-4D97-AF65-F5344CB8AC3E}">
-        <p14:creationId xmlns:p14="http://schemas.microsoft.com/office/powerpoint/2010/main" val="978692835"/>
+        <p14:creationId xmlns:p14="http://schemas.microsoft.com/office/powerpoint/2010/main" val="330008988"/>
       </p:ext>
     </p:extLst>
   </p:cSld>
@@ -8078,7 +8037,7 @@
   <p:cSld>
     <p:spTree>
       <p:nvGrpSpPr>
-        <p:cNvPr id="1" name="Shape 121"/>
+        <p:cNvPr id="1" name="Shape 126"/>
         <p:cNvGrpSpPr/>
         <p:nvPr/>
       </p:nvGrpSpPr>
@@ -8092,7 +8051,7 @@
       </p:grpSpPr>
       <p:sp>
         <p:nvSpPr>
-          <p:cNvPr id="122" name="Shape 122"/>
+          <p:cNvPr id="127" name="Shape 127"/>
           <p:cNvSpPr txBox="1">
             <a:spLocks noGrp="1"/>
           </p:cNvSpPr>
@@ -8127,7 +8086,31 @@
                   <a:srgbClr val="FFFFFF"/>
                 </a:solidFill>
               </a:rPr>
-              <a:t>Galaxy Inclination</a:t>
+              <a:t>G</a:t>
+            </a:r>
+            <a:r>
+              <a:rPr lang="en" sz="3600" i="1" dirty="0" smtClean="0">
+                <a:solidFill>
+                  <a:srgbClr val="FFFFFF"/>
+                </a:solidFill>
+              </a:rPr>
+              <a:t>alaxy </a:t>
+            </a:r>
+            <a:r>
+              <a:rPr lang="en-US" sz="3600" i="1" dirty="0">
+                <a:solidFill>
+                  <a:srgbClr val="FFFFFF"/>
+                </a:solidFill>
+              </a:rPr>
+              <a:t>I</a:t>
+            </a:r>
+            <a:r>
+              <a:rPr lang="en" sz="3600" i="1" dirty="0" smtClean="0">
+                <a:solidFill>
+                  <a:srgbClr val="FFFFFF"/>
+                </a:solidFill>
+              </a:rPr>
+              <a:t>nclination</a:t>
             </a:r>
             <a:endParaRPr lang="en" sz="3600" i="1" dirty="0">
               <a:solidFill>
@@ -8137,9 +8120,236 @@
           </a:p>
         </p:txBody>
       </p:sp>
+      <p:sp>
+        <p:nvSpPr>
+          <p:cNvPr id="133" name="Shape 133"/>
+          <p:cNvSpPr txBox="1"/>
+          <p:nvPr/>
+        </p:nvSpPr>
+        <p:spPr>
+          <a:xfrm>
+            <a:off x="4521930" y="5543362"/>
+            <a:ext cx="1655675" cy="370200"/>
+          </a:xfrm>
+          <a:prstGeom prst="rect">
+            <a:avLst/>
+          </a:prstGeom>
+          <a:noFill/>
+          <a:ln>
+            <a:noFill/>
+          </a:ln>
+        </p:spPr>
+        <p:txBody>
+          <a:bodyPr lIns="91425" tIns="91425" rIns="91425" bIns="91425" anchor="t" anchorCtr="0">
+            <a:noAutofit/>
+          </a:bodyPr>
+          <a:lstStyle/>
+          <a:p>
+            <a:pPr lvl="0" rtl="0">
+              <a:spcBef>
+                <a:spcPts val="0"/>
+              </a:spcBef>
+              <a:buNone/>
+            </a:pPr>
+            <a:r>
+              <a:rPr lang="en-US" dirty="0" err="1" smtClean="0">
+                <a:solidFill>
+                  <a:srgbClr val="FFFFFF"/>
+                </a:solidFill>
+              </a:rPr>
+              <a:t>Mathes</a:t>
+            </a:r>
+            <a:r>
+              <a:rPr lang="en-US" dirty="0" smtClean="0">
+                <a:solidFill>
+                  <a:srgbClr val="FFFFFF"/>
+                </a:solidFill>
+              </a:rPr>
+              <a:t> </a:t>
+            </a:r>
+            <a:r>
+              <a:rPr lang="en" dirty="0" smtClean="0">
+                <a:solidFill>
+                  <a:srgbClr val="FFFFFF"/>
+                </a:solidFill>
+              </a:rPr>
+              <a:t>et </a:t>
+            </a:r>
+            <a:r>
+              <a:rPr lang="en" dirty="0">
+                <a:solidFill>
+                  <a:srgbClr val="FFFFFF"/>
+                </a:solidFill>
+              </a:rPr>
+              <a:t>al. </a:t>
+            </a:r>
+            <a:r>
+              <a:rPr lang="en" dirty="0" smtClean="0">
+                <a:solidFill>
+                  <a:srgbClr val="FFFFFF"/>
+                </a:solidFill>
+              </a:rPr>
+              <a:t>201</a:t>
+            </a:r>
+            <a:r>
+              <a:rPr lang="en-US" dirty="0" smtClean="0">
+                <a:solidFill>
+                  <a:srgbClr val="FFFFFF"/>
+                </a:solidFill>
+              </a:rPr>
+              <a:t>4</a:t>
+            </a:r>
+            <a:endParaRPr dirty="0">
+              <a:solidFill>
+                <a:srgbClr val="FFFFFF"/>
+              </a:solidFill>
+            </a:endParaRPr>
+          </a:p>
+        </p:txBody>
+      </p:sp>
+      <p:sp>
+        <p:nvSpPr>
+          <p:cNvPr id="3" name="TextBox 2"/>
+          <p:cNvSpPr txBox="1"/>
+          <p:nvPr/>
+        </p:nvSpPr>
+        <p:spPr>
+          <a:xfrm>
+            <a:off x="96099" y="2456732"/>
+            <a:ext cx="1064902" cy="523220"/>
+          </a:xfrm>
+          <a:prstGeom prst="rect">
+            <a:avLst/>
+          </a:prstGeom>
+          <a:noFill/>
+        </p:spPr>
+        <p:txBody>
+          <a:bodyPr wrap="square" rtlCol="0">
+            <a:spAutoFit/>
+          </a:bodyPr>
+          <a:lstStyle/>
+          <a:p>
+            <a:r>
+              <a:rPr lang="en-US" sz="2800" dirty="0" smtClean="0">
+                <a:solidFill>
+                  <a:srgbClr val="FFFFFF"/>
+                </a:solidFill>
+              </a:rPr>
+              <a:t>No?</a:t>
+            </a:r>
+            <a:endParaRPr lang="en-US" sz="2800" dirty="0">
+              <a:solidFill>
+                <a:srgbClr val="FFFFFF"/>
+              </a:solidFill>
+            </a:endParaRPr>
+          </a:p>
+        </p:txBody>
+      </p:sp>
+      <p:sp>
+        <p:nvSpPr>
+          <p:cNvPr id="5" name="Rectangle 4"/>
+          <p:cNvSpPr/>
+          <p:nvPr/>
+        </p:nvSpPr>
+        <p:spPr>
+          <a:xfrm>
+            <a:off x="1074760" y="4686593"/>
+            <a:ext cx="1008173" cy="783683"/>
+          </a:xfrm>
+          <a:prstGeom prst="rect">
+            <a:avLst/>
+          </a:prstGeom>
+          <a:solidFill>
+            <a:srgbClr val="FFFFFF"/>
+          </a:solidFill>
+          <a:ln>
+            <a:solidFill>
+              <a:srgbClr val="FFFFFF"/>
+            </a:solidFill>
+          </a:ln>
+          <a:effectLst/>
+        </p:spPr>
+        <p:style>
+          <a:lnRef idx="1">
+            <a:schemeClr val="accent1"/>
+          </a:lnRef>
+          <a:fillRef idx="3">
+            <a:schemeClr val="accent1"/>
+          </a:fillRef>
+          <a:effectRef idx="2">
+            <a:schemeClr val="accent1"/>
+          </a:effectRef>
+          <a:fontRef idx="minor">
+            <a:schemeClr val="lt1"/>
+          </a:fontRef>
+        </p:style>
+        <p:txBody>
+          <a:bodyPr rtlCol="0" anchor="ctr"/>
+          <a:lstStyle/>
+          <a:p>
+            <a:pPr algn="ctr"/>
+            <a:endParaRPr lang="en-US"/>
+          </a:p>
+        </p:txBody>
+      </p:sp>
+      <p:sp>
+        <p:nvSpPr>
+          <p:cNvPr id="6" name="TextBox 5"/>
+          <p:cNvSpPr txBox="1"/>
+          <p:nvPr/>
+        </p:nvSpPr>
+        <p:spPr>
+          <a:xfrm>
+            <a:off x="8108043" y="5913562"/>
+            <a:ext cx="184666" cy="307777"/>
+          </a:xfrm>
+          <a:prstGeom prst="rect">
+            <a:avLst/>
+          </a:prstGeom>
+          <a:noFill/>
+        </p:spPr>
+        <p:txBody>
+          <a:bodyPr wrap="none" rtlCol="0">
+            <a:spAutoFit/>
+          </a:bodyPr>
+          <a:lstStyle/>
+          <a:p>
+            <a:endParaRPr lang="en-US" dirty="0"/>
+          </a:p>
+        </p:txBody>
+      </p:sp>
       <p:pic>
         <p:nvPicPr>
-          <p:cNvPr id="4" name="Picture 3" descr="W(inc)_avgHistograms.pdf"/>
+          <p:cNvPr id="4" name="Picture 3" descr="mathes2014_inclination.png"/>
+          <p:cNvPicPr>
+            <a:picLocks noChangeAspect="1"/>
+          </p:cNvPicPr>
+          <p:nvPr/>
+        </p:nvPicPr>
+        <p:blipFill rotWithShape="1">
+          <a:blip r:embed="rId3">
+            <a:extLst>
+              <a:ext uri="{28A0092B-C50C-407E-A947-70E740481C1C}">
+                <a14:useLocalDpi xmlns:a14="http://schemas.microsoft.com/office/drawing/2010/main" val="0"/>
+              </a:ext>
+            </a:extLst>
+          </a:blip>
+          <a:srcRect b="53911"/>
+          <a:stretch/>
+        </p:blipFill>
+        <p:spPr>
+          <a:xfrm>
+            <a:off x="1063902" y="1576490"/>
+            <a:ext cx="7037948" cy="3232379"/>
+          </a:xfrm>
+          <a:prstGeom prst="rect">
+            <a:avLst/>
+          </a:prstGeom>
+        </p:spPr>
+      </p:pic>
+      <p:pic>
+        <p:nvPicPr>
+          <p:cNvPr id="2" name="Picture 1" descr="mathes2014_inclination_xaxis.png"/>
           <p:cNvPicPr>
             <a:picLocks noChangeAspect="1"/>
           </p:cNvPicPr>
@@ -8159,56 +8369,78 @@
         </p:blipFill>
         <p:spPr>
           <a:xfrm>
-            <a:off x="1390850" y="948287"/>
-            <a:ext cx="7315200" cy="5486400"/>
+            <a:off x="2073404" y="4631762"/>
+            <a:ext cx="6022252" cy="856723"/>
           </a:xfrm>
           <a:prstGeom prst="rect">
             <a:avLst/>
           </a:prstGeom>
         </p:spPr>
       </p:pic>
-      <p:sp>
-        <p:nvSpPr>
-          <p:cNvPr id="5" name="TextBox 4"/>
-          <p:cNvSpPr txBox="1"/>
+      <p:pic>
+        <p:nvPicPr>
+          <p:cNvPr id="10" name="Shape 85"/>
+          <p:cNvPicPr preferRelativeResize="0">
+            <a:picLocks noChangeAspect="1"/>
+          </p:cNvPicPr>
           <p:nvPr/>
-        </p:nvSpPr>
-        <p:spPr>
-          <a:xfrm>
-            <a:off x="111233" y="1346972"/>
-            <a:ext cx="1279617" cy="461665"/>
+        </p:nvPicPr>
+        <p:blipFill>
+          <a:blip r:embed="rId3">
+            <a:alphaModFix/>
+          </a:blip>
+          <a:stretch>
+            <a:fillRect/>
+          </a:stretch>
+        </p:blipFill>
+        <p:spPr>
+          <a:xfrm>
+            <a:off x="1954372" y="5103956"/>
+            <a:ext cx="680883" cy="596824"/>
           </a:xfrm>
           <a:prstGeom prst="rect">
             <a:avLst/>
           </a:prstGeom>
           <a:noFill/>
-        </p:spPr>
-        <p:txBody>
-          <a:bodyPr wrap="none" rtlCol="0">
-            <a:spAutoFit/>
-          </a:bodyPr>
-          <a:lstStyle/>
-          <a:p>
-            <a:r>
-              <a:rPr lang="en-US" sz="2400" dirty="0" smtClean="0">
-                <a:solidFill>
-                  <a:srgbClr val="FFFFFF"/>
-                </a:solidFill>
-              </a:rPr>
-              <a:t>Maybe?</a:t>
-            </a:r>
-            <a:endParaRPr lang="en-US" sz="2400" dirty="0">
-              <a:solidFill>
-                <a:srgbClr val="FFFFFF"/>
-              </a:solidFill>
-            </a:endParaRPr>
-          </a:p>
-        </p:txBody>
-      </p:sp>
+          <a:ln>
+            <a:noFill/>
+          </a:ln>
+        </p:spPr>
+      </p:pic>
+      <p:pic>
+        <p:nvPicPr>
+          <p:cNvPr id="11" name="Picture 10" descr="sombrero_galaxy.jpg"/>
+          <p:cNvPicPr>
+            <a:picLocks noChangeAspect="1"/>
+          </p:cNvPicPr>
+          <p:nvPr/>
+        </p:nvPicPr>
+        <p:blipFill>
+          <a:blip r:embed="rId3">
+            <a:extLst>
+              <a:ext uri="{28A0092B-C50C-407E-A947-70E740481C1C}">
+                <a14:useLocalDpi xmlns:a14="http://schemas.microsoft.com/office/drawing/2010/main" val="0"/>
+              </a:ext>
+            </a:extLst>
+          </a:blip>
+          <a:stretch>
+            <a:fillRect/>
+          </a:stretch>
+        </p:blipFill>
+        <p:spPr>
+          <a:xfrm flipH="1">
+            <a:off x="7401613" y="5151538"/>
+            <a:ext cx="732088" cy="549242"/>
+          </a:xfrm>
+          <a:prstGeom prst="rect">
+            <a:avLst/>
+          </a:prstGeom>
+        </p:spPr>
+      </p:pic>
     </p:spTree>
     <p:extLst>
       <p:ext uri="{BB962C8B-B14F-4D97-AF65-F5344CB8AC3E}">
-        <p14:creationId xmlns:p14="http://schemas.microsoft.com/office/powerpoint/2010/main" val="2407692384"/>
+        <p14:creationId xmlns:p14="http://schemas.microsoft.com/office/powerpoint/2010/main" val="978692835"/>
       </p:ext>
     </p:extLst>
   </p:cSld>
@@ -8314,7 +8546,7 @@
         </p:blipFill>
         <p:spPr>
           <a:xfrm>
-            <a:off x="909589" y="948287"/>
+            <a:off x="1390850" y="948287"/>
             <a:ext cx="7315200" cy="5486400"/>
           </a:xfrm>
           <a:prstGeom prst="rect">
@@ -8322,70 +8554,48 @@
           </a:prstGeom>
         </p:spPr>
       </p:pic>
-      <p:pic>
-        <p:nvPicPr>
-          <p:cNvPr id="2" name="Picture 1" descr="hist(fancy_inclination)_associated.pdf"/>
-          <p:cNvPicPr>
-            <a:picLocks noChangeAspect="1"/>
-          </p:cNvPicPr>
+      <p:sp>
+        <p:nvSpPr>
+          <p:cNvPr id="5" name="TextBox 4"/>
+          <p:cNvSpPr txBox="1"/>
           <p:nvPr/>
-        </p:nvPicPr>
-        <p:blipFill>
-          <a:blip r:embed="rId4">
-            <a:extLst>
-              <a:ext uri="{28A0092B-C50C-407E-A947-70E740481C1C}">
-                <a14:useLocalDpi xmlns:a14="http://schemas.microsoft.com/office/drawing/2010/main" val="0"/>
-              </a:ext>
-            </a:extLst>
-          </a:blip>
-          <a:stretch>
-            <a:fillRect/>
-          </a:stretch>
-        </p:blipFill>
-        <p:spPr>
-          <a:xfrm>
-            <a:off x="0" y="948287"/>
-            <a:ext cx="9144000" cy="2743200"/>
-          </a:xfrm>
-          <a:prstGeom prst="rect">
-            <a:avLst/>
-          </a:prstGeom>
-        </p:spPr>
-      </p:pic>
-      <p:pic>
-        <p:nvPicPr>
-          <p:cNvPr id="3" name="Picture 2" descr="hist(fancy_inclination)_all2.pdf"/>
-          <p:cNvPicPr>
-            <a:picLocks noChangeAspect="1"/>
-          </p:cNvPicPr>
-          <p:nvPr/>
-        </p:nvPicPr>
-        <p:blipFill>
-          <a:blip r:embed="rId5">
-            <a:extLst>
-              <a:ext uri="{28A0092B-C50C-407E-A947-70E740481C1C}">
-                <a14:useLocalDpi xmlns:a14="http://schemas.microsoft.com/office/drawing/2010/main" val="0"/>
-              </a:ext>
-            </a:extLst>
-          </a:blip>
-          <a:stretch>
-            <a:fillRect/>
-          </a:stretch>
-        </p:blipFill>
-        <p:spPr>
-          <a:xfrm>
-            <a:off x="0" y="3669679"/>
-            <a:ext cx="9144000" cy="2743200"/>
-          </a:xfrm>
-          <a:prstGeom prst="rect">
-            <a:avLst/>
-          </a:prstGeom>
-        </p:spPr>
-      </p:pic>
+        </p:nvSpPr>
+        <p:spPr>
+          <a:xfrm>
+            <a:off x="111233" y="1346972"/>
+            <a:ext cx="1279617" cy="461665"/>
+          </a:xfrm>
+          <a:prstGeom prst="rect">
+            <a:avLst/>
+          </a:prstGeom>
+          <a:noFill/>
+        </p:spPr>
+        <p:txBody>
+          <a:bodyPr wrap="none" rtlCol="0">
+            <a:spAutoFit/>
+          </a:bodyPr>
+          <a:lstStyle/>
+          <a:p>
+            <a:r>
+              <a:rPr lang="en-US" sz="2400" dirty="0" smtClean="0">
+                <a:solidFill>
+                  <a:srgbClr val="FFFFFF"/>
+                </a:solidFill>
+              </a:rPr>
+              <a:t>Maybe?</a:t>
+            </a:r>
+            <a:endParaRPr lang="en-US" sz="2400" dirty="0">
+              <a:solidFill>
+                <a:srgbClr val="FFFFFF"/>
+              </a:solidFill>
+            </a:endParaRPr>
+          </a:p>
+        </p:txBody>
+      </p:sp>
     </p:spTree>
     <p:extLst>
       <p:ext uri="{BB962C8B-B14F-4D97-AF65-F5344CB8AC3E}">
-        <p14:creationId xmlns:p14="http://schemas.microsoft.com/office/powerpoint/2010/main" val="1467725676"/>
+        <p14:creationId xmlns:p14="http://schemas.microsoft.com/office/powerpoint/2010/main" val="2407692384"/>
       </p:ext>
     </p:extLst>
   </p:cSld>
@@ -8563,7 +8773,7 @@
           <p:nvPr/>
         </p:nvPicPr>
         <p:blipFill>
-          <a:blip r:embed="rId4">
+          <a:blip r:embed="rId3">
             <a:extLst>
               <a:ext uri="{28A0092B-C50C-407E-A947-70E740481C1C}">
                 <a14:useLocalDpi xmlns:a14="http://schemas.microsoft.com/office/drawing/2010/main" val="0"/>
@@ -8708,6 +8918,183 @@
                   <a:srgbClr val="FFFFFF"/>
                 </a:solidFill>
               </a:rPr>
+              <a:t>Galaxy Inclination</a:t>
+            </a:r>
+            <a:endParaRPr lang="en" sz="3600" i="1" dirty="0">
+              <a:solidFill>
+                <a:srgbClr val="FFFFFF"/>
+              </a:solidFill>
+            </a:endParaRPr>
+          </a:p>
+        </p:txBody>
+      </p:sp>
+      <p:pic>
+        <p:nvPicPr>
+          <p:cNvPr id="4" name="Picture 3" descr="W(inc)_avgHistograms.pdf"/>
+          <p:cNvPicPr>
+            <a:picLocks noChangeAspect="1"/>
+          </p:cNvPicPr>
+          <p:nvPr/>
+        </p:nvPicPr>
+        <p:blipFill>
+          <a:blip r:embed="rId3">
+            <a:extLst>
+              <a:ext uri="{28A0092B-C50C-407E-A947-70E740481C1C}">
+                <a14:useLocalDpi xmlns:a14="http://schemas.microsoft.com/office/drawing/2010/main" val="0"/>
+              </a:ext>
+            </a:extLst>
+          </a:blip>
+          <a:stretch>
+            <a:fillRect/>
+          </a:stretch>
+        </p:blipFill>
+        <p:spPr>
+          <a:xfrm>
+            <a:off x="909589" y="948287"/>
+            <a:ext cx="7315200" cy="5486400"/>
+          </a:xfrm>
+          <a:prstGeom prst="rect">
+            <a:avLst/>
+          </a:prstGeom>
+        </p:spPr>
+      </p:pic>
+      <p:pic>
+        <p:nvPicPr>
+          <p:cNvPr id="2" name="Picture 1" descr="hist(fancy_inclination)_associated.pdf"/>
+          <p:cNvPicPr>
+            <a:picLocks noChangeAspect="1"/>
+          </p:cNvPicPr>
+          <p:nvPr/>
+        </p:nvPicPr>
+        <p:blipFill>
+          <a:blip r:embed="rId3">
+            <a:extLst>
+              <a:ext uri="{28A0092B-C50C-407E-A947-70E740481C1C}">
+                <a14:useLocalDpi xmlns:a14="http://schemas.microsoft.com/office/drawing/2010/main" val="0"/>
+              </a:ext>
+            </a:extLst>
+          </a:blip>
+          <a:stretch>
+            <a:fillRect/>
+          </a:stretch>
+        </p:blipFill>
+        <p:spPr>
+          <a:xfrm>
+            <a:off x="0" y="948287"/>
+            <a:ext cx="9144000" cy="2743200"/>
+          </a:xfrm>
+          <a:prstGeom prst="rect">
+            <a:avLst/>
+          </a:prstGeom>
+        </p:spPr>
+      </p:pic>
+      <p:pic>
+        <p:nvPicPr>
+          <p:cNvPr id="3" name="Picture 2" descr="hist(fancy_inclination)_all2.pdf"/>
+          <p:cNvPicPr>
+            <a:picLocks noChangeAspect="1"/>
+          </p:cNvPicPr>
+          <p:nvPr/>
+        </p:nvPicPr>
+        <p:blipFill>
+          <a:blip r:embed="rId3">
+            <a:extLst>
+              <a:ext uri="{28A0092B-C50C-407E-A947-70E740481C1C}">
+                <a14:useLocalDpi xmlns:a14="http://schemas.microsoft.com/office/drawing/2010/main" val="0"/>
+              </a:ext>
+            </a:extLst>
+          </a:blip>
+          <a:stretch>
+            <a:fillRect/>
+          </a:stretch>
+        </p:blipFill>
+        <p:spPr>
+          <a:xfrm>
+            <a:off x="0" y="3669679"/>
+            <a:ext cx="9144000" cy="2743200"/>
+          </a:xfrm>
+          <a:prstGeom prst="rect">
+            <a:avLst/>
+          </a:prstGeom>
+        </p:spPr>
+      </p:pic>
+    </p:spTree>
+    <p:extLst>
+      <p:ext uri="{BB962C8B-B14F-4D97-AF65-F5344CB8AC3E}">
+        <p14:creationId xmlns:p14="http://schemas.microsoft.com/office/powerpoint/2010/main" val="1467725676"/>
+      </p:ext>
+    </p:extLst>
+  </p:cSld>
+  <p:clrMapOvr>
+    <a:masterClrMapping/>
+  </p:clrMapOvr>
+  <p:transition spd="slow">
+    <p:cut/>
+  </p:transition>
+  <p:timing>
+    <p:tnLst>
+      <p:par>
+        <p:cTn id="1" dur="indefinite" restart="never" nodeType="tmRoot"/>
+      </p:par>
+    </p:tnLst>
+  </p:timing>
+</p:sld>
+</file>
+
+<file path=ppt/slides/slide21.xml><?xml version="1.0" encoding="utf-8"?>
+<p:sld xmlns:a="http://schemas.openxmlformats.org/drawingml/2006/main" xmlns:r="http://schemas.openxmlformats.org/officeDocument/2006/relationships" xmlns:p="http://schemas.openxmlformats.org/presentationml/2006/main">
+  <p:cSld>
+    <p:spTree>
+      <p:nvGrpSpPr>
+        <p:cNvPr id="1" name="Shape 121"/>
+        <p:cNvGrpSpPr/>
+        <p:nvPr/>
+      </p:nvGrpSpPr>
+      <p:grpSpPr>
+        <a:xfrm>
+          <a:off x="0" y="0"/>
+          <a:ext cx="0" cy="0"/>
+          <a:chOff x="0" y="0"/>
+          <a:chExt cx="0" cy="0"/>
+        </a:xfrm>
+      </p:grpSpPr>
+      <p:sp>
+        <p:nvSpPr>
+          <p:cNvPr id="122" name="Shape 122"/>
+          <p:cNvSpPr txBox="1">
+            <a:spLocks noGrp="1"/>
+          </p:cNvSpPr>
+          <p:nvPr>
+            <p:ph type="subTitle" idx="1"/>
+          </p:nvPr>
+        </p:nvSpPr>
+        <p:spPr>
+          <a:xfrm>
+            <a:off x="628550" y="19028"/>
+            <a:ext cx="8077500" cy="1265399"/>
+          </a:xfrm>
+          <a:prstGeom prst="rect">
+            <a:avLst/>
+          </a:prstGeom>
+        </p:spPr>
+        <p:txBody>
+          <a:bodyPr lIns="91425" tIns="91425" rIns="91425" bIns="91425" anchor="t" anchorCtr="0">
+            <a:noAutofit/>
+          </a:bodyPr>
+          <a:lstStyle/>
+          <a:p>
+            <a:pPr lvl="0" rtl="0">
+              <a:spcBef>
+                <a:spcPts val="0"/>
+              </a:spcBef>
+              <a:buNone/>
+            </a:pPr>
+            <a:r>
+              <a:rPr lang="en-US" sz="3600" i="1" dirty="0" smtClean="0">
+                <a:solidFill>
+                  <a:srgbClr val="FFFFFF"/>
+                </a:solidFill>
+              </a:rPr>
               <a:t>EW dichotomy</a:t>
             </a:r>
             <a:endParaRPr lang="en" sz="3600" i="1" dirty="0">
@@ -8802,7 +9189,7 @@
 </p:sld>
 </file>
 
-<file path=ppt/slides/slide21.xml><?xml version="1.0" encoding="utf-8"?>
+<file path=ppt/slides/slide22.xml><?xml version="1.0" encoding="utf-8"?>
 <p:sld xmlns:a="http://schemas.openxmlformats.org/drawingml/2006/main" xmlns:r="http://schemas.openxmlformats.org/officeDocument/2006/relationships" xmlns:p="http://schemas.openxmlformats.org/presentationml/2006/main">
   <p:cSld>
     <p:spTree>
@@ -9200,472 +9587,6 @@
     <p:extLst>
       <p:ext uri="{BB962C8B-B14F-4D97-AF65-F5344CB8AC3E}">
         <p14:creationId xmlns:p14="http://schemas.microsoft.com/office/powerpoint/2010/main" val="425732614"/>
-      </p:ext>
-    </p:extLst>
-  </p:cSld>
-  <p:clrMapOvr>
-    <a:masterClrMapping/>
-  </p:clrMapOvr>
-  <p:transition spd="slow">
-    <p:cut/>
-  </p:transition>
-  <p:timing>
-    <p:tnLst>
-      <p:par>
-        <p:cTn id="1" dur="indefinite" restart="never" nodeType="tmRoot"/>
-      </p:par>
-    </p:tnLst>
-  </p:timing>
-</p:sld>
-</file>
-
-<file path=ppt/slides/slide22.xml><?xml version="1.0" encoding="utf-8"?>
-<p:sld xmlns:a="http://schemas.openxmlformats.org/drawingml/2006/main" xmlns:r="http://schemas.openxmlformats.org/officeDocument/2006/relationships" xmlns:p="http://schemas.openxmlformats.org/presentationml/2006/main">
-  <p:cSld>
-    <p:spTree>
-      <p:nvGrpSpPr>
-        <p:cNvPr id="1" name="Shape 69"/>
-        <p:cNvGrpSpPr/>
-        <p:nvPr/>
-      </p:nvGrpSpPr>
-      <p:grpSpPr>
-        <a:xfrm>
-          <a:off x="0" y="0"/>
-          <a:ext cx="0" cy="0"/>
-          <a:chOff x="0" y="0"/>
-          <a:chExt cx="0" cy="0"/>
-        </a:xfrm>
-      </p:grpSpPr>
-      <p:sp>
-        <p:nvSpPr>
-          <p:cNvPr id="4" name="Shape 79"/>
-          <p:cNvSpPr txBox="1">
-            <a:spLocks noGrp="1"/>
-          </p:cNvSpPr>
-          <p:nvPr>
-            <p:ph type="ctrTitle"/>
-          </p:nvPr>
-        </p:nvSpPr>
-        <p:spPr>
-          <a:xfrm>
-            <a:off x="350994" y="26337"/>
-            <a:ext cx="8442012" cy="730496"/>
-          </a:xfrm>
-          <a:prstGeom prst="rect">
-            <a:avLst/>
-          </a:prstGeom>
-        </p:spPr>
-        <p:txBody>
-          <a:bodyPr lIns="91425" tIns="91425" rIns="91425" bIns="91425" anchor="t" anchorCtr="0">
-            <a:noAutofit/>
-          </a:bodyPr>
-          <a:lstStyle/>
-          <a:p>
-            <a:pPr lvl="0" rtl="0">
-              <a:spcBef>
-                <a:spcPts val="0"/>
-              </a:spcBef>
-              <a:buNone/>
-            </a:pPr>
-            <a:r>
-              <a:rPr lang="en-US" sz="3600" b="0" i="1" dirty="0" smtClean="0"/>
-              <a:t>Summary:</a:t>
-            </a:r>
-            <a:endParaRPr lang="en" sz="3600" b="0" i="1" dirty="0"/>
-          </a:p>
-        </p:txBody>
-      </p:sp>
-      <p:sp>
-        <p:nvSpPr>
-          <p:cNvPr id="3" name="Shape 135"/>
-          <p:cNvSpPr txBox="1">
-            <a:spLocks noGrp="1"/>
-          </p:cNvSpPr>
-          <p:nvPr>
-            <p:ph type="subTitle" idx="4294967295"/>
-          </p:nvPr>
-        </p:nvSpPr>
-        <p:spPr>
-          <a:xfrm>
-            <a:off x="525996" y="1041441"/>
-            <a:ext cx="8108044" cy="4551429"/>
-          </a:xfrm>
-          <a:prstGeom prst="rect">
-            <a:avLst/>
-          </a:prstGeom>
-        </p:spPr>
-        <p:txBody>
-          <a:bodyPr lIns="91425" tIns="91425" rIns="91425" bIns="91425" anchor="t" anchorCtr="0">
-            <a:noAutofit/>
-          </a:bodyPr>
-          <a:lstStyle/>
-          <a:p>
-            <a:pPr marL="457200" marR="0" lvl="0" indent="-419100" algn="l" rtl="0">
-              <a:lnSpc>
-                <a:spcPct val="100000"/>
-              </a:lnSpc>
-              <a:spcBef>
-                <a:spcPts val="0"/>
-              </a:spcBef>
-              <a:spcAft>
-                <a:spcPts val="0"/>
-              </a:spcAft>
-              <a:buClr>
-                <a:schemeClr val="lt2"/>
-              </a:buClr>
-              <a:buSzPct val="100000"/>
-              <a:buFont typeface="Arial"/>
-              <a:buChar char="●"/>
-            </a:pPr>
-            <a:r>
-              <a:rPr lang="en-US" sz="2000" dirty="0" smtClean="0">
-                <a:solidFill>
-                  <a:schemeClr val="lt1"/>
-                </a:solidFill>
-              </a:rPr>
-              <a:t>Define likelihood – a reproducible method for associating absorption with nearby galaxies</a:t>
-            </a:r>
-            <a:endParaRPr lang="en-US" sz="2000" dirty="0"/>
-          </a:p>
-          <a:p>
-            <a:pPr marL="457200" lvl="0" indent="-419100">
-              <a:spcBef>
-                <a:spcPts val="0"/>
-              </a:spcBef>
-              <a:buClr>
-                <a:schemeClr val="lt2"/>
-              </a:buClr>
-            </a:pPr>
-            <a:endParaRPr lang="en-US" sz="2000" dirty="0"/>
-          </a:p>
-          <a:p>
-            <a:pPr marL="457200" lvl="0" indent="-419100">
-              <a:spcBef>
-                <a:spcPts val="0"/>
-              </a:spcBef>
-              <a:buClr>
-                <a:schemeClr val="lt2"/>
-              </a:buClr>
-            </a:pPr>
-            <a:r>
-              <a:rPr lang="en-US" sz="2000" dirty="0"/>
-              <a:t>EW – Impact parameter anti-correlation </a:t>
-            </a:r>
-            <a:r>
-              <a:rPr lang="en-US" sz="2000" dirty="0" smtClean="0"/>
-              <a:t>with</a:t>
-            </a:r>
-          </a:p>
-          <a:p>
-            <a:pPr marL="38100" lvl="0">
-              <a:spcBef>
-                <a:spcPts val="0"/>
-              </a:spcBef>
-              <a:buClr>
-                <a:schemeClr val="lt2"/>
-              </a:buClr>
-              <a:buNone/>
-            </a:pPr>
-            <a:r>
-              <a:rPr lang="en-US" sz="2000" dirty="0" smtClean="0"/>
-              <a:t> </a:t>
-            </a:r>
-          </a:p>
-          <a:p>
-            <a:pPr marL="457200" indent="-419100">
-              <a:spcBef>
-                <a:spcPts val="0"/>
-              </a:spcBef>
-              <a:buClr>
-                <a:schemeClr val="lt2"/>
-              </a:buClr>
-            </a:pPr>
-            <a:r>
-              <a:rPr lang="en-US" sz="2000" dirty="0"/>
-              <a:t>Absorbers most commonly found near </a:t>
-            </a:r>
-            <a:r>
-              <a:rPr lang="en-US" sz="2000" dirty="0" err="1" smtClean="0"/>
-              <a:t>ρ</a:t>
-            </a:r>
-            <a:r>
-              <a:rPr lang="en-US" sz="2000" dirty="0" smtClean="0"/>
-              <a:t> </a:t>
-            </a:r>
-            <a:r>
-              <a:rPr lang="en-US" sz="2000" dirty="0"/>
-              <a:t>~ </a:t>
-            </a:r>
-            <a:r>
-              <a:rPr lang="en-US" sz="2000" dirty="0" smtClean="0"/>
-              <a:t>1.2</a:t>
-            </a:r>
-          </a:p>
-          <a:p>
-            <a:pPr marL="38100" lvl="0">
-              <a:spcBef>
-                <a:spcPts val="0"/>
-              </a:spcBef>
-              <a:buClr>
-                <a:schemeClr val="lt2"/>
-              </a:buClr>
-              <a:buNone/>
-            </a:pPr>
-            <a:endParaRPr lang="en-US" sz="2000" dirty="0"/>
-          </a:p>
-          <a:p>
-            <a:pPr marL="457200" lvl="0" indent="-419100">
-              <a:spcBef>
-                <a:spcPts val="0"/>
-              </a:spcBef>
-              <a:buClr>
-                <a:schemeClr val="lt2"/>
-              </a:buClr>
-            </a:pPr>
-            <a:r>
-              <a:rPr lang="en-US" sz="2000" dirty="0"/>
-              <a:t>Median EW increases with decreasing </a:t>
-            </a:r>
-            <a:r>
-              <a:rPr lang="en-US" sz="2000" dirty="0" err="1"/>
-              <a:t>Δv</a:t>
-            </a:r>
-            <a:endParaRPr lang="en-US" sz="2000" dirty="0"/>
-          </a:p>
-          <a:p>
-            <a:pPr marL="38100">
-              <a:spcBef>
-                <a:spcPts val="0"/>
-              </a:spcBef>
-              <a:buClr>
-                <a:schemeClr val="lt2"/>
-              </a:buClr>
-              <a:buNone/>
-            </a:pPr>
-            <a:endParaRPr lang="en-US" sz="2000" dirty="0"/>
-          </a:p>
-          <a:p>
-            <a:pPr marL="457200" lvl="0" indent="-419100">
-              <a:spcBef>
-                <a:spcPts val="0"/>
-              </a:spcBef>
-              <a:buClr>
-                <a:schemeClr val="lt2"/>
-              </a:buClr>
-            </a:pPr>
-            <a:r>
-              <a:rPr lang="en-US" sz="2000" dirty="0" smtClean="0"/>
-              <a:t>Azimuth, inclination </a:t>
-            </a:r>
-            <a:r>
-              <a:rPr lang="en-US" sz="2000" dirty="0"/>
-              <a:t>dependence is unclear</a:t>
-            </a:r>
-          </a:p>
-          <a:p>
-            <a:pPr marL="38100" marR="0" lvl="0" algn="l" rtl="0">
-              <a:lnSpc>
-                <a:spcPct val="100000"/>
-              </a:lnSpc>
-              <a:spcBef>
-                <a:spcPts val="0"/>
-              </a:spcBef>
-              <a:spcAft>
-                <a:spcPts val="0"/>
-              </a:spcAft>
-              <a:buClr>
-                <a:schemeClr val="lt2"/>
-              </a:buClr>
-              <a:buSzPct val="100000"/>
-              <a:buNone/>
-            </a:pPr>
-            <a:endParaRPr lang="en-US" sz="2000" dirty="0"/>
-          </a:p>
-          <a:p>
-            <a:pPr marL="457200" marR="0" lvl="0" indent="-419100" algn="l" rtl="0">
-              <a:lnSpc>
-                <a:spcPct val="100000"/>
-              </a:lnSpc>
-              <a:spcBef>
-                <a:spcPts val="0"/>
-              </a:spcBef>
-              <a:spcAft>
-                <a:spcPts val="0"/>
-              </a:spcAft>
-              <a:buClr>
-                <a:schemeClr val="lt2"/>
-              </a:buClr>
-              <a:buSzPct val="100000"/>
-              <a:buFont typeface="Arial"/>
-              <a:buChar char="●"/>
-            </a:pPr>
-            <a:r>
-              <a:rPr lang="en-US" sz="2000" dirty="0" smtClean="0">
-                <a:solidFill>
-                  <a:schemeClr val="lt1"/>
-                </a:solidFill>
-              </a:rPr>
-              <a:t>Absorbers are more common near highly inclined galaxies</a:t>
-            </a:r>
-          </a:p>
-          <a:p>
-            <a:pPr marL="38100" marR="0" lvl="0" algn="l" rtl="0">
-              <a:lnSpc>
-                <a:spcPct val="100000"/>
-              </a:lnSpc>
-              <a:spcBef>
-                <a:spcPts val="0"/>
-              </a:spcBef>
-              <a:spcAft>
-                <a:spcPts val="0"/>
-              </a:spcAft>
-              <a:buClr>
-                <a:schemeClr val="lt2"/>
-              </a:buClr>
-              <a:buSzPct val="100000"/>
-              <a:buNone/>
-            </a:pPr>
-            <a:endParaRPr lang="en-US" sz="2000" dirty="0"/>
-          </a:p>
-          <a:p>
-            <a:pPr marL="457200" indent="-419100">
-              <a:spcBef>
-                <a:spcPts val="0"/>
-              </a:spcBef>
-              <a:buClr>
-                <a:schemeClr val="lt2"/>
-              </a:buClr>
-            </a:pPr>
-            <a:r>
-              <a:rPr lang="en-US" sz="2000" dirty="0" err="1"/>
-              <a:t>Redshifted</a:t>
-            </a:r>
-            <a:r>
-              <a:rPr lang="en-US" sz="2000" dirty="0"/>
-              <a:t> absorption weaker than </a:t>
-            </a:r>
-            <a:r>
-              <a:rPr lang="en-US" sz="2000" dirty="0" err="1"/>
-              <a:t>blueshifted</a:t>
-            </a:r>
-            <a:r>
-              <a:rPr lang="en-US" sz="2000" dirty="0" smtClean="0"/>
-              <a:t>?</a:t>
-            </a:r>
-            <a:endParaRPr lang="en-US" sz="2000" dirty="0"/>
-          </a:p>
-          <a:p>
-            <a:pPr marL="457200" marR="0" lvl="0" indent="-419100" algn="l" rtl="0">
-              <a:lnSpc>
-                <a:spcPct val="100000"/>
-              </a:lnSpc>
-              <a:spcBef>
-                <a:spcPts val="0"/>
-              </a:spcBef>
-              <a:spcAft>
-                <a:spcPts val="0"/>
-              </a:spcAft>
-              <a:buClr>
-                <a:schemeClr val="lt2"/>
-              </a:buClr>
-              <a:buSzPct val="100000"/>
-              <a:buFont typeface="Arial"/>
-              <a:buChar char="●"/>
-            </a:pPr>
-            <a:endParaRPr lang="en-US" sz="2000" i="1" dirty="0" smtClean="0"/>
-          </a:p>
-        </p:txBody>
-      </p:sp>
-      <p:pic>
-        <p:nvPicPr>
-          <p:cNvPr id="5" name="Picture 4"/>
-          <p:cNvPicPr>
-            <a:picLocks noChangeAspect="1"/>
-          </p:cNvPicPr>
-          <p:nvPr/>
-        </p:nvPicPr>
-        <p:blipFill>
-          <a:blip r:embed="rId3"/>
-          <a:stretch>
-            <a:fillRect/>
-          </a:stretch>
-        </p:blipFill>
-        <p:spPr>
-          <a:xfrm>
-            <a:off x="6273468" y="2685676"/>
-            <a:ext cx="551657" cy="292054"/>
-          </a:xfrm>
-          <a:prstGeom prst="rect">
-            <a:avLst/>
-          </a:prstGeom>
-        </p:spPr>
-      </p:pic>
-      <p:pic>
-        <p:nvPicPr>
-          <p:cNvPr id="6" name="Picture 5"/>
-          <p:cNvPicPr>
-            <a:picLocks noChangeAspect="1"/>
-          </p:cNvPicPr>
-          <p:nvPr/>
-        </p:nvPicPr>
-        <p:blipFill>
-          <a:blip r:embed="rId3"/>
-          <a:stretch>
-            <a:fillRect/>
-          </a:stretch>
-        </p:blipFill>
-        <p:spPr>
-          <a:xfrm>
-            <a:off x="6087445" y="2094069"/>
-            <a:ext cx="551657" cy="292054"/>
-          </a:xfrm>
-          <a:prstGeom prst="rect">
-            <a:avLst/>
-          </a:prstGeom>
-        </p:spPr>
-      </p:pic>
-      <p:sp>
-        <p:nvSpPr>
-          <p:cNvPr id="2" name="TextBox 1"/>
-          <p:cNvSpPr txBox="1"/>
-          <p:nvPr/>
-        </p:nvSpPr>
-        <p:spPr>
-          <a:xfrm>
-            <a:off x="3438221" y="5775106"/>
-            <a:ext cx="2260555" cy="584776"/>
-          </a:xfrm>
-          <a:prstGeom prst="rect">
-            <a:avLst/>
-          </a:prstGeom>
-          <a:noFill/>
-        </p:spPr>
-        <p:txBody>
-          <a:bodyPr wrap="none" rtlCol="0">
-            <a:spAutoFit/>
-          </a:bodyPr>
-          <a:lstStyle/>
-          <a:p>
-            <a:r>
-              <a:rPr lang="en-US" sz="3200" dirty="0" smtClean="0">
-                <a:solidFill>
-                  <a:srgbClr val="FFFFFF"/>
-                </a:solidFill>
-              </a:rPr>
-              <a:t>Questions?</a:t>
-            </a:r>
-            <a:endParaRPr lang="en-US" sz="3200" dirty="0">
-              <a:solidFill>
-                <a:srgbClr val="FFFFFF"/>
-              </a:solidFill>
-            </a:endParaRPr>
-          </a:p>
-        </p:txBody>
-      </p:sp>
-    </p:spTree>
-    <p:extLst>
-      <p:ext uri="{BB962C8B-B14F-4D97-AF65-F5344CB8AC3E}">
-        <p14:creationId xmlns:p14="http://schemas.microsoft.com/office/powerpoint/2010/main" val="3512632745"/>
       </p:ext>
     </p:extLst>
   </p:cSld>
@@ -9690,7 +9611,7 @@
   <p:cSld>
     <p:spTree>
       <p:nvGrpSpPr>
-        <p:cNvPr id="1" name="Shape 126"/>
+        <p:cNvPr id="1" name="Shape 69"/>
         <p:cNvGrpSpPr/>
         <p:nvPr/>
       </p:nvGrpSpPr>
@@ -9704,18 +9625,18 @@
       </p:grpSpPr>
       <p:sp>
         <p:nvSpPr>
-          <p:cNvPr id="127" name="Shape 127"/>
+          <p:cNvPr id="4" name="Shape 79"/>
           <p:cNvSpPr txBox="1">
             <a:spLocks noGrp="1"/>
           </p:cNvSpPr>
           <p:nvPr>
-            <p:ph type="subTitle" idx="1"/>
+            <p:ph type="ctrTitle"/>
           </p:nvPr>
         </p:nvSpPr>
         <p:spPr>
           <a:xfrm>
-            <a:off x="628550" y="19027"/>
-            <a:ext cx="8077500" cy="1265399"/>
+            <a:off x="350994" y="26337"/>
+            <a:ext cx="8442012" cy="730496"/>
           </a:xfrm>
           <a:prstGeom prst="rect">
             <a:avLst/>
@@ -9734,79 +9655,31 @@
               <a:buNone/>
             </a:pPr>
             <a:r>
-              <a:rPr lang="en" sz="3600" i="1" dirty="0">
-                <a:solidFill>
-                  <a:srgbClr val="FFFFFF"/>
-                </a:solidFill>
-              </a:rPr>
-              <a:t>How </a:t>
-            </a:r>
-            <a:r>
-              <a:rPr lang="en" sz="3600" i="1" dirty="0" smtClean="0">
-                <a:solidFill>
-                  <a:srgbClr val="FFFFFF"/>
-                </a:solidFill>
-              </a:rPr>
-              <a:t>do</a:t>
-            </a:r>
-            <a:r>
-              <a:rPr lang="en-US" sz="3600" i="1" dirty="0" smtClean="0">
-                <a:solidFill>
-                  <a:srgbClr val="FFFFFF"/>
-                </a:solidFill>
-              </a:rPr>
-              <a:t> CGM gas properties </a:t>
-            </a:r>
-            <a:r>
-              <a:rPr lang="en" sz="3600" i="1" dirty="0" smtClean="0">
-                <a:solidFill>
-                  <a:srgbClr val="FFFFFF"/>
-                </a:solidFill>
-              </a:rPr>
-              <a:t>depend </a:t>
-            </a:r>
-            <a:r>
-              <a:rPr lang="en" sz="3600" i="1" dirty="0">
-                <a:solidFill>
-                  <a:srgbClr val="FFFFFF"/>
-                </a:solidFill>
-              </a:rPr>
-              <a:t>on galaxy </a:t>
-            </a:r>
-            <a:r>
-              <a:rPr lang="en" sz="3600" i="1" dirty="0" smtClean="0">
-                <a:solidFill>
-                  <a:srgbClr val="FFFFFF"/>
-                </a:solidFill>
-              </a:rPr>
-              <a:t>inclination?</a:t>
-            </a:r>
-            <a:endParaRPr lang="en" sz="3600" i="1" dirty="0">
-              <a:solidFill>
-                <a:srgbClr val="FFFFFF"/>
-              </a:solidFill>
-            </a:endParaRPr>
+              <a:rPr lang="en-US" sz="3600" b="0" i="1" dirty="0" smtClean="0"/>
+              <a:t>Summary:</a:t>
+            </a:r>
+            <a:endParaRPr lang="en" sz="3600" b="0" i="1" dirty="0"/>
           </a:p>
         </p:txBody>
       </p:sp>
       <p:sp>
         <p:nvSpPr>
-          <p:cNvPr id="133" name="Shape 133"/>
-          <p:cNvSpPr txBox="1"/>
-          <p:nvPr/>
-        </p:nvSpPr>
-        <p:spPr>
-          <a:xfrm>
-            <a:off x="4095240" y="6453101"/>
-            <a:ext cx="2062767" cy="370200"/>
-          </a:xfrm>
-          <a:prstGeom prst="rect">
-            <a:avLst/>
-          </a:prstGeom>
-          <a:noFill/>
-          <a:ln>
-            <a:noFill/>
-          </a:ln>
+          <p:cNvPr id="3" name="Shape 135"/>
+          <p:cNvSpPr txBox="1">
+            <a:spLocks noGrp="1"/>
+          </p:cNvSpPr>
+          <p:nvPr>
+            <p:ph type="subTitle" idx="4294967295"/>
+          </p:nvPr>
+        </p:nvSpPr>
+        <p:spPr>
+          <a:xfrm>
+            <a:off x="525996" y="1041441"/>
+            <a:ext cx="8108044" cy="4551429"/>
+          </a:xfrm>
+          <a:prstGeom prst="rect">
+            <a:avLst/>
+          </a:prstGeom>
         </p:spPr>
         <p:txBody>
           <a:bodyPr lIns="91425" tIns="91425" rIns="91425" bIns="91425" anchor="t" anchorCtr="0">
@@ -9814,195 +9687,324 @@
           </a:bodyPr>
           <a:lstStyle/>
           <a:p>
-            <a:pPr lvl="0" rtl="0">
-              <a:spcBef>
-                <a:spcPts val="0"/>
-              </a:spcBef>
+            <a:pPr marL="457200" marR="0" lvl="0" indent="-419100" algn="l" rtl="0">
+              <a:lnSpc>
+                <a:spcPct val="100000"/>
+              </a:lnSpc>
+              <a:spcBef>
+                <a:spcPts val="0"/>
+              </a:spcBef>
+              <a:spcAft>
+                <a:spcPts val="0"/>
+              </a:spcAft>
+              <a:buClr>
+                <a:schemeClr val="lt2"/>
+              </a:buClr>
+              <a:buSzPct val="100000"/>
+              <a:buFont typeface="Arial"/>
+              <a:buChar char="●"/>
+            </a:pPr>
+            <a:r>
+              <a:rPr lang="en-US" sz="2000" dirty="0" smtClean="0">
+                <a:solidFill>
+                  <a:schemeClr val="lt1"/>
+                </a:solidFill>
+              </a:rPr>
+              <a:t>Define likelihood – a reproducible method for associating absorption with nearby galaxies</a:t>
+            </a:r>
+            <a:endParaRPr lang="en-US" sz="2000" dirty="0"/>
+          </a:p>
+          <a:p>
+            <a:pPr marL="457200" lvl="0" indent="-419100">
+              <a:spcBef>
+                <a:spcPts val="0"/>
+              </a:spcBef>
+              <a:buClr>
+                <a:schemeClr val="lt2"/>
+              </a:buClr>
+            </a:pPr>
+            <a:endParaRPr lang="en-US" sz="2000" dirty="0"/>
+          </a:p>
+          <a:p>
+            <a:pPr marL="457200" lvl="0" indent="-419100">
+              <a:spcBef>
+                <a:spcPts val="0"/>
+              </a:spcBef>
+              <a:buClr>
+                <a:schemeClr val="lt2"/>
+              </a:buClr>
+            </a:pPr>
+            <a:r>
+              <a:rPr lang="en-US" sz="2000" dirty="0"/>
+              <a:t>EW – Impact parameter anti-correlation </a:t>
+            </a:r>
+            <a:r>
+              <a:rPr lang="en-US" sz="2000" dirty="0" smtClean="0"/>
+              <a:t>with</a:t>
+            </a:r>
+          </a:p>
+          <a:p>
+            <a:pPr marL="38100" lvl="0">
+              <a:spcBef>
+                <a:spcPts val="0"/>
+              </a:spcBef>
+              <a:buClr>
+                <a:schemeClr val="lt2"/>
+              </a:buClr>
               <a:buNone/>
             </a:pPr>
             <a:r>
-              <a:rPr lang="en-US" dirty="0" err="1" smtClean="0">
-                <a:solidFill>
-                  <a:srgbClr val="FFFFFF"/>
-                </a:solidFill>
-              </a:rPr>
-              <a:t>Kacprzak</a:t>
-            </a:r>
-            <a:r>
-              <a:rPr lang="en" dirty="0" smtClean="0">
-                <a:solidFill>
-                  <a:srgbClr val="FFFFFF"/>
-                </a:solidFill>
-              </a:rPr>
+              <a:rPr lang="en-US" sz="2000" dirty="0" smtClean="0"/>
               <a:t> </a:t>
             </a:r>
-            <a:r>
-              <a:rPr lang="en" dirty="0">
-                <a:solidFill>
-                  <a:srgbClr val="FFFFFF"/>
-                </a:solidFill>
-              </a:rPr>
-              <a:t>et al. </a:t>
-            </a:r>
-            <a:r>
-              <a:rPr lang="en" dirty="0" smtClean="0">
-                <a:solidFill>
-                  <a:srgbClr val="FFFFFF"/>
-                </a:solidFill>
-              </a:rPr>
-              <a:t>201</a:t>
-            </a:r>
-            <a:r>
-              <a:rPr lang="en-US" dirty="0">
-                <a:solidFill>
-                  <a:srgbClr val="FFFFFF"/>
-                </a:solidFill>
-              </a:rPr>
-              <a:t>1</a:t>
-            </a:r>
-            <a:endParaRPr lang="en" dirty="0">
-              <a:solidFill>
-                <a:srgbClr val="FFFFFF"/>
-              </a:solidFill>
-            </a:endParaRPr>
-          </a:p>
-          <a:p>
-            <a:pPr lvl="0" rtl="0">
-              <a:spcBef>
-                <a:spcPts val="0"/>
-              </a:spcBef>
+          </a:p>
+          <a:p>
+            <a:pPr marL="457200" indent="-419100">
+              <a:spcBef>
+                <a:spcPts val="0"/>
+              </a:spcBef>
+              <a:buClr>
+                <a:schemeClr val="lt2"/>
+              </a:buClr>
+            </a:pPr>
+            <a:r>
+              <a:rPr lang="en-US" sz="2000" dirty="0"/>
+              <a:t>Absorbers most commonly found near </a:t>
+            </a:r>
+            <a:r>
+              <a:rPr lang="en-US" sz="2000" dirty="0" err="1" smtClean="0"/>
+              <a:t>ρ</a:t>
+            </a:r>
+            <a:r>
+              <a:rPr lang="en-US" sz="2000" dirty="0" smtClean="0"/>
+              <a:t> </a:t>
+            </a:r>
+            <a:r>
+              <a:rPr lang="en-US" sz="2000" dirty="0"/>
+              <a:t>~ </a:t>
+            </a:r>
+            <a:r>
+              <a:rPr lang="en-US" sz="2000" dirty="0" smtClean="0"/>
+              <a:t>1.2</a:t>
+            </a:r>
+          </a:p>
+          <a:p>
+            <a:pPr marL="38100" lvl="0">
+              <a:spcBef>
+                <a:spcPts val="0"/>
+              </a:spcBef>
+              <a:buClr>
+                <a:schemeClr val="lt2"/>
+              </a:buClr>
               <a:buNone/>
             </a:pPr>
-            <a:endParaRPr dirty="0">
-              <a:solidFill>
-                <a:srgbClr val="FFFFFF"/>
-              </a:solidFill>
-            </a:endParaRPr>
+            <a:endParaRPr lang="en-US" sz="2000" dirty="0"/>
+          </a:p>
+          <a:p>
+            <a:pPr marL="457200" lvl="0" indent="-419100">
+              <a:spcBef>
+                <a:spcPts val="0"/>
+              </a:spcBef>
+              <a:buClr>
+                <a:schemeClr val="lt2"/>
+              </a:buClr>
+            </a:pPr>
+            <a:r>
+              <a:rPr lang="en-US" sz="2000" dirty="0"/>
+              <a:t>Median EW increases with decreasing </a:t>
+            </a:r>
+            <a:r>
+              <a:rPr lang="en-US" sz="2000" dirty="0" err="1"/>
+              <a:t>Δv</a:t>
+            </a:r>
+            <a:endParaRPr lang="en-US" sz="2000" dirty="0"/>
+          </a:p>
+          <a:p>
+            <a:pPr marL="38100">
+              <a:spcBef>
+                <a:spcPts val="0"/>
+              </a:spcBef>
+              <a:buClr>
+                <a:schemeClr val="lt2"/>
+              </a:buClr>
+              <a:buNone/>
+            </a:pPr>
+            <a:endParaRPr lang="en-US" sz="2000" dirty="0"/>
+          </a:p>
+          <a:p>
+            <a:pPr marL="457200" lvl="0" indent="-419100">
+              <a:spcBef>
+                <a:spcPts val="0"/>
+              </a:spcBef>
+              <a:buClr>
+                <a:schemeClr val="lt2"/>
+              </a:buClr>
+            </a:pPr>
+            <a:r>
+              <a:rPr lang="en-US" sz="2000" dirty="0" smtClean="0"/>
+              <a:t>Azimuth, inclination </a:t>
+            </a:r>
+            <a:r>
+              <a:rPr lang="en-US" sz="2000" dirty="0"/>
+              <a:t>dependence is unclear</a:t>
+            </a:r>
+          </a:p>
+          <a:p>
+            <a:pPr marL="38100" marR="0" lvl="0" algn="l" rtl="0">
+              <a:lnSpc>
+                <a:spcPct val="100000"/>
+              </a:lnSpc>
+              <a:spcBef>
+                <a:spcPts val="0"/>
+              </a:spcBef>
+              <a:spcAft>
+                <a:spcPts val="0"/>
+              </a:spcAft>
+              <a:buClr>
+                <a:schemeClr val="lt2"/>
+              </a:buClr>
+              <a:buSzPct val="100000"/>
+              <a:buNone/>
+            </a:pPr>
+            <a:endParaRPr lang="en-US" sz="2000" dirty="0"/>
+          </a:p>
+          <a:p>
+            <a:pPr marL="457200" marR="0" lvl="0" indent="-419100" algn="l" rtl="0">
+              <a:lnSpc>
+                <a:spcPct val="100000"/>
+              </a:lnSpc>
+              <a:spcBef>
+                <a:spcPts val="0"/>
+              </a:spcBef>
+              <a:spcAft>
+                <a:spcPts val="0"/>
+              </a:spcAft>
+              <a:buClr>
+                <a:schemeClr val="lt2"/>
+              </a:buClr>
+              <a:buSzPct val="100000"/>
+              <a:buFont typeface="Arial"/>
+              <a:buChar char="●"/>
+            </a:pPr>
+            <a:r>
+              <a:rPr lang="en-US" sz="2000" dirty="0" smtClean="0">
+                <a:solidFill>
+                  <a:schemeClr val="lt1"/>
+                </a:solidFill>
+              </a:rPr>
+              <a:t>Absorbers are more common near highly inclined galaxies</a:t>
+            </a:r>
+          </a:p>
+          <a:p>
+            <a:pPr marL="38100" marR="0" lvl="0" algn="l" rtl="0">
+              <a:lnSpc>
+                <a:spcPct val="100000"/>
+              </a:lnSpc>
+              <a:spcBef>
+                <a:spcPts val="0"/>
+              </a:spcBef>
+              <a:spcAft>
+                <a:spcPts val="0"/>
+              </a:spcAft>
+              <a:buClr>
+                <a:schemeClr val="lt2"/>
+              </a:buClr>
+              <a:buSzPct val="100000"/>
+              <a:buNone/>
+            </a:pPr>
+            <a:endParaRPr lang="en-US" sz="2000" dirty="0"/>
+          </a:p>
+          <a:p>
+            <a:pPr marL="457200" indent="-419100">
+              <a:spcBef>
+                <a:spcPts val="0"/>
+              </a:spcBef>
+              <a:buClr>
+                <a:schemeClr val="lt2"/>
+              </a:buClr>
+            </a:pPr>
+            <a:r>
+              <a:rPr lang="en-US" sz="2000" dirty="0" err="1"/>
+              <a:t>Redshifted</a:t>
+            </a:r>
+            <a:r>
+              <a:rPr lang="en-US" sz="2000" dirty="0"/>
+              <a:t> absorption weaker than </a:t>
+            </a:r>
+            <a:r>
+              <a:rPr lang="en-US" sz="2000" dirty="0" err="1"/>
+              <a:t>blueshifted</a:t>
+            </a:r>
+            <a:r>
+              <a:rPr lang="en-US" sz="2000" dirty="0" smtClean="0"/>
+              <a:t>?</a:t>
+            </a:r>
+            <a:endParaRPr lang="en-US" sz="2000" dirty="0"/>
+          </a:p>
+          <a:p>
+            <a:pPr marL="457200" marR="0" lvl="0" indent="-419100" algn="l" rtl="0">
+              <a:lnSpc>
+                <a:spcPct val="100000"/>
+              </a:lnSpc>
+              <a:spcBef>
+                <a:spcPts val="0"/>
+              </a:spcBef>
+              <a:spcAft>
+                <a:spcPts val="0"/>
+              </a:spcAft>
+              <a:buClr>
+                <a:schemeClr val="lt2"/>
+              </a:buClr>
+              <a:buSzPct val="100000"/>
+              <a:buFont typeface="Arial"/>
+              <a:buChar char="●"/>
+            </a:pPr>
+            <a:endParaRPr lang="en-US" sz="2000" i="1" dirty="0" smtClean="0"/>
           </a:p>
         </p:txBody>
       </p:sp>
       <p:pic>
         <p:nvPicPr>
-          <p:cNvPr id="2" name="Picture 1" descr="kacprzak2012_inclination_plot.png"/>
+          <p:cNvPr id="5" name="Picture 4"/>
           <p:cNvPicPr>
             <a:picLocks noChangeAspect="1"/>
           </p:cNvPicPr>
           <p:nvPr/>
         </p:nvPicPr>
         <p:blipFill>
-          <a:blip r:embed="rId3">
-            <a:extLst>
-              <a:ext uri="{28A0092B-C50C-407E-A947-70E740481C1C}">
-                <a14:useLocalDpi xmlns:a14="http://schemas.microsoft.com/office/drawing/2010/main" val="0"/>
-              </a:ext>
-            </a:extLst>
-          </a:blip>
+          <a:blip r:embed="rId3"/>
           <a:stretch>
             <a:fillRect/>
           </a:stretch>
         </p:blipFill>
         <p:spPr>
           <a:xfrm>
-            <a:off x="1838522" y="1422333"/>
-            <a:ext cx="5610370" cy="5073575"/>
-          </a:xfrm>
-          <a:prstGeom prst="rect">
-            <a:avLst/>
-          </a:prstGeom>
-        </p:spPr>
-      </p:pic>
-      <p:sp>
-        <p:nvSpPr>
-          <p:cNvPr id="3" name="TextBox 2"/>
-          <p:cNvSpPr txBox="1"/>
-          <p:nvPr/>
-        </p:nvSpPr>
-        <p:spPr>
-          <a:xfrm>
-            <a:off x="268327" y="1422333"/>
-            <a:ext cx="1462109" cy="523220"/>
-          </a:xfrm>
-          <a:prstGeom prst="rect">
-            <a:avLst/>
-          </a:prstGeom>
-          <a:noFill/>
-        </p:spPr>
-        <p:txBody>
-          <a:bodyPr wrap="none" rtlCol="0">
-            <a:spAutoFit/>
-          </a:bodyPr>
-          <a:lstStyle/>
-          <a:p>
-            <a:r>
-              <a:rPr lang="en-US" sz="2800" dirty="0" smtClean="0">
-                <a:solidFill>
-                  <a:srgbClr val="FFFFFF"/>
-                </a:solidFill>
-              </a:rPr>
-              <a:t>Maybe?</a:t>
-            </a:r>
-            <a:endParaRPr lang="en-US" sz="2800" dirty="0">
-              <a:solidFill>
-                <a:srgbClr val="FFFFFF"/>
-              </a:solidFill>
-            </a:endParaRPr>
-          </a:p>
-        </p:txBody>
-      </p:sp>
-      <p:pic>
-        <p:nvPicPr>
-          <p:cNvPr id="6" name="Shape 85"/>
-          <p:cNvPicPr preferRelativeResize="0">
-            <a:picLocks noChangeAspect="1"/>
-          </p:cNvPicPr>
-          <p:nvPr/>
-        </p:nvPicPr>
-        <p:blipFill>
-          <a:blip r:embed="rId4">
-            <a:alphaModFix/>
-          </a:blip>
-          <a:stretch>
-            <a:fillRect/>
-          </a:stretch>
-        </p:blipFill>
-        <p:spPr>
-          <a:xfrm>
-            <a:off x="2472630" y="6154689"/>
-            <a:ext cx="680883" cy="596824"/>
-          </a:xfrm>
-          <a:prstGeom prst="rect">
-            <a:avLst/>
-          </a:prstGeom>
-          <a:noFill/>
-          <a:ln>
-            <a:noFill/>
-          </a:ln>
+            <a:off x="6273468" y="2685676"/>
+            <a:ext cx="551657" cy="292054"/>
+          </a:xfrm>
+          <a:prstGeom prst="rect">
+            <a:avLst/>
+          </a:prstGeom>
         </p:spPr>
       </p:pic>
       <p:pic>
         <p:nvPicPr>
-          <p:cNvPr id="4" name="Picture 3" descr="sombrero_galaxy.jpg"/>
+          <p:cNvPr id="6" name="Picture 5"/>
           <p:cNvPicPr>
             <a:picLocks noChangeAspect="1"/>
           </p:cNvPicPr>
           <p:nvPr/>
         </p:nvPicPr>
         <p:blipFill>
-          <a:blip r:embed="rId5">
-            <a:extLst>
-              <a:ext uri="{28A0092B-C50C-407E-A947-70E740481C1C}">
-                <a14:useLocalDpi xmlns:a14="http://schemas.microsoft.com/office/drawing/2010/main" val="0"/>
-              </a:ext>
-            </a:extLst>
-          </a:blip>
+          <a:blip r:embed="rId3"/>
           <a:stretch>
             <a:fillRect/>
           </a:stretch>
         </p:blipFill>
         <p:spPr>
-          <a:xfrm flipH="1">
-            <a:off x="6961240" y="6135806"/>
-            <a:ext cx="732088" cy="549242"/>
+          <a:xfrm>
+            <a:off x="6087445" y="2094069"/>
+            <a:ext cx="551657" cy="292054"/>
           </a:xfrm>
           <a:prstGeom prst="rect">
             <a:avLst/>
@@ -10011,61 +10013,14 @@
       </p:pic>
       <p:sp>
         <p:nvSpPr>
-          <p:cNvPr id="5" name="Rectangle 4"/>
-          <p:cNvSpPr/>
-          <p:nvPr/>
-        </p:nvSpPr>
-        <p:spPr>
-          <a:xfrm>
-            <a:off x="1851351" y="2078085"/>
-            <a:ext cx="496389" cy="3348025"/>
-          </a:xfrm>
-          <a:prstGeom prst="rect">
-            <a:avLst/>
-          </a:prstGeom>
-          <a:solidFill>
-            <a:srgbClr val="FFFFFF"/>
-          </a:solidFill>
-          <a:ln>
-            <a:solidFill>
-              <a:srgbClr val="FFFFFF"/>
-            </a:solidFill>
-          </a:ln>
-          <a:effectLst/>
-        </p:spPr>
-        <p:style>
-          <a:lnRef idx="1">
-            <a:schemeClr val="accent1"/>
-          </a:lnRef>
-          <a:fillRef idx="3">
-            <a:schemeClr val="accent1"/>
-          </a:fillRef>
-          <a:effectRef idx="2">
-            <a:schemeClr val="accent1"/>
-          </a:effectRef>
-          <a:fontRef idx="minor">
-            <a:schemeClr val="lt1"/>
-          </a:fontRef>
-        </p:style>
-        <p:txBody>
-          <a:bodyPr rtlCol="0" anchor="ctr"/>
-          <a:lstStyle/>
-          <a:p>
-            <a:pPr algn="ctr"/>
-            <a:endParaRPr lang="en-US" dirty="0"/>
-          </a:p>
-        </p:txBody>
-      </p:sp>
-      <p:sp>
-        <p:nvSpPr>
-          <p:cNvPr id="7" name="TextBox 6"/>
+          <p:cNvPr id="2" name="TextBox 1"/>
           <p:cNvSpPr txBox="1"/>
           <p:nvPr/>
         </p:nvSpPr>
         <p:spPr>
-          <a:xfrm rot="16200000">
-            <a:off x="1373897" y="3522493"/>
-            <a:ext cx="1479717" cy="369332"/>
+          <a:xfrm>
+            <a:off x="3438221" y="5775106"/>
+            <a:ext cx="2260555" cy="584776"/>
           </a:xfrm>
           <a:prstGeom prst="rect">
             <a:avLst/>
@@ -10079,34 +10034,27 @@
           <a:lstStyle/>
           <a:p>
             <a:r>
-              <a:rPr lang="en-US" sz="1800" dirty="0" err="1" smtClean="0"/>
-              <a:t>MgII</a:t>
-            </a:r>
-            <a:r>
-              <a:rPr lang="en-US" sz="1800" dirty="0" smtClean="0"/>
-              <a:t> </a:t>
-            </a:r>
-            <a:r>
-              <a:rPr lang="en-US" sz="1800" i="1" dirty="0" smtClean="0"/>
-              <a:t>W</a:t>
-            </a:r>
-            <a:r>
-              <a:rPr lang="en-US" sz="1800" dirty="0" smtClean="0"/>
-              <a:t> (</a:t>
-            </a:r>
-            <a:r>
-              <a:rPr lang="en-US" sz="1800" dirty="0" err="1" smtClean="0"/>
-              <a:t>mÅ</a:t>
-            </a:r>
-            <a:r>
-              <a:rPr lang="en-US" sz="1800" dirty="0" smtClean="0"/>
-              <a:t>)</a:t>
-            </a:r>
-            <a:endParaRPr lang="en-US" sz="1800" dirty="0"/>
+              <a:rPr lang="en-US" sz="3200" dirty="0" smtClean="0">
+                <a:solidFill>
+                  <a:srgbClr val="FFFFFF"/>
+                </a:solidFill>
+              </a:rPr>
+              <a:t>Questions?</a:t>
+            </a:r>
+            <a:endParaRPr lang="en-US" sz="3200" dirty="0">
+              <a:solidFill>
+                <a:srgbClr val="FFFFFF"/>
+              </a:solidFill>
+            </a:endParaRPr>
           </a:p>
         </p:txBody>
       </p:sp>
     </p:spTree>
+    <p:extLst>
+      <p:ext uri="{BB962C8B-B14F-4D97-AF65-F5344CB8AC3E}">
+        <p14:creationId xmlns:p14="http://schemas.microsoft.com/office/powerpoint/2010/main" val="3512632745"/>
+      </p:ext>
+    </p:extLst>
   </p:cSld>
   <p:clrMapOvr>
     <a:masterClrMapping/>
@@ -10129,7 +10077,7 @@
   <p:cSld>
     <p:spTree>
       <p:nvGrpSpPr>
-        <p:cNvPr id="1" name="Shape 64"/>
+        <p:cNvPr id="1" name="Shape 126"/>
         <p:cNvGrpSpPr/>
         <p:nvPr/>
       </p:nvGrpSpPr>
@@ -10143,18 +10091,18 @@
       </p:grpSpPr>
       <p:sp>
         <p:nvSpPr>
-          <p:cNvPr id="65" name="Shape 65"/>
+          <p:cNvPr id="127" name="Shape 127"/>
           <p:cNvSpPr txBox="1">
             <a:spLocks noGrp="1"/>
           </p:cNvSpPr>
           <p:nvPr>
-            <p:ph type="ctrTitle"/>
+            <p:ph type="subTitle" idx="1"/>
           </p:nvPr>
         </p:nvSpPr>
         <p:spPr>
           <a:xfrm>
-            <a:off x="685800" y="0"/>
-            <a:ext cx="7772400" cy="857226"/>
+            <a:off x="628550" y="19027"/>
+            <a:ext cx="8077500" cy="1265399"/>
           </a:xfrm>
           <a:prstGeom prst="rect">
             <a:avLst/>
@@ -10173,16 +10121,156 @@
               <a:buNone/>
             </a:pPr>
             <a:r>
-              <a:rPr lang="en-US" dirty="0" smtClean="0"/>
-              <a:t>Baryon Budget</a:t>
-            </a:r>
-            <a:endParaRPr lang="en" dirty="0"/>
+              <a:rPr lang="en" sz="3600" i="1" dirty="0">
+                <a:solidFill>
+                  <a:srgbClr val="FFFFFF"/>
+                </a:solidFill>
+              </a:rPr>
+              <a:t>How </a:t>
+            </a:r>
+            <a:r>
+              <a:rPr lang="en" sz="3600" i="1" dirty="0" smtClean="0">
+                <a:solidFill>
+                  <a:srgbClr val="FFFFFF"/>
+                </a:solidFill>
+              </a:rPr>
+              <a:t>do</a:t>
+            </a:r>
+            <a:r>
+              <a:rPr lang="en-US" sz="3600" i="1" dirty="0" smtClean="0">
+                <a:solidFill>
+                  <a:srgbClr val="FFFFFF"/>
+                </a:solidFill>
+              </a:rPr>
+              <a:t> CGM gas properties </a:t>
+            </a:r>
+            <a:r>
+              <a:rPr lang="en" sz="3600" i="1" dirty="0" smtClean="0">
+                <a:solidFill>
+                  <a:srgbClr val="FFFFFF"/>
+                </a:solidFill>
+              </a:rPr>
+              <a:t>depend </a:t>
+            </a:r>
+            <a:r>
+              <a:rPr lang="en" sz="3600" i="1" dirty="0">
+                <a:solidFill>
+                  <a:srgbClr val="FFFFFF"/>
+                </a:solidFill>
+              </a:rPr>
+              <a:t>on galaxy </a:t>
+            </a:r>
+            <a:r>
+              <a:rPr lang="en" sz="3600" i="1" dirty="0" smtClean="0">
+                <a:solidFill>
+                  <a:srgbClr val="FFFFFF"/>
+                </a:solidFill>
+              </a:rPr>
+              <a:t>inclination?</a:t>
+            </a:r>
+            <a:endParaRPr lang="en" sz="3600" i="1" dirty="0">
+              <a:solidFill>
+                <a:srgbClr val="FFFFFF"/>
+              </a:solidFill>
+            </a:endParaRPr>
+          </a:p>
+        </p:txBody>
+      </p:sp>
+      <p:sp>
+        <p:nvSpPr>
+          <p:cNvPr id="133" name="Shape 133"/>
+          <p:cNvSpPr txBox="1"/>
+          <p:nvPr/>
+        </p:nvSpPr>
+        <p:spPr>
+          <a:xfrm>
+            <a:off x="4095240" y="6453101"/>
+            <a:ext cx="2062767" cy="370200"/>
+          </a:xfrm>
+          <a:prstGeom prst="rect">
+            <a:avLst/>
+          </a:prstGeom>
+          <a:noFill/>
+          <a:ln>
+            <a:noFill/>
+          </a:ln>
+        </p:spPr>
+        <p:txBody>
+          <a:bodyPr lIns="91425" tIns="91425" rIns="91425" bIns="91425" anchor="t" anchorCtr="0">
+            <a:noAutofit/>
+          </a:bodyPr>
+          <a:lstStyle/>
+          <a:p>
+            <a:pPr lvl="0" rtl="0">
+              <a:spcBef>
+                <a:spcPts val="0"/>
+              </a:spcBef>
+              <a:buNone/>
+            </a:pPr>
+            <a:r>
+              <a:rPr lang="en-US" dirty="0" err="1" smtClean="0">
+                <a:solidFill>
+                  <a:srgbClr val="FFFFFF"/>
+                </a:solidFill>
+              </a:rPr>
+              <a:t>Kacprzak</a:t>
+            </a:r>
+            <a:r>
+              <a:rPr lang="en" dirty="0" smtClean="0">
+                <a:solidFill>
+                  <a:srgbClr val="FFFFFF"/>
+                </a:solidFill>
+              </a:rPr>
+              <a:t> </a:t>
+            </a:r>
+            <a:r>
+              <a:rPr lang="en" dirty="0">
+                <a:solidFill>
+                  <a:srgbClr val="FFFFFF"/>
+                </a:solidFill>
+              </a:rPr>
+              <a:t>et al. </a:t>
+            </a:r>
+            <a:r>
+              <a:rPr lang="en" dirty="0" smtClean="0">
+                <a:solidFill>
+                  <a:srgbClr val="FFFFFF"/>
+                </a:solidFill>
+              </a:rPr>
+              <a:t>201</a:t>
+            </a:r>
+            <a:r>
+              <a:rPr lang="en-US" dirty="0">
+                <a:solidFill>
+                  <a:srgbClr val="FFFFFF"/>
+                </a:solidFill>
+              </a:rPr>
+              <a:t>1</a:t>
+            </a:r>
+            <a:endParaRPr lang="en" dirty="0">
+              <a:solidFill>
+                <a:srgbClr val="FFFFFF"/>
+              </a:solidFill>
+            </a:endParaRPr>
+          </a:p>
+          <a:p>
+            <a:pPr lvl="0" rtl="0">
+              <a:spcBef>
+                <a:spcPts val="0"/>
+              </a:spcBef>
+              <a:buNone/>
+            </a:pPr>
+            <a:endParaRPr dirty="0">
+              <a:solidFill>
+                <a:srgbClr val="FFFFFF"/>
+              </a:solidFill>
+            </a:endParaRPr>
           </a:p>
         </p:txBody>
       </p:sp>
       <p:pic>
         <p:nvPicPr>
-          <p:cNvPr id="2" name="Picture 1" descr="werk2014_baryon_budget.png"/>
+          <p:cNvPr id="2" name="Picture 1" descr="kacprzak2012_inclination_plot.png"/>
           <p:cNvPicPr>
             <a:picLocks noChangeAspect="1"/>
           </p:cNvPicPr>
@@ -10202,8 +10290,8 @@
         </p:blipFill>
         <p:spPr>
           <a:xfrm>
-            <a:off x="685800" y="957111"/>
-            <a:ext cx="7975600" cy="5537200"/>
+            <a:off x="1838522" y="1422333"/>
+            <a:ext cx="5610370" cy="5073575"/>
           </a:xfrm>
           <a:prstGeom prst="rect">
             <a:avLst/>
@@ -10212,14 +10300,14 @@
       </p:pic>
       <p:sp>
         <p:nvSpPr>
-          <p:cNvPr id="5" name="TextBox 4"/>
+          <p:cNvPr id="3" name="TextBox 2"/>
           <p:cNvSpPr txBox="1"/>
           <p:nvPr/>
         </p:nvSpPr>
         <p:spPr>
           <a:xfrm>
-            <a:off x="6033090" y="6495099"/>
-            <a:ext cx="2699665" cy="307777"/>
+            <a:off x="268327" y="1422333"/>
+            <a:ext cx="1462109" cy="523220"/>
           </a:xfrm>
           <a:prstGeom prst="rect">
             <a:avLst/>
@@ -10233,38 +10321,14 @@
           <a:lstStyle/>
           <a:p>
             <a:r>
-              <a:rPr lang="en-US" dirty="0" err="1" smtClean="0">
+              <a:rPr lang="en-US" sz="2800" dirty="0" smtClean="0">
                 <a:solidFill>
                   <a:srgbClr val="FFFFFF"/>
                 </a:solidFill>
               </a:rPr>
-              <a:t>Werk</a:t>
-            </a:r>
-            <a:r>
-              <a:rPr lang="en-US" dirty="0" smtClean="0">
-                <a:solidFill>
-                  <a:srgbClr val="FFFFFF"/>
-                </a:solidFill>
-              </a:rPr>
-              <a:t> et al. 2014, </a:t>
-            </a:r>
-            <a:r>
-              <a:rPr lang="en-US" dirty="0" err="1" smtClean="0">
-                <a:solidFill>
-                  <a:srgbClr val="FFFFFF"/>
-                </a:solidFill>
-              </a:rPr>
-              <a:t>ApJ</a:t>
-            </a:r>
-            <a:r>
-              <a:rPr lang="en-US" dirty="0" smtClean="0">
-                <a:solidFill>
-                  <a:srgbClr val="FFFFFF"/>
-                </a:solidFill>
-              </a:rPr>
-              <a:t>, 792, 128</a:t>
-            </a:r>
-            <a:endParaRPr lang="en-US" dirty="0">
+              <a:t>Maybe?</a:t>
+            </a:r>
+            <a:endParaRPr lang="en-US" sz="2800" dirty="0">
               <a:solidFill>
                 <a:srgbClr val="FFFFFF"/>
               </a:solidFill>
@@ -10272,12 +10336,164 @@
           </a:p>
         </p:txBody>
       </p:sp>
+      <p:pic>
+        <p:nvPicPr>
+          <p:cNvPr id="6" name="Shape 85"/>
+          <p:cNvPicPr preferRelativeResize="0">
+            <a:picLocks noChangeAspect="1"/>
+          </p:cNvPicPr>
+          <p:nvPr/>
+        </p:nvPicPr>
+        <p:blipFill>
+          <a:blip r:embed="rId3">
+            <a:alphaModFix/>
+          </a:blip>
+          <a:stretch>
+            <a:fillRect/>
+          </a:stretch>
+        </p:blipFill>
+        <p:spPr>
+          <a:xfrm>
+            <a:off x="2472630" y="6154689"/>
+            <a:ext cx="680883" cy="596824"/>
+          </a:xfrm>
+          <a:prstGeom prst="rect">
+            <a:avLst/>
+          </a:prstGeom>
+          <a:noFill/>
+          <a:ln>
+            <a:noFill/>
+          </a:ln>
+        </p:spPr>
+      </p:pic>
+      <p:pic>
+        <p:nvPicPr>
+          <p:cNvPr id="4" name="Picture 3" descr="sombrero_galaxy.jpg"/>
+          <p:cNvPicPr>
+            <a:picLocks noChangeAspect="1"/>
+          </p:cNvPicPr>
+          <p:nvPr/>
+        </p:nvPicPr>
+        <p:blipFill>
+          <a:blip r:embed="rId3">
+            <a:extLst>
+              <a:ext uri="{28A0092B-C50C-407E-A947-70E740481C1C}">
+                <a14:useLocalDpi xmlns:a14="http://schemas.microsoft.com/office/drawing/2010/main" val="0"/>
+              </a:ext>
+            </a:extLst>
+          </a:blip>
+          <a:stretch>
+            <a:fillRect/>
+          </a:stretch>
+        </p:blipFill>
+        <p:spPr>
+          <a:xfrm flipH="1">
+            <a:off x="6961240" y="6135806"/>
+            <a:ext cx="732088" cy="549242"/>
+          </a:xfrm>
+          <a:prstGeom prst="rect">
+            <a:avLst/>
+          </a:prstGeom>
+        </p:spPr>
+      </p:pic>
+      <p:sp>
+        <p:nvSpPr>
+          <p:cNvPr id="5" name="Rectangle 4"/>
+          <p:cNvSpPr/>
+          <p:nvPr/>
+        </p:nvSpPr>
+        <p:spPr>
+          <a:xfrm>
+            <a:off x="1851351" y="2078085"/>
+            <a:ext cx="496389" cy="3348025"/>
+          </a:xfrm>
+          <a:prstGeom prst="rect">
+            <a:avLst/>
+          </a:prstGeom>
+          <a:solidFill>
+            <a:srgbClr val="FFFFFF"/>
+          </a:solidFill>
+          <a:ln>
+            <a:solidFill>
+              <a:srgbClr val="FFFFFF"/>
+            </a:solidFill>
+          </a:ln>
+          <a:effectLst/>
+        </p:spPr>
+        <p:style>
+          <a:lnRef idx="1">
+            <a:schemeClr val="accent1"/>
+          </a:lnRef>
+          <a:fillRef idx="3">
+            <a:schemeClr val="accent1"/>
+          </a:fillRef>
+          <a:effectRef idx="2">
+            <a:schemeClr val="accent1"/>
+          </a:effectRef>
+          <a:fontRef idx="minor">
+            <a:schemeClr val="lt1"/>
+          </a:fontRef>
+        </p:style>
+        <p:txBody>
+          <a:bodyPr rtlCol="0" anchor="ctr"/>
+          <a:lstStyle/>
+          <a:p>
+            <a:pPr algn="ctr"/>
+            <a:endParaRPr lang="en-US" dirty="0"/>
+          </a:p>
+        </p:txBody>
+      </p:sp>
+      <p:sp>
+        <p:nvSpPr>
+          <p:cNvPr id="7" name="TextBox 6"/>
+          <p:cNvSpPr txBox="1"/>
+          <p:nvPr/>
+        </p:nvSpPr>
+        <p:spPr>
+          <a:xfrm rot="16200000">
+            <a:off x="1373897" y="3522493"/>
+            <a:ext cx="1479717" cy="369332"/>
+          </a:xfrm>
+          <a:prstGeom prst="rect">
+            <a:avLst/>
+          </a:prstGeom>
+          <a:noFill/>
+        </p:spPr>
+        <p:txBody>
+          <a:bodyPr wrap="none" rtlCol="0">
+            <a:spAutoFit/>
+          </a:bodyPr>
+          <a:lstStyle/>
+          <a:p>
+            <a:r>
+              <a:rPr lang="en-US" sz="1800" dirty="0" err="1" smtClean="0"/>
+              <a:t>MgII</a:t>
+            </a:r>
+            <a:r>
+              <a:rPr lang="en-US" sz="1800" dirty="0" smtClean="0"/>
+              <a:t> </a:t>
+            </a:r>
+            <a:r>
+              <a:rPr lang="en-US" sz="1800" i="1" dirty="0" smtClean="0"/>
+              <a:t>W</a:t>
+            </a:r>
+            <a:r>
+              <a:rPr lang="en-US" sz="1800" dirty="0" smtClean="0"/>
+              <a:t> (</a:t>
+            </a:r>
+            <a:r>
+              <a:rPr lang="en-US" sz="1800" dirty="0" err="1" smtClean="0"/>
+              <a:t>mÅ</a:t>
+            </a:r>
+            <a:r>
+              <a:rPr lang="en-US" sz="1800" dirty="0" smtClean="0"/>
+              <a:t>)</a:t>
+            </a:r>
+            <a:endParaRPr lang="en-US" sz="1800" dirty="0"/>
+          </a:p>
+        </p:txBody>
+      </p:sp>
     </p:spTree>
-    <p:extLst>
-      <p:ext uri="{BB962C8B-B14F-4D97-AF65-F5344CB8AC3E}">
-        <p14:creationId xmlns:p14="http://schemas.microsoft.com/office/powerpoint/2010/main" val="4040550942"/>
-      </p:ext>
-    </p:extLst>
   </p:cSld>
   <p:clrMapOvr>
     <a:masterClrMapping/>
@@ -10300,7 +10516,7 @@
   <p:cSld>
     <p:spTree>
       <p:nvGrpSpPr>
-        <p:cNvPr id="1" name="Shape 29"/>
+        <p:cNvPr id="1" name="Shape 64"/>
         <p:cNvGrpSpPr/>
         <p:nvPr/>
       </p:nvGrpSpPr>
@@ -10314,7 +10530,7 @@
       </p:grpSpPr>
       <p:sp>
         <p:nvSpPr>
-          <p:cNvPr id="30" name="Shape 30"/>
+          <p:cNvPr id="65" name="Shape 65"/>
           <p:cNvSpPr txBox="1">
             <a:spLocks noGrp="1"/>
           </p:cNvSpPr>
@@ -10324,8 +10540,8 @@
         </p:nvSpPr>
         <p:spPr>
           <a:xfrm>
-            <a:off x="685800" y="35661"/>
-            <a:ext cx="7772400" cy="883200"/>
+            <a:off x="685800" y="0"/>
+            <a:ext cx="7772400" cy="857226"/>
           </a:xfrm>
           <a:prstGeom prst="rect">
             <a:avLst/>
@@ -10345,7 +10561,7 @@
             </a:pPr>
             <a:r>
               <a:rPr lang="en-US" dirty="0" smtClean="0"/>
-              <a:t>Accretion required</a:t>
+              <a:t>Baryon Budget</a:t>
             </a:r>
             <a:endParaRPr lang="en" dirty="0"/>
           </a:p>
@@ -10353,7 +10569,7 @@
       </p:sp>
       <p:pic>
         <p:nvPicPr>
-          <p:cNvPr id="2" name="Picture 1" descr="erb2008_needaccretion.jpg"/>
+          <p:cNvPr id="2" name="Picture 1" descr="werk2014_baryon_budget.png"/>
           <p:cNvPicPr>
             <a:picLocks noChangeAspect="1"/>
           </p:cNvPicPr>
@@ -10373,8 +10589,8 @@
         </p:blipFill>
         <p:spPr>
           <a:xfrm>
-            <a:off x="0" y="1547256"/>
-            <a:ext cx="9144000" cy="3611880"/>
+            <a:off x="685800" y="957111"/>
+            <a:ext cx="7975600" cy="5537200"/>
           </a:xfrm>
           <a:prstGeom prst="rect">
             <a:avLst/>
@@ -10383,52 +10599,59 @@
       </p:pic>
       <p:sp>
         <p:nvSpPr>
-          <p:cNvPr id="5" name="Shape 39"/>
+          <p:cNvPr id="5" name="TextBox 4"/>
           <p:cNvSpPr txBox="1"/>
           <p:nvPr/>
         </p:nvSpPr>
         <p:spPr>
           <a:xfrm>
-            <a:off x="8229885" y="5159136"/>
-            <a:ext cx="914115" cy="394734"/>
+            <a:off x="6033090" y="6495099"/>
+            <a:ext cx="2699665" cy="307777"/>
           </a:xfrm>
           <a:prstGeom prst="rect">
             <a:avLst/>
           </a:prstGeom>
           <a:noFill/>
-          <a:ln>
-            <a:noFill/>
-          </a:ln>
         </p:spPr>
         <p:txBody>
-          <a:bodyPr lIns="91425" tIns="91425" rIns="91425" bIns="91425" anchor="t" anchorCtr="0">
-            <a:noAutofit/>
+          <a:bodyPr wrap="none" rtlCol="0">
+            <a:spAutoFit/>
           </a:bodyPr>
           <a:lstStyle/>
           <a:p>
-            <a:pPr lvl="0" rtl="0">
-              <a:spcBef>
-                <a:spcPts val="0"/>
-              </a:spcBef>
-              <a:buNone/>
-            </a:pPr>
-            <a:r>
-              <a:rPr lang="en-US" sz="1200" dirty="0" err="1" smtClean="0">
+            <a:r>
+              <a:rPr lang="en-US" dirty="0" err="1" smtClean="0">
                 <a:solidFill>
                   <a:srgbClr val="FFFFFF"/>
                 </a:solidFill>
               </a:rPr>
-              <a:t>Erb</a:t>
-            </a:r>
-            <a:r>
-              <a:rPr lang="en-US" sz="1200" dirty="0" smtClean="0">
+              <a:t>Werk</a:t>
+            </a:r>
+            <a:r>
+              <a:rPr lang="en-US" dirty="0" smtClean="0">
                 <a:solidFill>
                   <a:srgbClr val="FFFFFF"/>
                 </a:solidFill>
               </a:rPr>
-              <a:t> 2008</a:t>
-            </a:r>
-            <a:endParaRPr lang="en" sz="1200" dirty="0">
+              <a:t> et al. 2014, </a:t>
+            </a:r>
+            <a:r>
+              <a:rPr lang="en-US" dirty="0" err="1" smtClean="0">
+                <a:solidFill>
+                  <a:srgbClr val="FFFFFF"/>
+                </a:solidFill>
+              </a:rPr>
+              <a:t>ApJ</a:t>
+            </a:r>
+            <a:r>
+              <a:rPr lang="en-US" dirty="0" smtClean="0">
+                <a:solidFill>
+                  <a:srgbClr val="FFFFFF"/>
+                </a:solidFill>
+              </a:rPr>
+              <a:t>, 792, 128</a:t>
+            </a:r>
+            <a:endParaRPr lang="en-US" dirty="0">
               <a:solidFill>
                 <a:srgbClr val="FFFFFF"/>
               </a:solidFill>
@@ -10436,402 +10659,10 @@
           </a:p>
         </p:txBody>
       </p:sp>
-      <p:sp>
-        <p:nvSpPr>
-          <p:cNvPr id="3" name="Rectangle 2"/>
-          <p:cNvSpPr/>
-          <p:nvPr/>
-        </p:nvSpPr>
-        <p:spPr>
-          <a:xfrm>
-            <a:off x="6573215" y="4999953"/>
-            <a:ext cx="1164129" cy="138363"/>
-          </a:xfrm>
-          <a:prstGeom prst="rect">
-            <a:avLst/>
-          </a:prstGeom>
-          <a:solidFill>
-            <a:srgbClr val="FFFFFF"/>
-          </a:solidFill>
-          <a:ln>
-            <a:solidFill>
-              <a:srgbClr val="FFFFFF"/>
-            </a:solidFill>
-          </a:ln>
-          <a:effectLst/>
-        </p:spPr>
-        <p:style>
-          <a:lnRef idx="1">
-            <a:schemeClr val="accent1"/>
-          </a:lnRef>
-          <a:fillRef idx="3">
-            <a:schemeClr val="accent1"/>
-          </a:fillRef>
-          <a:effectRef idx="2">
-            <a:schemeClr val="accent1"/>
-          </a:effectRef>
-          <a:fontRef idx="minor">
-            <a:schemeClr val="lt1"/>
-          </a:fontRef>
-        </p:style>
-        <p:txBody>
-          <a:bodyPr rtlCol="0" anchor="ctr"/>
-          <a:lstStyle/>
-          <a:p>
-            <a:pPr algn="ctr"/>
-            <a:endParaRPr lang="en-US"/>
-          </a:p>
-        </p:txBody>
-      </p:sp>
-      <p:sp>
-        <p:nvSpPr>
-          <p:cNvPr id="6" name="Rectangle 5"/>
-          <p:cNvSpPr/>
-          <p:nvPr/>
-        </p:nvSpPr>
-        <p:spPr>
-          <a:xfrm>
-            <a:off x="1902483" y="4999953"/>
-            <a:ext cx="1164129" cy="138363"/>
-          </a:xfrm>
-          <a:prstGeom prst="rect">
-            <a:avLst/>
-          </a:prstGeom>
-          <a:solidFill>
-            <a:srgbClr val="FFFFFF"/>
-          </a:solidFill>
-          <a:ln>
-            <a:solidFill>
-              <a:srgbClr val="FFFFFF"/>
-            </a:solidFill>
-          </a:ln>
-          <a:effectLst/>
-        </p:spPr>
-        <p:style>
-          <a:lnRef idx="1">
-            <a:schemeClr val="accent1"/>
-          </a:lnRef>
-          <a:fillRef idx="3">
-            <a:schemeClr val="accent1"/>
-          </a:fillRef>
-          <a:effectRef idx="2">
-            <a:schemeClr val="accent1"/>
-          </a:effectRef>
-          <a:fontRef idx="minor">
-            <a:schemeClr val="lt1"/>
-          </a:fontRef>
-        </p:style>
-        <p:txBody>
-          <a:bodyPr rtlCol="0" anchor="ctr"/>
-          <a:lstStyle/>
-          <a:p>
-            <a:pPr algn="ctr"/>
-            <a:endParaRPr lang="en-US"/>
-          </a:p>
-        </p:txBody>
-      </p:sp>
-      <p:sp>
-        <p:nvSpPr>
-          <p:cNvPr id="7" name="Rectangle 6"/>
-          <p:cNvSpPr/>
-          <p:nvPr/>
-        </p:nvSpPr>
-        <p:spPr>
-          <a:xfrm rot="5400000">
-            <a:off x="4248757" y="3131334"/>
-            <a:ext cx="1239296" cy="187044"/>
-          </a:xfrm>
-          <a:prstGeom prst="rect">
-            <a:avLst/>
-          </a:prstGeom>
-          <a:solidFill>
-            <a:srgbClr val="FFFFFF"/>
-          </a:solidFill>
-          <a:ln>
-            <a:solidFill>
-              <a:srgbClr val="FFFFFF"/>
-            </a:solidFill>
-          </a:ln>
-          <a:effectLst/>
-        </p:spPr>
-        <p:style>
-          <a:lnRef idx="1">
-            <a:schemeClr val="accent1"/>
-          </a:lnRef>
-          <a:fillRef idx="3">
-            <a:schemeClr val="accent1"/>
-          </a:fillRef>
-          <a:effectRef idx="2">
-            <a:schemeClr val="accent1"/>
-          </a:effectRef>
-          <a:fontRef idx="minor">
-            <a:schemeClr val="lt1"/>
-          </a:fontRef>
-        </p:style>
-        <p:txBody>
-          <a:bodyPr rtlCol="0" anchor="ctr"/>
-          <a:lstStyle/>
-          <a:p>
-            <a:pPr algn="ctr"/>
-            <a:endParaRPr lang="en-US"/>
-          </a:p>
-        </p:txBody>
-      </p:sp>
-      <p:sp>
-        <p:nvSpPr>
-          <p:cNvPr id="8" name="Rectangle 7"/>
-          <p:cNvSpPr/>
-          <p:nvPr/>
-        </p:nvSpPr>
-        <p:spPr>
-          <a:xfrm rot="5400000">
-            <a:off x="-456675" y="3131334"/>
-            <a:ext cx="1239296" cy="187044"/>
-          </a:xfrm>
-          <a:prstGeom prst="rect">
-            <a:avLst/>
-          </a:prstGeom>
-          <a:solidFill>
-            <a:srgbClr val="FFFFFF"/>
-          </a:solidFill>
-          <a:ln>
-            <a:solidFill>
-              <a:srgbClr val="FFFFFF"/>
-            </a:solidFill>
-          </a:ln>
-          <a:effectLst/>
-        </p:spPr>
-        <p:style>
-          <a:lnRef idx="1">
-            <a:schemeClr val="accent1"/>
-          </a:lnRef>
-          <a:fillRef idx="3">
-            <a:schemeClr val="accent1"/>
-          </a:fillRef>
-          <a:effectRef idx="2">
-            <a:schemeClr val="accent1"/>
-          </a:effectRef>
-          <a:fontRef idx="minor">
-            <a:schemeClr val="lt1"/>
-          </a:fontRef>
-        </p:style>
-        <p:txBody>
-          <a:bodyPr rtlCol="0" anchor="ctr"/>
-          <a:lstStyle/>
-          <a:p>
-            <a:pPr algn="ctr"/>
-            <a:endParaRPr lang="en-US"/>
-          </a:p>
-        </p:txBody>
-      </p:sp>
-      <p:sp>
-        <p:nvSpPr>
-          <p:cNvPr id="4" name="TextBox 3"/>
-          <p:cNvSpPr txBox="1"/>
-          <p:nvPr/>
-        </p:nvSpPr>
-        <p:spPr>
-          <a:xfrm>
-            <a:off x="2110683" y="4881536"/>
-            <a:ext cx="576761" cy="307777"/>
-          </a:xfrm>
-          <a:prstGeom prst="rect">
-            <a:avLst/>
-          </a:prstGeom>
-          <a:noFill/>
-        </p:spPr>
-        <p:txBody>
-          <a:bodyPr wrap="square" rtlCol="0">
-            <a:spAutoFit/>
-          </a:bodyPr>
-          <a:lstStyle/>
-          <a:p>
-            <a:r>
-              <a:rPr lang="en-US" dirty="0" smtClean="0"/>
-              <a:t>AGE</a:t>
-            </a:r>
-            <a:endParaRPr lang="en-US" dirty="0"/>
-          </a:p>
-        </p:txBody>
-      </p:sp>
-      <p:sp>
-        <p:nvSpPr>
-          <p:cNvPr id="10" name="TextBox 9"/>
-          <p:cNvSpPr txBox="1"/>
-          <p:nvPr/>
-        </p:nvSpPr>
-        <p:spPr>
-          <a:xfrm>
-            <a:off x="6878016" y="4888476"/>
-            <a:ext cx="576761" cy="307777"/>
-          </a:xfrm>
-          <a:prstGeom prst="rect">
-            <a:avLst/>
-          </a:prstGeom>
-          <a:noFill/>
-        </p:spPr>
-        <p:txBody>
-          <a:bodyPr wrap="square" rtlCol="0">
-            <a:spAutoFit/>
-          </a:bodyPr>
-          <a:lstStyle/>
-          <a:p>
-            <a:r>
-              <a:rPr lang="en-US" dirty="0" smtClean="0">
-                <a:solidFill>
-                  <a:schemeClr val="tx1"/>
-                </a:solidFill>
-              </a:rPr>
-              <a:t>AGE</a:t>
-            </a:r>
-            <a:endParaRPr lang="en-US" dirty="0">
-              <a:solidFill>
-                <a:schemeClr val="tx1"/>
-              </a:solidFill>
-            </a:endParaRPr>
-          </a:p>
-        </p:txBody>
-      </p:sp>
-      <p:sp>
-        <p:nvSpPr>
-          <p:cNvPr id="11" name="TextBox 10"/>
-          <p:cNvSpPr txBox="1"/>
-          <p:nvPr/>
-        </p:nvSpPr>
-        <p:spPr>
-          <a:xfrm rot="16200000">
-            <a:off x="4611422" y="3070045"/>
-            <a:ext cx="576761" cy="307777"/>
-          </a:xfrm>
-          <a:prstGeom prst="rect">
-            <a:avLst/>
-          </a:prstGeom>
-          <a:noFill/>
-        </p:spPr>
-        <p:txBody>
-          <a:bodyPr wrap="square" rtlCol="0">
-            <a:spAutoFit/>
-          </a:bodyPr>
-          <a:lstStyle/>
-          <a:p>
-            <a:r>
-              <a:rPr lang="en-US" dirty="0" smtClean="0"/>
-              <a:t>SFR</a:t>
-            </a:r>
-            <a:endParaRPr lang="en-US" dirty="0"/>
-          </a:p>
-        </p:txBody>
-      </p:sp>
-      <p:sp>
-        <p:nvSpPr>
-          <p:cNvPr id="12" name="TextBox 11"/>
-          <p:cNvSpPr txBox="1"/>
-          <p:nvPr/>
-        </p:nvSpPr>
-        <p:spPr>
-          <a:xfrm rot="16200000">
-            <a:off x="-86747" y="3070045"/>
-            <a:ext cx="576761" cy="307777"/>
-          </a:xfrm>
-          <a:prstGeom prst="rect">
-            <a:avLst/>
-          </a:prstGeom>
-          <a:noFill/>
-        </p:spPr>
-        <p:txBody>
-          <a:bodyPr wrap="square" rtlCol="0">
-            <a:spAutoFit/>
-          </a:bodyPr>
-          <a:lstStyle/>
-          <a:p>
-            <a:r>
-              <a:rPr lang="en-US" dirty="0" smtClean="0"/>
-              <a:t>SFR</a:t>
-            </a:r>
-            <a:endParaRPr lang="en-US" dirty="0"/>
-          </a:p>
-        </p:txBody>
-      </p:sp>
-      <p:sp>
-        <p:nvSpPr>
-          <p:cNvPr id="9" name="TextBox 8"/>
-          <p:cNvSpPr txBox="1"/>
-          <p:nvPr/>
-        </p:nvSpPr>
-        <p:spPr>
-          <a:xfrm>
-            <a:off x="1472556" y="1228139"/>
-            <a:ext cx="1713882" cy="307777"/>
-          </a:xfrm>
-          <a:prstGeom prst="rect">
-            <a:avLst/>
-          </a:prstGeom>
-          <a:noFill/>
-        </p:spPr>
-        <p:txBody>
-          <a:bodyPr wrap="square" rtlCol="0">
-            <a:spAutoFit/>
-          </a:bodyPr>
-          <a:lstStyle/>
-          <a:p>
-            <a:r>
-              <a:rPr lang="en-US" dirty="0" smtClean="0">
-                <a:solidFill>
-                  <a:schemeClr val="bg1"/>
-                </a:solidFill>
-              </a:rPr>
-              <a:t>With no accretion</a:t>
-            </a:r>
-            <a:endParaRPr lang="en-US" dirty="0">
-              <a:solidFill>
-                <a:schemeClr val="bg1"/>
-              </a:solidFill>
-            </a:endParaRPr>
-          </a:p>
-        </p:txBody>
-      </p:sp>
-      <p:sp>
-        <p:nvSpPr>
-          <p:cNvPr id="14" name="TextBox 13"/>
-          <p:cNvSpPr txBox="1"/>
-          <p:nvPr/>
-        </p:nvSpPr>
-        <p:spPr>
-          <a:xfrm>
-            <a:off x="6335767" y="1228139"/>
-            <a:ext cx="1401577" cy="307777"/>
-          </a:xfrm>
-          <a:prstGeom prst="rect">
-            <a:avLst/>
-          </a:prstGeom>
-          <a:noFill/>
-        </p:spPr>
-        <p:txBody>
-          <a:bodyPr wrap="square" rtlCol="0">
-            <a:spAutoFit/>
-          </a:bodyPr>
-          <a:lstStyle/>
-          <a:p>
-            <a:r>
-              <a:rPr lang="en-US" dirty="0" smtClean="0">
-                <a:solidFill>
-                  <a:schemeClr val="bg1"/>
-                </a:solidFill>
-              </a:rPr>
-              <a:t>With accretion</a:t>
-            </a:r>
-            <a:endParaRPr lang="en-US" dirty="0">
-              <a:solidFill>
-                <a:schemeClr val="bg1"/>
-              </a:solidFill>
-            </a:endParaRPr>
-          </a:p>
-        </p:txBody>
-      </p:sp>
     </p:spTree>
     <p:extLst>
       <p:ext uri="{BB962C8B-B14F-4D97-AF65-F5344CB8AC3E}">
-        <p14:creationId xmlns:p14="http://schemas.microsoft.com/office/powerpoint/2010/main" val="856178478"/>
+        <p14:creationId xmlns:p14="http://schemas.microsoft.com/office/powerpoint/2010/main" val="4040550942"/>
       </p:ext>
     </p:extLst>
   </p:cSld>
@@ -10856,6 +10687,562 @@
   <p:cSld>
     <p:spTree>
       <p:nvGrpSpPr>
+        <p:cNvPr id="1" name="Shape 29"/>
+        <p:cNvGrpSpPr/>
+        <p:nvPr/>
+      </p:nvGrpSpPr>
+      <p:grpSpPr>
+        <a:xfrm>
+          <a:off x="0" y="0"/>
+          <a:ext cx="0" cy="0"/>
+          <a:chOff x="0" y="0"/>
+          <a:chExt cx="0" cy="0"/>
+        </a:xfrm>
+      </p:grpSpPr>
+      <p:sp>
+        <p:nvSpPr>
+          <p:cNvPr id="30" name="Shape 30"/>
+          <p:cNvSpPr txBox="1">
+            <a:spLocks noGrp="1"/>
+          </p:cNvSpPr>
+          <p:nvPr>
+            <p:ph type="ctrTitle"/>
+          </p:nvPr>
+        </p:nvSpPr>
+        <p:spPr>
+          <a:xfrm>
+            <a:off x="685800" y="35661"/>
+            <a:ext cx="7772400" cy="883200"/>
+          </a:xfrm>
+          <a:prstGeom prst="rect">
+            <a:avLst/>
+          </a:prstGeom>
+        </p:spPr>
+        <p:txBody>
+          <a:bodyPr lIns="91425" tIns="91425" rIns="91425" bIns="91425" anchor="t" anchorCtr="0">
+            <a:noAutofit/>
+          </a:bodyPr>
+          <a:lstStyle/>
+          <a:p>
+            <a:pPr lvl="0" rtl="0">
+              <a:spcBef>
+                <a:spcPts val="0"/>
+              </a:spcBef>
+              <a:buNone/>
+            </a:pPr>
+            <a:r>
+              <a:rPr lang="en-US" dirty="0" smtClean="0"/>
+              <a:t>Accretion required</a:t>
+            </a:r>
+            <a:endParaRPr lang="en" dirty="0"/>
+          </a:p>
+        </p:txBody>
+      </p:sp>
+      <p:pic>
+        <p:nvPicPr>
+          <p:cNvPr id="2" name="Picture 1" descr="erb2008_needaccretion.jpg"/>
+          <p:cNvPicPr>
+            <a:picLocks noChangeAspect="1"/>
+          </p:cNvPicPr>
+          <p:nvPr/>
+        </p:nvPicPr>
+        <p:blipFill>
+          <a:blip r:embed="rId3">
+            <a:extLst>
+              <a:ext uri="{28A0092B-C50C-407E-A947-70E740481C1C}">
+                <a14:useLocalDpi xmlns:a14="http://schemas.microsoft.com/office/drawing/2010/main" val="0"/>
+              </a:ext>
+            </a:extLst>
+          </a:blip>
+          <a:stretch>
+            <a:fillRect/>
+          </a:stretch>
+        </p:blipFill>
+        <p:spPr>
+          <a:xfrm>
+            <a:off x="0" y="1547256"/>
+            <a:ext cx="9144000" cy="3611880"/>
+          </a:xfrm>
+          <a:prstGeom prst="rect">
+            <a:avLst/>
+          </a:prstGeom>
+        </p:spPr>
+      </p:pic>
+      <p:sp>
+        <p:nvSpPr>
+          <p:cNvPr id="5" name="Shape 39"/>
+          <p:cNvSpPr txBox="1"/>
+          <p:nvPr/>
+        </p:nvSpPr>
+        <p:spPr>
+          <a:xfrm>
+            <a:off x="8229885" y="5159136"/>
+            <a:ext cx="914115" cy="394734"/>
+          </a:xfrm>
+          <a:prstGeom prst="rect">
+            <a:avLst/>
+          </a:prstGeom>
+          <a:noFill/>
+          <a:ln>
+            <a:noFill/>
+          </a:ln>
+        </p:spPr>
+        <p:txBody>
+          <a:bodyPr lIns="91425" tIns="91425" rIns="91425" bIns="91425" anchor="t" anchorCtr="0">
+            <a:noAutofit/>
+          </a:bodyPr>
+          <a:lstStyle/>
+          <a:p>
+            <a:pPr lvl="0" rtl="0">
+              <a:spcBef>
+                <a:spcPts val="0"/>
+              </a:spcBef>
+              <a:buNone/>
+            </a:pPr>
+            <a:r>
+              <a:rPr lang="en-US" sz="1200" dirty="0" err="1" smtClean="0">
+                <a:solidFill>
+                  <a:srgbClr val="FFFFFF"/>
+                </a:solidFill>
+              </a:rPr>
+              <a:t>Erb</a:t>
+            </a:r>
+            <a:r>
+              <a:rPr lang="en-US" sz="1200" dirty="0" smtClean="0">
+                <a:solidFill>
+                  <a:srgbClr val="FFFFFF"/>
+                </a:solidFill>
+              </a:rPr>
+              <a:t> 2008</a:t>
+            </a:r>
+            <a:endParaRPr lang="en" sz="1200" dirty="0">
+              <a:solidFill>
+                <a:srgbClr val="FFFFFF"/>
+              </a:solidFill>
+            </a:endParaRPr>
+          </a:p>
+        </p:txBody>
+      </p:sp>
+      <p:sp>
+        <p:nvSpPr>
+          <p:cNvPr id="3" name="Rectangle 2"/>
+          <p:cNvSpPr/>
+          <p:nvPr/>
+        </p:nvSpPr>
+        <p:spPr>
+          <a:xfrm>
+            <a:off x="6573215" y="4999953"/>
+            <a:ext cx="1164129" cy="138363"/>
+          </a:xfrm>
+          <a:prstGeom prst="rect">
+            <a:avLst/>
+          </a:prstGeom>
+          <a:solidFill>
+            <a:srgbClr val="FFFFFF"/>
+          </a:solidFill>
+          <a:ln>
+            <a:solidFill>
+              <a:srgbClr val="FFFFFF"/>
+            </a:solidFill>
+          </a:ln>
+          <a:effectLst/>
+        </p:spPr>
+        <p:style>
+          <a:lnRef idx="1">
+            <a:schemeClr val="accent1"/>
+          </a:lnRef>
+          <a:fillRef idx="3">
+            <a:schemeClr val="accent1"/>
+          </a:fillRef>
+          <a:effectRef idx="2">
+            <a:schemeClr val="accent1"/>
+          </a:effectRef>
+          <a:fontRef idx="minor">
+            <a:schemeClr val="lt1"/>
+          </a:fontRef>
+        </p:style>
+        <p:txBody>
+          <a:bodyPr rtlCol="0" anchor="ctr"/>
+          <a:lstStyle/>
+          <a:p>
+            <a:pPr algn="ctr"/>
+            <a:endParaRPr lang="en-US"/>
+          </a:p>
+        </p:txBody>
+      </p:sp>
+      <p:sp>
+        <p:nvSpPr>
+          <p:cNvPr id="6" name="Rectangle 5"/>
+          <p:cNvSpPr/>
+          <p:nvPr/>
+        </p:nvSpPr>
+        <p:spPr>
+          <a:xfrm>
+            <a:off x="1902483" y="4999953"/>
+            <a:ext cx="1164129" cy="138363"/>
+          </a:xfrm>
+          <a:prstGeom prst="rect">
+            <a:avLst/>
+          </a:prstGeom>
+          <a:solidFill>
+            <a:srgbClr val="FFFFFF"/>
+          </a:solidFill>
+          <a:ln>
+            <a:solidFill>
+              <a:srgbClr val="FFFFFF"/>
+            </a:solidFill>
+          </a:ln>
+          <a:effectLst/>
+        </p:spPr>
+        <p:style>
+          <a:lnRef idx="1">
+            <a:schemeClr val="accent1"/>
+          </a:lnRef>
+          <a:fillRef idx="3">
+            <a:schemeClr val="accent1"/>
+          </a:fillRef>
+          <a:effectRef idx="2">
+            <a:schemeClr val="accent1"/>
+          </a:effectRef>
+          <a:fontRef idx="minor">
+            <a:schemeClr val="lt1"/>
+          </a:fontRef>
+        </p:style>
+        <p:txBody>
+          <a:bodyPr rtlCol="0" anchor="ctr"/>
+          <a:lstStyle/>
+          <a:p>
+            <a:pPr algn="ctr"/>
+            <a:endParaRPr lang="en-US"/>
+          </a:p>
+        </p:txBody>
+      </p:sp>
+      <p:sp>
+        <p:nvSpPr>
+          <p:cNvPr id="7" name="Rectangle 6"/>
+          <p:cNvSpPr/>
+          <p:nvPr/>
+        </p:nvSpPr>
+        <p:spPr>
+          <a:xfrm rot="5400000">
+            <a:off x="4248757" y="3131334"/>
+            <a:ext cx="1239296" cy="187044"/>
+          </a:xfrm>
+          <a:prstGeom prst="rect">
+            <a:avLst/>
+          </a:prstGeom>
+          <a:solidFill>
+            <a:srgbClr val="FFFFFF"/>
+          </a:solidFill>
+          <a:ln>
+            <a:solidFill>
+              <a:srgbClr val="FFFFFF"/>
+            </a:solidFill>
+          </a:ln>
+          <a:effectLst/>
+        </p:spPr>
+        <p:style>
+          <a:lnRef idx="1">
+            <a:schemeClr val="accent1"/>
+          </a:lnRef>
+          <a:fillRef idx="3">
+            <a:schemeClr val="accent1"/>
+          </a:fillRef>
+          <a:effectRef idx="2">
+            <a:schemeClr val="accent1"/>
+          </a:effectRef>
+          <a:fontRef idx="minor">
+            <a:schemeClr val="lt1"/>
+          </a:fontRef>
+        </p:style>
+        <p:txBody>
+          <a:bodyPr rtlCol="0" anchor="ctr"/>
+          <a:lstStyle/>
+          <a:p>
+            <a:pPr algn="ctr"/>
+            <a:endParaRPr lang="en-US"/>
+          </a:p>
+        </p:txBody>
+      </p:sp>
+      <p:sp>
+        <p:nvSpPr>
+          <p:cNvPr id="8" name="Rectangle 7"/>
+          <p:cNvSpPr/>
+          <p:nvPr/>
+        </p:nvSpPr>
+        <p:spPr>
+          <a:xfrm rot="5400000">
+            <a:off x="-456675" y="3131334"/>
+            <a:ext cx="1239296" cy="187044"/>
+          </a:xfrm>
+          <a:prstGeom prst="rect">
+            <a:avLst/>
+          </a:prstGeom>
+          <a:solidFill>
+            <a:srgbClr val="FFFFFF"/>
+          </a:solidFill>
+          <a:ln>
+            <a:solidFill>
+              <a:srgbClr val="FFFFFF"/>
+            </a:solidFill>
+          </a:ln>
+          <a:effectLst/>
+        </p:spPr>
+        <p:style>
+          <a:lnRef idx="1">
+            <a:schemeClr val="accent1"/>
+          </a:lnRef>
+          <a:fillRef idx="3">
+            <a:schemeClr val="accent1"/>
+          </a:fillRef>
+          <a:effectRef idx="2">
+            <a:schemeClr val="accent1"/>
+          </a:effectRef>
+          <a:fontRef idx="minor">
+            <a:schemeClr val="lt1"/>
+          </a:fontRef>
+        </p:style>
+        <p:txBody>
+          <a:bodyPr rtlCol="0" anchor="ctr"/>
+          <a:lstStyle/>
+          <a:p>
+            <a:pPr algn="ctr"/>
+            <a:endParaRPr lang="en-US"/>
+          </a:p>
+        </p:txBody>
+      </p:sp>
+      <p:sp>
+        <p:nvSpPr>
+          <p:cNvPr id="4" name="TextBox 3"/>
+          <p:cNvSpPr txBox="1"/>
+          <p:nvPr/>
+        </p:nvSpPr>
+        <p:spPr>
+          <a:xfrm>
+            <a:off x="2110683" y="4881536"/>
+            <a:ext cx="576761" cy="307777"/>
+          </a:xfrm>
+          <a:prstGeom prst="rect">
+            <a:avLst/>
+          </a:prstGeom>
+          <a:noFill/>
+        </p:spPr>
+        <p:txBody>
+          <a:bodyPr wrap="square" rtlCol="0">
+            <a:spAutoFit/>
+          </a:bodyPr>
+          <a:lstStyle/>
+          <a:p>
+            <a:r>
+              <a:rPr lang="en-US" dirty="0" smtClean="0"/>
+              <a:t>AGE</a:t>
+            </a:r>
+            <a:endParaRPr lang="en-US" dirty="0"/>
+          </a:p>
+        </p:txBody>
+      </p:sp>
+      <p:sp>
+        <p:nvSpPr>
+          <p:cNvPr id="10" name="TextBox 9"/>
+          <p:cNvSpPr txBox="1"/>
+          <p:nvPr/>
+        </p:nvSpPr>
+        <p:spPr>
+          <a:xfrm>
+            <a:off x="6878016" y="4888476"/>
+            <a:ext cx="576761" cy="307777"/>
+          </a:xfrm>
+          <a:prstGeom prst="rect">
+            <a:avLst/>
+          </a:prstGeom>
+          <a:noFill/>
+        </p:spPr>
+        <p:txBody>
+          <a:bodyPr wrap="square" rtlCol="0">
+            <a:spAutoFit/>
+          </a:bodyPr>
+          <a:lstStyle/>
+          <a:p>
+            <a:r>
+              <a:rPr lang="en-US" dirty="0" smtClean="0">
+                <a:solidFill>
+                  <a:schemeClr val="tx1"/>
+                </a:solidFill>
+              </a:rPr>
+              <a:t>AGE</a:t>
+            </a:r>
+            <a:endParaRPr lang="en-US" dirty="0">
+              <a:solidFill>
+                <a:schemeClr val="tx1"/>
+              </a:solidFill>
+            </a:endParaRPr>
+          </a:p>
+        </p:txBody>
+      </p:sp>
+      <p:sp>
+        <p:nvSpPr>
+          <p:cNvPr id="11" name="TextBox 10"/>
+          <p:cNvSpPr txBox="1"/>
+          <p:nvPr/>
+        </p:nvSpPr>
+        <p:spPr>
+          <a:xfrm rot="16200000">
+            <a:off x="4611422" y="3070045"/>
+            <a:ext cx="576761" cy="307777"/>
+          </a:xfrm>
+          <a:prstGeom prst="rect">
+            <a:avLst/>
+          </a:prstGeom>
+          <a:noFill/>
+        </p:spPr>
+        <p:txBody>
+          <a:bodyPr wrap="square" rtlCol="0">
+            <a:spAutoFit/>
+          </a:bodyPr>
+          <a:lstStyle/>
+          <a:p>
+            <a:r>
+              <a:rPr lang="en-US" dirty="0" smtClean="0"/>
+              <a:t>SFR</a:t>
+            </a:r>
+            <a:endParaRPr lang="en-US" dirty="0"/>
+          </a:p>
+        </p:txBody>
+      </p:sp>
+      <p:sp>
+        <p:nvSpPr>
+          <p:cNvPr id="12" name="TextBox 11"/>
+          <p:cNvSpPr txBox="1"/>
+          <p:nvPr/>
+        </p:nvSpPr>
+        <p:spPr>
+          <a:xfrm rot="16200000">
+            <a:off x="-86747" y="3070045"/>
+            <a:ext cx="576761" cy="307777"/>
+          </a:xfrm>
+          <a:prstGeom prst="rect">
+            <a:avLst/>
+          </a:prstGeom>
+          <a:noFill/>
+        </p:spPr>
+        <p:txBody>
+          <a:bodyPr wrap="square" rtlCol="0">
+            <a:spAutoFit/>
+          </a:bodyPr>
+          <a:lstStyle/>
+          <a:p>
+            <a:r>
+              <a:rPr lang="en-US" dirty="0" smtClean="0"/>
+              <a:t>SFR</a:t>
+            </a:r>
+            <a:endParaRPr lang="en-US" dirty="0"/>
+          </a:p>
+        </p:txBody>
+      </p:sp>
+      <p:sp>
+        <p:nvSpPr>
+          <p:cNvPr id="9" name="TextBox 8"/>
+          <p:cNvSpPr txBox="1"/>
+          <p:nvPr/>
+        </p:nvSpPr>
+        <p:spPr>
+          <a:xfrm>
+            <a:off x="1472556" y="1228139"/>
+            <a:ext cx="1713882" cy="307777"/>
+          </a:xfrm>
+          <a:prstGeom prst="rect">
+            <a:avLst/>
+          </a:prstGeom>
+          <a:noFill/>
+        </p:spPr>
+        <p:txBody>
+          <a:bodyPr wrap="square" rtlCol="0">
+            <a:spAutoFit/>
+          </a:bodyPr>
+          <a:lstStyle/>
+          <a:p>
+            <a:r>
+              <a:rPr lang="en-US" dirty="0" smtClean="0">
+                <a:solidFill>
+                  <a:schemeClr val="bg1"/>
+                </a:solidFill>
+              </a:rPr>
+              <a:t>With no accretion</a:t>
+            </a:r>
+            <a:endParaRPr lang="en-US" dirty="0">
+              <a:solidFill>
+                <a:schemeClr val="bg1"/>
+              </a:solidFill>
+            </a:endParaRPr>
+          </a:p>
+        </p:txBody>
+      </p:sp>
+      <p:sp>
+        <p:nvSpPr>
+          <p:cNvPr id="14" name="TextBox 13"/>
+          <p:cNvSpPr txBox="1"/>
+          <p:nvPr/>
+        </p:nvSpPr>
+        <p:spPr>
+          <a:xfrm>
+            <a:off x="6335767" y="1228139"/>
+            <a:ext cx="1401577" cy="307777"/>
+          </a:xfrm>
+          <a:prstGeom prst="rect">
+            <a:avLst/>
+          </a:prstGeom>
+          <a:noFill/>
+        </p:spPr>
+        <p:txBody>
+          <a:bodyPr wrap="square" rtlCol="0">
+            <a:spAutoFit/>
+          </a:bodyPr>
+          <a:lstStyle/>
+          <a:p>
+            <a:r>
+              <a:rPr lang="en-US" dirty="0" smtClean="0">
+                <a:solidFill>
+                  <a:schemeClr val="bg1"/>
+                </a:solidFill>
+              </a:rPr>
+              <a:t>With accretion</a:t>
+            </a:r>
+            <a:endParaRPr lang="en-US" dirty="0">
+              <a:solidFill>
+                <a:schemeClr val="bg1"/>
+              </a:solidFill>
+            </a:endParaRPr>
+          </a:p>
+        </p:txBody>
+      </p:sp>
+    </p:spTree>
+    <p:extLst>
+      <p:ext uri="{BB962C8B-B14F-4D97-AF65-F5344CB8AC3E}">
+        <p14:creationId xmlns:p14="http://schemas.microsoft.com/office/powerpoint/2010/main" val="856178478"/>
+      </p:ext>
+    </p:extLst>
+  </p:cSld>
+  <p:clrMapOvr>
+    <a:masterClrMapping/>
+  </p:clrMapOvr>
+  <p:transition spd="slow">
+    <p:cut/>
+  </p:transition>
+  <p:timing>
+    <p:tnLst>
+      <p:par>
+        <p:cTn id="1" dur="indefinite" restart="never" nodeType="tmRoot"/>
+      </p:par>
+    </p:tnLst>
+  </p:timing>
+</p:sld>
+</file>
+
+<file path=ppt/slides/slide27.xml><?xml version="1.0" encoding="utf-8"?>
+<p:sld xmlns:a="http://schemas.openxmlformats.org/drawingml/2006/main" xmlns:r="http://schemas.openxmlformats.org/officeDocument/2006/relationships" xmlns:p="http://schemas.openxmlformats.org/presentationml/2006/main">
+  <p:cSld>
+    <p:spTree>
+      <p:nvGrpSpPr>
         <p:cNvPr id="1" name="Shape 121"/>
         <p:cNvGrpSpPr/>
         <p:nvPr/>
@@ -10990,7 +11377,7 @@
           <p:nvPr/>
         </p:nvPicPr>
         <p:blipFill>
-          <a:blip r:embed="rId4"/>
+          <a:blip r:embed="rId3"/>
           <a:stretch>
             <a:fillRect/>
           </a:stretch>
@@ -11028,7 +11415,7 @@
 </p:sld>
 </file>
 
-<file path=ppt/slides/slide27.xml><?xml version="1.0" encoding="utf-8"?>
+<file path=ppt/slides/slide28.xml><?xml version="1.0" encoding="utf-8"?>
 <p:sld xmlns:a="http://schemas.openxmlformats.org/drawingml/2006/main" xmlns:r="http://schemas.openxmlformats.org/officeDocument/2006/relationships" xmlns:p="http://schemas.openxmlformats.org/presentationml/2006/main">
   <p:cSld>
     <p:spTree>
@@ -11447,7 +11834,7 @@
           <p:nvPr/>
         </p:nvPicPr>
         <p:blipFill>
-          <a:blip r:embed="rId4">
+          <a:blip r:embed="rId3">
             <a:extLst>
               <a:ext uri="{28A0092B-C50C-407E-A947-70E740481C1C}">
                 <a14:useLocalDpi xmlns:a14="http://schemas.microsoft.com/office/drawing/2010/main" val="0"/>
@@ -11683,7 +12070,7 @@
 </p:sld>
 </file>
 
-<file path=ppt/slides/slide28.xml><?xml version="1.0" encoding="utf-8"?>
+<file path=ppt/slides/slide29.xml><?xml version="1.0" encoding="utf-8"?>
 <p:sld xmlns:a="http://schemas.openxmlformats.org/drawingml/2006/main" xmlns:r="http://schemas.openxmlformats.org/officeDocument/2006/relationships" xmlns:p="http://schemas.openxmlformats.org/presentationml/2006/main">
   <p:cSld>
     <p:spTree>
@@ -12357,18 +12744,10 @@
                   <a:schemeClr val="lt1"/>
                 </a:solidFill>
               </a:rPr>
-              <a:t>Use archival COS </a:t>
-            </a:r>
-            <a:r>
-              <a:rPr lang="en-US" sz="2400" smtClean="0">
-                <a:solidFill>
-                  <a:schemeClr val="lt1"/>
-                </a:solidFill>
-              </a:rPr>
-              <a:t>sightlines </a:t>
-            </a:r>
-            <a:r>
-              <a:rPr lang="en-US" sz="2400" smtClean="0">
+              <a:t>Use archival COS sightlines </a:t>
+            </a:r>
+            <a:r>
+              <a:rPr lang="en-US" sz="2400" dirty="0" smtClean="0">
                 <a:solidFill>
                   <a:schemeClr val="lt1"/>
                 </a:solidFill>
@@ -12508,18 +12887,10 @@
                   <a:schemeClr val="lt1"/>
                 </a:solidFill>
               </a:rPr>
-              <a:t>complete to </a:t>
-            </a:r>
-            <a:r>
-              <a:rPr lang="en-US" sz="2000" i="1">
-                <a:solidFill>
-                  <a:schemeClr val="lt1"/>
-                </a:solidFill>
-              </a:rPr>
-              <a:t>~</a:t>
-            </a:r>
-            <a:r>
-              <a:rPr lang="en-US" sz="2000" i="1" smtClean="0">
+              <a:t>complete to ~</a:t>
+            </a:r>
+            <a:r>
+              <a:rPr lang="en-US" sz="2000" i="1" dirty="0" smtClean="0">
                 <a:solidFill>
                   <a:schemeClr val="lt1"/>
                 </a:solidFill>
@@ -12769,60 +13140,34 @@
             </a:pPr>
             <a:r>
               <a:rPr lang="en-US" dirty="0" smtClean="0"/>
-              <a:t>Defining the CGM</a:t>
+              <a:t>Science </a:t>
+            </a:r>
+            <a:r>
+              <a:rPr lang="en" dirty="0" smtClean="0"/>
+              <a:t>Outline</a:t>
             </a:r>
             <a:endParaRPr lang="en" dirty="0"/>
           </a:p>
         </p:txBody>
       </p:sp>
-      <p:pic>
-        <p:nvPicPr>
-          <p:cNvPr id="2" name="Picture 1" descr="cgm_nature.jpg"/>
-          <p:cNvPicPr>
-            <a:picLocks noChangeAspect="1"/>
-          </p:cNvPicPr>
-          <p:nvPr/>
-        </p:nvPicPr>
-        <p:blipFill>
-          <a:blip r:embed="rId3">
-            <a:extLst>
-              <a:ext uri="{28A0092B-C50C-407E-A947-70E740481C1C}">
-                <a14:useLocalDpi xmlns:a14="http://schemas.microsoft.com/office/drawing/2010/main" val="0"/>
-              </a:ext>
-            </a:extLst>
-          </a:blip>
-          <a:stretch>
-            <a:fillRect/>
-          </a:stretch>
-        </p:blipFill>
-        <p:spPr>
-          <a:xfrm>
-            <a:off x="627915" y="961668"/>
-            <a:ext cx="7888171" cy="5503375"/>
-          </a:xfrm>
-          <a:prstGeom prst="rect">
-            <a:avLst/>
-          </a:prstGeom>
-        </p:spPr>
-      </p:pic>
-      <p:sp>
-        <p:nvSpPr>
-          <p:cNvPr id="5" name="Shape 39"/>
-          <p:cNvSpPr txBox="1"/>
-          <p:nvPr/>
-        </p:nvSpPr>
-        <p:spPr>
-          <a:xfrm>
-            <a:off x="7294564" y="6425255"/>
-            <a:ext cx="1396347" cy="323389"/>
-          </a:xfrm>
-          <a:prstGeom prst="rect">
-            <a:avLst/>
-          </a:prstGeom>
-          <a:noFill/>
-          <a:ln>
-            <a:noFill/>
-          </a:ln>
+      <p:sp>
+        <p:nvSpPr>
+          <p:cNvPr id="31" name="Shape 31"/>
+          <p:cNvSpPr txBox="1">
+            <a:spLocks noGrp="1"/>
+          </p:cNvSpPr>
+          <p:nvPr>
+            <p:ph type="subTitle" idx="1"/>
+          </p:nvPr>
+        </p:nvSpPr>
+        <p:spPr>
+          <a:xfrm>
+            <a:off x="532350" y="1141664"/>
+            <a:ext cx="8079299" cy="5490985"/>
+          </a:xfrm>
+          <a:prstGeom prst="rect">
+            <a:avLst/>
+          </a:prstGeom>
         </p:spPr>
         <p:txBody>
           <a:bodyPr lIns="91425" tIns="91425" rIns="91425" bIns="91425" anchor="t" anchorCtr="0">
@@ -12830,235 +13175,350 @@
           </a:bodyPr>
           <a:lstStyle/>
           <a:p>
-            <a:pPr lvl="0" rtl="0">
-              <a:spcBef>
-                <a:spcPts val="0"/>
-              </a:spcBef>
-              <a:buNone/>
-            </a:pPr>
-            <a:r>
-              <a:rPr lang="en-US" sz="1200" dirty="0" smtClean="0">
+            <a:pPr marL="495300" lvl="0" indent="-457200" algn="l" rtl="0">
+              <a:spcBef>
+                <a:spcPts val="0"/>
+              </a:spcBef>
+              <a:buClr>
+                <a:schemeClr val="lt2"/>
+              </a:buClr>
+              <a:buSzPct val="100000"/>
+              <a:buFont typeface="Lucida Grande"/>
+              <a:buChar char="●"/>
+            </a:pPr>
+            <a:r>
+              <a:rPr lang="en-US" sz="2400" dirty="0" smtClean="0">
+                <a:solidFill>
+                  <a:schemeClr val="lt1"/>
+                </a:solidFill>
+              </a:rPr>
+              <a:t>Use archival COS sightlines </a:t>
+            </a:r>
+            <a:r>
+              <a:rPr lang="en-US" sz="2400" dirty="0" smtClean="0">
+                <a:solidFill>
+                  <a:schemeClr val="lt1"/>
+                </a:solidFill>
+              </a:rPr>
+              <a:t>(~700)</a:t>
+            </a:r>
+            <a:endParaRPr lang="en-US" sz="2400" dirty="0" smtClean="0">
+              <a:solidFill>
+                <a:schemeClr val="lt1"/>
+              </a:solidFill>
+            </a:endParaRPr>
+          </a:p>
+          <a:p>
+            <a:pPr marL="38100" lvl="1" algn="l"/>
+            <a:r>
+              <a:rPr lang="en-US" sz="2400" dirty="0">
+                <a:solidFill>
+                  <a:schemeClr val="lt1"/>
+                </a:solidFill>
+              </a:rPr>
+              <a:t>	</a:t>
+            </a:r>
+            <a:r>
+              <a:rPr lang="en-US" sz="2400" dirty="0" smtClean="0">
+                <a:solidFill>
+                  <a:schemeClr val="lt1"/>
+                </a:solidFill>
+              </a:rPr>
+              <a:t>- </a:t>
+            </a:r>
+            <a:r>
+              <a:rPr lang="en-US" sz="2000" i="1" dirty="0" smtClean="0">
+                <a:solidFill>
+                  <a:schemeClr val="lt1"/>
+                </a:solidFill>
+              </a:rPr>
+              <a:t>Find </a:t>
+            </a:r>
+            <a:r>
+              <a:rPr lang="en-US" sz="2000" i="1" dirty="0" smtClean="0">
                 <a:solidFill>
                   <a:srgbClr val="FFFFFF"/>
                 </a:solidFill>
               </a:rPr>
-              <a:t>Nature 517, 444</a:t>
-            </a:r>
-            <a:endParaRPr lang="en" sz="1200" dirty="0">
+              <a:t>Lyα, associate with galaxy environment</a:t>
+            </a:r>
+            <a:endParaRPr lang="en-US" sz="2000" i="1" dirty="0" smtClean="0">
+              <a:solidFill>
+                <a:schemeClr val="lt1"/>
+              </a:solidFill>
+            </a:endParaRPr>
+          </a:p>
+          <a:p>
+            <a:pPr marL="495300" lvl="0" indent="-457200" algn="l" rtl="0">
+              <a:spcBef>
+                <a:spcPts val="0"/>
+              </a:spcBef>
+              <a:buClr>
+                <a:schemeClr val="lt2"/>
+              </a:buClr>
+              <a:buSzPct val="100000"/>
+              <a:buFont typeface="Lucida Grande"/>
+              <a:buChar char="●"/>
+            </a:pPr>
+            <a:endParaRPr lang="en-US" sz="2400" dirty="0">
+              <a:solidFill>
+                <a:schemeClr val="lt1"/>
+              </a:solidFill>
+            </a:endParaRPr>
+          </a:p>
+          <a:p>
+            <a:pPr marL="495300" lvl="0" indent="-457200" algn="l" rtl="0">
+              <a:spcBef>
+                <a:spcPts val="0"/>
+              </a:spcBef>
+              <a:buClr>
+                <a:schemeClr val="lt2"/>
+              </a:buClr>
+              <a:buSzPct val="100000"/>
+              <a:buFont typeface="Lucida Grande"/>
+              <a:buChar char="●"/>
+            </a:pPr>
+            <a:r>
+              <a:rPr lang="en-US" sz="2400" dirty="0" smtClean="0">
+                <a:solidFill>
+                  <a:schemeClr val="lt1"/>
+                </a:solidFill>
+              </a:rPr>
+              <a:t>Stay close (z &lt; 0.034, </a:t>
+            </a:r>
+            <a:r>
+              <a:rPr lang="en-US" sz="2400" dirty="0" err="1" smtClean="0">
+                <a:solidFill>
+                  <a:schemeClr val="lt1"/>
+                </a:solidFill>
+              </a:rPr>
+              <a:t>cz</a:t>
+            </a:r>
+            <a:r>
+              <a:rPr lang="en-US" sz="2400" dirty="0" smtClean="0">
+                <a:solidFill>
+                  <a:schemeClr val="lt1"/>
+                </a:solidFill>
+              </a:rPr>
+              <a:t> &lt; 10,000 km/s)</a:t>
+            </a:r>
+          </a:p>
+          <a:p>
+            <a:pPr marL="38100" lvl="0" algn="l"/>
+            <a:r>
+              <a:rPr lang="en-US" dirty="0">
+                <a:solidFill>
+                  <a:schemeClr val="lt1"/>
+                </a:solidFill>
+              </a:rPr>
+              <a:t>	- </a:t>
+            </a:r>
+            <a:r>
+              <a:rPr lang="en-US" sz="2000" i="1" dirty="0">
+                <a:solidFill>
+                  <a:schemeClr val="lt1"/>
+                </a:solidFill>
+              </a:rPr>
+              <a:t>Available galaxy </a:t>
+            </a:r>
+            <a:r>
+              <a:rPr lang="en-US" sz="2000" i="1" dirty="0" smtClean="0">
+                <a:solidFill>
+                  <a:schemeClr val="lt1"/>
+                </a:solidFill>
+              </a:rPr>
+              <a:t>data </a:t>
+            </a:r>
+            <a:r>
+              <a:rPr lang="en-US" sz="2000" i="1" dirty="0">
+                <a:solidFill>
+                  <a:schemeClr val="lt1"/>
+                </a:solidFill>
+              </a:rPr>
+              <a:t>complete to ~</a:t>
+            </a:r>
+            <a:r>
+              <a:rPr lang="en-US" sz="2000" i="1" dirty="0" smtClean="0">
+                <a:solidFill>
+                  <a:schemeClr val="lt1"/>
+                </a:solidFill>
+              </a:rPr>
+              <a:t>0.2 </a:t>
+            </a:r>
+            <a:r>
+              <a:rPr lang="en-US" sz="2000" i="1" dirty="0">
+                <a:solidFill>
+                  <a:schemeClr val="lt1"/>
+                </a:solidFill>
+              </a:rPr>
+              <a:t>L*</a:t>
+            </a:r>
+          </a:p>
+          <a:p>
+            <a:pPr marL="38100" lvl="0" algn="l" rtl="0">
+              <a:spcBef>
+                <a:spcPts val="0"/>
+              </a:spcBef>
+              <a:buClr>
+                <a:schemeClr val="lt2"/>
+              </a:buClr>
+              <a:buSzPct val="100000"/>
+            </a:pPr>
+            <a:endParaRPr lang="en-US" dirty="0" smtClean="0">
+              <a:solidFill>
+                <a:schemeClr val="lt1"/>
+              </a:solidFill>
+            </a:endParaRPr>
+          </a:p>
+          <a:p>
+            <a:pPr marL="495300" lvl="0" indent="-457200" algn="l" rtl="0">
+              <a:spcBef>
+                <a:spcPts val="0"/>
+              </a:spcBef>
+              <a:buClr>
+                <a:schemeClr val="lt2"/>
+              </a:buClr>
+              <a:buSzPct val="100000"/>
+              <a:buFont typeface="Lucida Grande"/>
+              <a:buChar char="●"/>
+            </a:pPr>
+            <a:r>
+              <a:rPr lang="en-US" sz="2400" dirty="0" smtClean="0">
+                <a:solidFill>
+                  <a:schemeClr val="lt1"/>
+                </a:solidFill>
+              </a:rPr>
+              <a:t> Automate associating galaxies – absorbers</a:t>
+            </a:r>
+          </a:p>
+          <a:p>
+            <a:pPr marL="495300" lvl="0" indent="-457200" algn="l" rtl="0">
+              <a:spcBef>
+                <a:spcPts val="0"/>
+              </a:spcBef>
+              <a:buClr>
+                <a:schemeClr val="lt2"/>
+              </a:buClr>
+              <a:buSzPct val="100000"/>
+              <a:buFont typeface="Lucida Grande"/>
+              <a:buChar char="●"/>
+            </a:pPr>
+            <a:endParaRPr lang="en-US" sz="2400" dirty="0" smtClean="0">
+              <a:solidFill>
+                <a:schemeClr val="lt1"/>
+              </a:solidFill>
+            </a:endParaRPr>
+          </a:p>
+          <a:p>
+            <a:pPr marL="38100" lvl="0" algn="l" rtl="0">
+              <a:spcBef>
+                <a:spcPts val="0"/>
+              </a:spcBef>
+              <a:buClr>
+                <a:schemeClr val="lt2"/>
+              </a:buClr>
+              <a:buSzPct val="100000"/>
+            </a:pPr>
+            <a:endParaRPr lang="en-US" sz="2400" dirty="0">
+              <a:solidFill>
+                <a:schemeClr val="lt1"/>
+              </a:solidFill>
+            </a:endParaRPr>
+          </a:p>
+          <a:p>
+            <a:pPr marL="495300" lvl="0" indent="-457200" algn="l" rtl="0">
+              <a:spcBef>
+                <a:spcPts val="0"/>
+              </a:spcBef>
+              <a:buClr>
+                <a:schemeClr val="lt2"/>
+              </a:buClr>
+              <a:buSzPct val="100000"/>
+              <a:buFont typeface="Lucida Grande"/>
+              <a:buChar char="●"/>
+            </a:pPr>
+            <a:r>
+              <a:rPr lang="en-US" sz="2400" dirty="0" smtClean="0">
+                <a:solidFill>
+                  <a:schemeClr val="lt1"/>
+                </a:solidFill>
+              </a:rPr>
+              <a:t>Ask:	    absorber (EW, velocity)</a:t>
+            </a:r>
+          </a:p>
+          <a:p>
+            <a:pPr marL="38100" lvl="3" algn="l"/>
+            <a:r>
+              <a:rPr lang="en-US" sz="2400" dirty="0">
+                <a:solidFill>
+                  <a:schemeClr val="lt1"/>
+                </a:solidFill>
+              </a:rPr>
+              <a:t> </a:t>
+            </a:r>
+            <a:r>
+              <a:rPr lang="en-US" sz="2400" dirty="0" smtClean="0">
+                <a:solidFill>
+                  <a:schemeClr val="lt1"/>
+                </a:solidFill>
+              </a:rPr>
+              <a:t>                             as a function of</a:t>
+            </a:r>
+          </a:p>
+          <a:p>
+            <a:pPr marL="38100" lvl="3" algn="l"/>
+            <a:r>
+              <a:rPr lang="en-US" sz="2400" dirty="0" smtClean="0">
+                <a:solidFill>
+                  <a:schemeClr val="lt1"/>
+                </a:solidFill>
+              </a:rPr>
+              <a:t>	galaxy (impact parameter, size, orientation)</a:t>
+            </a:r>
+          </a:p>
+          <a:p>
+            <a:pPr marL="38100" lvl="1" algn="l"/>
+            <a:endParaRPr lang="en-US" sz="2400" i="1" dirty="0" smtClean="0">
+              <a:solidFill>
+                <a:schemeClr val="lt1"/>
+              </a:solidFill>
+            </a:endParaRPr>
+          </a:p>
+          <a:p>
+            <a:pPr marL="38100" lvl="1" algn="l"/>
+            <a:endParaRPr lang="en-US" sz="2400" i="1" dirty="0">
+              <a:solidFill>
+                <a:schemeClr val="lt1"/>
+              </a:solidFill>
+            </a:endParaRPr>
+          </a:p>
+          <a:p>
+            <a:pPr marL="38100" lvl="1" algn="l"/>
+            <a:endParaRPr sz="2400" dirty="0" smtClean="0">
               <a:solidFill>
                 <a:srgbClr val="FFFFFF"/>
               </a:solidFill>
             </a:endParaRPr>
           </a:p>
-        </p:txBody>
-      </p:sp>
-      <p:sp>
-        <p:nvSpPr>
-          <p:cNvPr id="4" name="Right Brace 3"/>
-          <p:cNvSpPr/>
-          <p:nvPr/>
-        </p:nvSpPr>
-        <p:spPr>
-          <a:xfrm rot="4559869">
-            <a:off x="5820832" y="3026835"/>
-            <a:ext cx="465665" cy="1749780"/>
-          </a:xfrm>
-          <a:prstGeom prst="rightBrace">
-            <a:avLst/>
-          </a:prstGeom>
-          <a:noFill/>
-          <a:ln>
-            <a:solidFill>
-              <a:srgbClr val="FFFF00"/>
-            </a:solidFill>
-          </a:ln>
-        </p:spPr>
-        <p:style>
-          <a:lnRef idx="2">
-            <a:schemeClr val="accent1"/>
-          </a:lnRef>
-          <a:fillRef idx="0">
-            <a:schemeClr val="accent1"/>
-          </a:fillRef>
-          <a:effectRef idx="1">
-            <a:schemeClr val="accent1"/>
-          </a:effectRef>
-          <a:fontRef idx="minor">
-            <a:schemeClr val="tx1"/>
-          </a:fontRef>
-        </p:style>
-        <p:txBody>
-          <a:bodyPr rtlCol="0" anchor="ctr"/>
-          <a:lstStyle/>
-          <a:p>
-            <a:pPr algn="ctr"/>
-            <a:endParaRPr lang="en-US"/>
-          </a:p>
-        </p:txBody>
-      </p:sp>
-      <p:sp>
-        <p:nvSpPr>
-          <p:cNvPr id="6" name="TextBox 5"/>
-          <p:cNvSpPr txBox="1"/>
-          <p:nvPr/>
-        </p:nvSpPr>
-        <p:spPr>
-          <a:xfrm>
-            <a:off x="5176656" y="4171327"/>
-            <a:ext cx="1863874" cy="307777"/>
-          </a:xfrm>
-          <a:prstGeom prst="rect">
-            <a:avLst/>
-          </a:prstGeom>
-          <a:noFill/>
-          <a:ln>
-            <a:noFill/>
-          </a:ln>
-        </p:spPr>
-        <p:txBody>
-          <a:bodyPr wrap="none" rtlCol="0">
-            <a:spAutoFit/>
-          </a:bodyPr>
-          <a:lstStyle/>
-          <a:p>
-            <a:r>
-              <a:rPr lang="en-US" dirty="0" smtClean="0">
-                <a:solidFill>
-                  <a:srgbClr val="FFFF00"/>
-                </a:solidFill>
-              </a:rPr>
-              <a:t>Impact parameter (</a:t>
-            </a:r>
-            <a:r>
-              <a:rPr lang="en" i="1" dirty="0" smtClean="0">
-                <a:solidFill>
-                  <a:srgbClr val="FFFF00"/>
-                </a:solidFill>
-              </a:rPr>
-              <a:t>ρ</a:t>
-            </a:r>
-            <a:r>
-              <a:rPr lang="en-US" i="1" dirty="0" smtClean="0">
-                <a:solidFill>
-                  <a:srgbClr val="FFFF00"/>
-                </a:solidFill>
-              </a:rPr>
-              <a:t>)</a:t>
-            </a:r>
-            <a:endParaRPr lang="en-US" dirty="0">
+          <a:p>
+            <a:pPr marL="457200" lvl="0" indent="457200" algn="l" rtl="0">
+              <a:spcBef>
+                <a:spcPts val="0"/>
+              </a:spcBef>
+              <a:buNone/>
+            </a:pPr>
+            <a:endParaRPr sz="2400" dirty="0">
               <a:solidFill>
-                <a:srgbClr val="FFFF00"/>
+                <a:srgbClr val="FFFFFF"/>
               </a:solidFill>
             </a:endParaRPr>
           </a:p>
         </p:txBody>
       </p:sp>
-      <p:cxnSp>
-        <p:nvCxnSpPr>
-          <p:cNvPr id="8" name="Straight Arrow Connector 7"/>
-          <p:cNvCxnSpPr/>
-          <p:nvPr/>
-        </p:nvCxnSpPr>
-        <p:spPr>
-          <a:xfrm>
-            <a:off x="6722492" y="2219189"/>
-            <a:ext cx="782580" cy="2120138"/>
-          </a:xfrm>
-          <a:prstGeom prst="straightConnector1">
-            <a:avLst/>
-          </a:prstGeom>
-          <a:ln>
-            <a:solidFill>
-              <a:srgbClr val="FFFF00"/>
-            </a:solidFill>
-            <a:headEnd type="arrow"/>
-            <a:tailEnd type="arrow"/>
-          </a:ln>
-        </p:spPr>
-        <p:style>
-          <a:lnRef idx="2">
-            <a:schemeClr val="accent1"/>
-          </a:lnRef>
-          <a:fillRef idx="0">
-            <a:schemeClr val="accent1"/>
-          </a:fillRef>
-          <a:effectRef idx="1">
-            <a:schemeClr val="accent1"/>
-          </a:effectRef>
-          <a:fontRef idx="minor">
-            <a:schemeClr val="tx1"/>
-          </a:fontRef>
-        </p:style>
-      </p:cxnSp>
-      <p:sp>
-        <p:nvSpPr>
-          <p:cNvPr id="10" name="TextBox 9"/>
-          <p:cNvSpPr txBox="1"/>
-          <p:nvPr/>
-        </p:nvSpPr>
-        <p:spPr>
-          <a:xfrm>
-            <a:off x="7086820" y="2911885"/>
-            <a:ext cx="441146" cy="307777"/>
-          </a:xfrm>
-          <a:prstGeom prst="rect">
-            <a:avLst/>
-          </a:prstGeom>
-          <a:noFill/>
-          <a:ln>
-            <a:noFill/>
-          </a:ln>
-        </p:spPr>
-        <p:txBody>
-          <a:bodyPr wrap="none" rtlCol="0">
-            <a:spAutoFit/>
-          </a:bodyPr>
-          <a:lstStyle/>
-          <a:p>
-            <a:r>
-              <a:rPr lang="en-US" dirty="0" smtClean="0">
-                <a:solidFill>
-                  <a:srgbClr val="FFFF00"/>
-                </a:solidFill>
-              </a:rPr>
-              <a:t>ΔV</a:t>
-            </a:r>
-            <a:endParaRPr lang="en-US" dirty="0">
-              <a:solidFill>
-                <a:srgbClr val="FFFF00"/>
-              </a:solidFill>
-            </a:endParaRPr>
-          </a:p>
-        </p:txBody>
-      </p:sp>
-      <p:pic>
-        <p:nvPicPr>
-          <p:cNvPr id="11" name="Picture 10"/>
-          <p:cNvPicPr>
-            <a:picLocks noChangeAspect="1"/>
-          </p:cNvPicPr>
-          <p:nvPr/>
-        </p:nvPicPr>
-        <p:blipFill>
-          <a:blip r:embed="rId4"/>
-          <a:stretch>
-            <a:fillRect/>
-          </a:stretch>
-        </p:blipFill>
-        <p:spPr>
-          <a:xfrm>
-            <a:off x="1998092" y="5830203"/>
-            <a:ext cx="4724400" cy="469900"/>
-          </a:xfrm>
-          <a:prstGeom prst="rect">
-            <a:avLst/>
-          </a:prstGeom>
-        </p:spPr>
-      </p:pic>
     </p:spTree>
     <p:extLst>
       <p:ext uri="{BB962C8B-B14F-4D97-AF65-F5344CB8AC3E}">
-        <p14:creationId xmlns:p14="http://schemas.microsoft.com/office/powerpoint/2010/main" val="2781760465"/>
+        <p14:creationId xmlns:p14="http://schemas.microsoft.com/office/powerpoint/2010/main" val="2014837229"/>
       </p:ext>
     </p:extLst>
   </p:cSld>
@@ -13083,7 +13543,7 @@
   <p:cSld>
     <p:spTree>
       <p:nvGrpSpPr>
-        <p:cNvPr id="1" name="Shape 121"/>
+        <p:cNvPr id="1" name="Shape 29"/>
         <p:cNvGrpSpPr/>
         <p:nvPr/>
       </p:nvGrpSpPr>
@@ -13097,18 +13557,18 @@
       </p:grpSpPr>
       <p:sp>
         <p:nvSpPr>
-          <p:cNvPr id="122" name="Shape 122"/>
+          <p:cNvPr id="30" name="Shape 30"/>
           <p:cNvSpPr txBox="1">
             <a:spLocks noGrp="1"/>
           </p:cNvSpPr>
           <p:nvPr>
-            <p:ph type="subTitle" idx="1"/>
+            <p:ph type="ctrTitle"/>
           </p:nvPr>
         </p:nvSpPr>
         <p:spPr>
           <a:xfrm>
-            <a:off x="628550" y="57513"/>
-            <a:ext cx="8077500" cy="955876"/>
+            <a:off x="685800" y="21392"/>
+            <a:ext cx="7772400" cy="883200"/>
           </a:xfrm>
           <a:prstGeom prst="rect">
             <a:avLst/>
@@ -13127,24 +13587,16 @@
               <a:buNone/>
             </a:pPr>
             <a:r>
-              <a:rPr lang="en-US" sz="3600" i="1" dirty="0" smtClean="0">
-                <a:solidFill>
-                  <a:srgbClr val="FFFFFF"/>
-                </a:solidFill>
-              </a:rPr>
-              <a:t>Associating galaxies with absorbers</a:t>
-            </a:r>
-            <a:endParaRPr lang="en" sz="3600" i="1" dirty="0">
-              <a:solidFill>
-                <a:srgbClr val="FFFFFF"/>
-              </a:solidFill>
-            </a:endParaRPr>
+              <a:rPr lang="en-US" dirty="0" smtClean="0"/>
+              <a:t>Defining the CGM</a:t>
+            </a:r>
+            <a:endParaRPr lang="en" dirty="0"/>
           </a:p>
         </p:txBody>
       </p:sp>
       <p:pic>
         <p:nvPicPr>
-          <p:cNvPr id="6" name="Picture 5" descr="figTON1009_crop.jpg"/>
+          <p:cNvPr id="2" name="Picture 1" descr="cgm_nature.jpg"/>
           <p:cNvPicPr>
             <a:picLocks noChangeAspect="1"/>
           </p:cNvPicPr>
@@ -13164,8 +13616,8 @@
         </p:blipFill>
         <p:spPr>
           <a:xfrm>
-            <a:off x="997309" y="1013389"/>
-            <a:ext cx="7161830" cy="3809235"/>
+            <a:off x="627915" y="961668"/>
+            <a:ext cx="7888171" cy="5503375"/>
           </a:xfrm>
           <a:prstGeom prst="rect">
             <a:avLst/>
@@ -13174,43 +13626,260 @@
       </p:pic>
       <p:sp>
         <p:nvSpPr>
-          <p:cNvPr id="8" name="TextBox 7"/>
+          <p:cNvPr id="5" name="Shape 39"/>
           <p:cNvSpPr txBox="1"/>
           <p:nvPr/>
         </p:nvSpPr>
         <p:spPr>
           <a:xfrm>
-            <a:off x="751955" y="5279949"/>
-            <a:ext cx="7650937" cy="523220"/>
+            <a:off x="7294564" y="6425255"/>
+            <a:ext cx="1396347" cy="323389"/>
           </a:xfrm>
           <a:prstGeom prst="rect">
             <a:avLst/>
           </a:prstGeom>
           <a:noFill/>
+          <a:ln>
+            <a:noFill/>
+          </a:ln>
         </p:spPr>
         <p:txBody>
-          <a:bodyPr wrap="square" rtlCol="0">
+          <a:bodyPr lIns="91425" tIns="91425" rIns="91425" bIns="91425" anchor="t" anchorCtr="0">
+            <a:noAutofit/>
+          </a:bodyPr>
+          <a:lstStyle/>
+          <a:p>
+            <a:pPr lvl="0" rtl="0">
+              <a:spcBef>
+                <a:spcPts val="0"/>
+              </a:spcBef>
+              <a:buNone/>
+            </a:pPr>
+            <a:r>
+              <a:rPr lang="en-US" sz="1200" dirty="0" smtClean="0">
+                <a:solidFill>
+                  <a:srgbClr val="FFFFFF"/>
+                </a:solidFill>
+              </a:rPr>
+              <a:t>Nature 517, 444</a:t>
+            </a:r>
+            <a:endParaRPr lang="en" sz="1200" dirty="0">
+              <a:solidFill>
+                <a:srgbClr val="FFFFFF"/>
+              </a:solidFill>
+            </a:endParaRPr>
+          </a:p>
+        </p:txBody>
+      </p:sp>
+      <p:sp>
+        <p:nvSpPr>
+          <p:cNvPr id="4" name="Right Brace 3"/>
+          <p:cNvSpPr/>
+          <p:nvPr/>
+        </p:nvSpPr>
+        <p:spPr>
+          <a:xfrm rot="4559869">
+            <a:off x="5820832" y="3026835"/>
+            <a:ext cx="465665" cy="1749780"/>
+          </a:xfrm>
+          <a:prstGeom prst="rightBrace">
+            <a:avLst/>
+          </a:prstGeom>
+          <a:noFill/>
+          <a:ln>
+            <a:solidFill>
+              <a:srgbClr val="FFFF00"/>
+            </a:solidFill>
+          </a:ln>
+        </p:spPr>
+        <p:style>
+          <a:lnRef idx="2">
+            <a:schemeClr val="accent1"/>
+          </a:lnRef>
+          <a:fillRef idx="0">
+            <a:schemeClr val="accent1"/>
+          </a:fillRef>
+          <a:effectRef idx="1">
+            <a:schemeClr val="accent1"/>
+          </a:effectRef>
+          <a:fontRef idx="minor">
+            <a:schemeClr val="tx1"/>
+          </a:fontRef>
+        </p:style>
+        <p:txBody>
+          <a:bodyPr rtlCol="0" anchor="ctr"/>
+          <a:lstStyle/>
+          <a:p>
+            <a:pPr algn="ctr"/>
+            <a:endParaRPr lang="en-US"/>
+          </a:p>
+        </p:txBody>
+      </p:sp>
+      <p:sp>
+        <p:nvSpPr>
+          <p:cNvPr id="6" name="TextBox 5"/>
+          <p:cNvSpPr txBox="1"/>
+          <p:nvPr/>
+        </p:nvSpPr>
+        <p:spPr>
+          <a:xfrm>
+            <a:off x="5176656" y="4171327"/>
+            <a:ext cx="1863874" cy="307777"/>
+          </a:xfrm>
+          <a:prstGeom prst="rect">
+            <a:avLst/>
+          </a:prstGeom>
+          <a:noFill/>
+          <a:ln>
+            <a:noFill/>
+          </a:ln>
+        </p:spPr>
+        <p:txBody>
+          <a:bodyPr wrap="none" rtlCol="0">
             <a:spAutoFit/>
           </a:bodyPr>
           <a:lstStyle/>
           <a:p>
             <a:r>
-              <a:rPr lang="en-US" sz="2800" dirty="0" smtClean="0">
-                <a:solidFill>
-                  <a:schemeClr val="bg1"/>
-                </a:solidFill>
-              </a:rPr>
-              <a:t>Is this Lyα absorber associated with a galaxy?</a:t>
-            </a:r>
-            <a:endParaRPr lang="en-US" sz="2800" dirty="0">
+              <a:rPr lang="en-US" dirty="0" smtClean="0">
+                <a:solidFill>
+                  <a:srgbClr val="FFFF00"/>
+                </a:solidFill>
+              </a:rPr>
+              <a:t>Impact parameter (</a:t>
+            </a:r>
+            <a:r>
+              <a:rPr lang="en" i="1" dirty="0" smtClean="0">
+                <a:solidFill>
+                  <a:srgbClr val="FFFF00"/>
+                </a:solidFill>
+              </a:rPr>
+              <a:t>ρ</a:t>
+            </a:r>
+            <a:r>
+              <a:rPr lang="en-US" i="1" dirty="0" smtClean="0">
+                <a:solidFill>
+                  <a:srgbClr val="FFFF00"/>
+                </a:solidFill>
+              </a:rPr>
+              <a:t>)</a:t>
+            </a:r>
+            <a:endParaRPr lang="en-US" dirty="0">
               <a:solidFill>
-                <a:schemeClr val="bg1"/>
+                <a:srgbClr val="FFFF00"/>
               </a:solidFill>
             </a:endParaRPr>
           </a:p>
         </p:txBody>
       </p:sp>
+      <p:cxnSp>
+        <p:nvCxnSpPr>
+          <p:cNvPr id="8" name="Straight Arrow Connector 7"/>
+          <p:cNvCxnSpPr/>
+          <p:nvPr/>
+        </p:nvCxnSpPr>
+        <p:spPr>
+          <a:xfrm>
+            <a:off x="6722492" y="2219189"/>
+            <a:ext cx="782580" cy="2120138"/>
+          </a:xfrm>
+          <a:prstGeom prst="straightConnector1">
+            <a:avLst/>
+          </a:prstGeom>
+          <a:ln>
+            <a:solidFill>
+              <a:srgbClr val="FFFF00"/>
+            </a:solidFill>
+            <a:headEnd type="arrow"/>
+            <a:tailEnd type="arrow"/>
+          </a:ln>
+        </p:spPr>
+        <p:style>
+          <a:lnRef idx="2">
+            <a:schemeClr val="accent1"/>
+          </a:lnRef>
+          <a:fillRef idx="0">
+            <a:schemeClr val="accent1"/>
+          </a:fillRef>
+          <a:effectRef idx="1">
+            <a:schemeClr val="accent1"/>
+          </a:effectRef>
+          <a:fontRef idx="minor">
+            <a:schemeClr val="tx1"/>
+          </a:fontRef>
+        </p:style>
+      </p:cxnSp>
+      <p:sp>
+        <p:nvSpPr>
+          <p:cNvPr id="10" name="TextBox 9"/>
+          <p:cNvSpPr txBox="1"/>
+          <p:nvPr/>
+        </p:nvSpPr>
+        <p:spPr>
+          <a:xfrm>
+            <a:off x="7086820" y="2911885"/>
+            <a:ext cx="441146" cy="307777"/>
+          </a:xfrm>
+          <a:prstGeom prst="rect">
+            <a:avLst/>
+          </a:prstGeom>
+          <a:noFill/>
+          <a:ln>
+            <a:noFill/>
+          </a:ln>
+        </p:spPr>
+        <p:txBody>
+          <a:bodyPr wrap="none" rtlCol="0">
+            <a:spAutoFit/>
+          </a:bodyPr>
+          <a:lstStyle/>
+          <a:p>
+            <a:r>
+              <a:rPr lang="en-US" dirty="0" smtClean="0">
+                <a:solidFill>
+                  <a:srgbClr val="FFFF00"/>
+                </a:solidFill>
+              </a:rPr>
+              <a:t>ΔV</a:t>
+            </a:r>
+            <a:endParaRPr lang="en-US" dirty="0">
+              <a:solidFill>
+                <a:srgbClr val="FFFF00"/>
+              </a:solidFill>
+            </a:endParaRPr>
+          </a:p>
+        </p:txBody>
+      </p:sp>
+      <p:pic>
+        <p:nvPicPr>
+          <p:cNvPr id="11" name="Picture 10"/>
+          <p:cNvPicPr>
+            <a:picLocks noChangeAspect="1"/>
+          </p:cNvPicPr>
+          <p:nvPr/>
+        </p:nvPicPr>
+        <p:blipFill>
+          <a:blip r:embed="rId3"/>
+          <a:stretch>
+            <a:fillRect/>
+          </a:stretch>
+        </p:blipFill>
+        <p:spPr>
+          <a:xfrm>
+            <a:off x="1998092" y="5830203"/>
+            <a:ext cx="4724400" cy="469900"/>
+          </a:xfrm>
+          <a:prstGeom prst="rect">
+            <a:avLst/>
+          </a:prstGeom>
+        </p:spPr>
+      </p:pic>
     </p:spTree>
+    <p:extLst>
+      <p:ext uri="{BB962C8B-B14F-4D97-AF65-F5344CB8AC3E}">
+        <p14:creationId xmlns:p14="http://schemas.microsoft.com/office/powerpoint/2010/main" val="2781760465"/>
+      </p:ext>
+    </p:extLst>
   </p:cSld>
   <p:clrMapOvr>
     <a:masterClrMapping/>
@@ -13292,66 +13961,30 @@
           </a:p>
         </p:txBody>
       </p:sp>
-      <p:sp>
-        <p:nvSpPr>
-          <p:cNvPr id="2" name="TextBox 1"/>
-          <p:cNvSpPr txBox="1"/>
-          <p:nvPr/>
-        </p:nvSpPr>
-        <p:spPr>
-          <a:xfrm>
-            <a:off x="372046" y="1090349"/>
-            <a:ext cx="8172190" cy="461665"/>
-          </a:xfrm>
-          <a:prstGeom prst="rect">
-            <a:avLst/>
-          </a:prstGeom>
-          <a:noFill/>
-        </p:spPr>
-        <p:txBody>
-          <a:bodyPr wrap="square" rtlCol="0">
-            <a:spAutoFit/>
-          </a:bodyPr>
-          <a:lstStyle/>
-          <a:p>
-            <a:pPr marL="342900" indent="-342900">
-              <a:buFont typeface="Arial"/>
-              <a:buChar char="•"/>
-            </a:pPr>
-            <a:r>
-              <a:rPr lang="en-US" sz="2400" dirty="0" smtClean="0">
-                <a:solidFill>
-                  <a:schemeClr val="bg1"/>
-                </a:solidFill>
-              </a:rPr>
-              <a:t>Define a likelihood:</a:t>
-            </a:r>
-            <a:endParaRPr lang="en-US" sz="2400" dirty="0">
-              <a:solidFill>
-                <a:schemeClr val="bg1"/>
-              </a:solidFill>
-            </a:endParaRPr>
-          </a:p>
-        </p:txBody>
-      </p:sp>
       <p:pic>
         <p:nvPicPr>
-          <p:cNvPr id="3" name="Picture 2"/>
+          <p:cNvPr id="6" name="Picture 5" descr="figTON1009_crop.jpg"/>
           <p:cNvPicPr>
             <a:picLocks noChangeAspect="1"/>
           </p:cNvPicPr>
           <p:nvPr/>
         </p:nvPicPr>
         <p:blipFill>
-          <a:blip r:embed="rId3"/>
+          <a:blip r:embed="rId3">
+            <a:extLst>
+              <a:ext uri="{28A0092B-C50C-407E-A947-70E740481C1C}">
+                <a14:useLocalDpi xmlns:a14="http://schemas.microsoft.com/office/drawing/2010/main" val="0"/>
+              </a:ext>
+            </a:extLst>
+          </a:blip>
           <a:stretch>
             <a:fillRect/>
           </a:stretch>
         </p:blipFill>
         <p:spPr>
           <a:xfrm>
-            <a:off x="1731665" y="1623357"/>
-            <a:ext cx="5892621" cy="826726"/>
+            <a:off x="997309" y="1013389"/>
+            <a:ext cx="7161830" cy="3809235"/>
           </a:xfrm>
           <a:prstGeom prst="rect">
             <a:avLst/>
@@ -13360,14 +13993,14 @@
       </p:pic>
       <p:sp>
         <p:nvSpPr>
-          <p:cNvPr id="7" name="TextBox 6"/>
+          <p:cNvPr id="8" name="TextBox 7"/>
           <p:cNvSpPr txBox="1"/>
           <p:nvPr/>
         </p:nvSpPr>
         <p:spPr>
           <a:xfrm>
-            <a:off x="524446" y="2859028"/>
-            <a:ext cx="8172190" cy="3416320"/>
+            <a:off x="751955" y="5279949"/>
+            <a:ext cx="7650937" cy="523220"/>
           </a:xfrm>
           <a:prstGeom prst="rect">
             <a:avLst/>
@@ -13380,249 +14013,23 @@
           </a:bodyPr>
           <a:lstStyle/>
           <a:p>
-            <a:pPr marL="342900" indent="-342900">
-              <a:buFont typeface="Arial"/>
-              <a:buChar char="•"/>
-            </a:pPr>
-            <a:r>
-              <a:rPr lang="en-US" sz="2400" dirty="0" smtClean="0">
+            <a:r>
+              <a:rPr lang="en-US" sz="2800" dirty="0" smtClean="0">
                 <a:solidFill>
                   <a:schemeClr val="bg1"/>
                 </a:solidFill>
               </a:rPr>
-              <a:t>   = impact parameter</a:t>
-            </a:r>
-          </a:p>
-          <a:p>
-            <a:pPr marL="342900" indent="-342900">
-              <a:buFont typeface="Arial"/>
-              <a:buChar char="•"/>
-            </a:pPr>
-            <a:endParaRPr lang="en-US" sz="2400" dirty="0" smtClean="0">
+              <a:t>Is this Lyα absorber associated with a galaxy?</a:t>
+            </a:r>
+            <a:endParaRPr lang="en-US" sz="2800" dirty="0">
               <a:solidFill>
                 <a:schemeClr val="bg1"/>
               </a:solidFill>
             </a:endParaRPr>
           </a:p>
-          <a:p>
-            <a:pPr marL="342900" indent="-342900">
-              <a:buFont typeface="Arial"/>
-              <a:buChar char="•"/>
-            </a:pPr>
-            <a:r>
-              <a:rPr lang="en-US" sz="2400" dirty="0">
-                <a:solidFill>
-                  <a:schemeClr val="bg1"/>
-                </a:solidFill>
-              </a:rPr>
-              <a:t> </a:t>
-            </a:r>
-            <a:endParaRPr lang="en-US" sz="2400" dirty="0" smtClean="0">
-              <a:solidFill>
-                <a:schemeClr val="bg1"/>
-              </a:solidFill>
-            </a:endParaRPr>
-          </a:p>
-          <a:p>
-            <a:pPr marL="342900" indent="-342900">
-              <a:buFont typeface="Arial"/>
-              <a:buChar char="•"/>
-            </a:pPr>
-            <a:endParaRPr lang="en-US" sz="2400" dirty="0" smtClean="0">
-              <a:solidFill>
-                <a:schemeClr val="bg1"/>
-              </a:solidFill>
-            </a:endParaRPr>
-          </a:p>
-          <a:p>
-            <a:pPr marL="342900" indent="-342900">
-              <a:buFont typeface="Arial"/>
-              <a:buChar char="•"/>
-            </a:pPr>
-            <a:r>
-              <a:rPr lang="en-US" sz="2400" dirty="0" smtClean="0">
-                <a:solidFill>
-                  <a:schemeClr val="bg1"/>
-                </a:solidFill>
-              </a:rPr>
-              <a:t>           = viral radius of the galaxy</a:t>
-            </a:r>
-          </a:p>
-          <a:p>
-            <a:pPr marL="342900" indent="-342900">
-              <a:buFont typeface="Arial"/>
-              <a:buChar char="•"/>
-            </a:pPr>
-            <a:endParaRPr lang="en-US" sz="2400" dirty="0">
-              <a:solidFill>
-                <a:schemeClr val="bg1"/>
-              </a:solidFill>
-            </a:endParaRPr>
-          </a:p>
-          <a:p>
-            <a:pPr marL="342900" indent="-342900">
-              <a:buFont typeface="Arial"/>
-              <a:buChar char="•"/>
-            </a:pPr>
-            <a:r>
-              <a:rPr lang="en-US" sz="2400" dirty="0" smtClean="0">
-                <a:solidFill>
-                  <a:schemeClr val="bg1"/>
-                </a:solidFill>
-              </a:rPr>
-              <a:t>Require                                       and </a:t>
-            </a:r>
-          </a:p>
-          <a:p>
-            <a:pPr marL="342900" indent="-342900">
-              <a:buFont typeface="Arial"/>
-              <a:buChar char="•"/>
-            </a:pPr>
-            <a:endParaRPr lang="en-US" sz="2400" dirty="0">
-              <a:solidFill>
-                <a:schemeClr val="bg1"/>
-              </a:solidFill>
-            </a:endParaRPr>
-          </a:p>
-          <a:p>
-            <a:pPr marL="342900" indent="-342900">
-              <a:buFont typeface="Arial"/>
-              <a:buChar char="•"/>
-            </a:pPr>
-            <a:endParaRPr lang="en-US" sz="2400" dirty="0">
-              <a:solidFill>
-                <a:schemeClr val="bg1"/>
-              </a:solidFill>
-            </a:endParaRPr>
-          </a:p>
         </p:txBody>
       </p:sp>
-      <p:pic>
-        <p:nvPicPr>
-          <p:cNvPr id="4" name="Picture 3"/>
-          <p:cNvPicPr>
-            <a:picLocks noChangeAspect="1"/>
-          </p:cNvPicPr>
-          <p:nvPr/>
-        </p:nvPicPr>
-        <p:blipFill>
-          <a:blip r:embed="rId4"/>
-          <a:stretch>
-            <a:fillRect/>
-          </a:stretch>
-        </p:blipFill>
-        <p:spPr>
-          <a:xfrm>
-            <a:off x="868065" y="4302336"/>
-            <a:ext cx="863600" cy="457200"/>
-          </a:xfrm>
-          <a:prstGeom prst="rect">
-            <a:avLst/>
-          </a:prstGeom>
-        </p:spPr>
-      </p:pic>
-      <p:pic>
-        <p:nvPicPr>
-          <p:cNvPr id="5" name="Picture 4"/>
-          <p:cNvPicPr>
-            <a:picLocks noChangeAspect="1"/>
-          </p:cNvPicPr>
-          <p:nvPr/>
-        </p:nvPicPr>
-        <p:blipFill>
-          <a:blip r:embed="rId5"/>
-          <a:stretch>
-            <a:fillRect/>
-          </a:stretch>
-        </p:blipFill>
-        <p:spPr>
-          <a:xfrm>
-            <a:off x="868065" y="3513256"/>
-            <a:ext cx="4800600" cy="546100"/>
-          </a:xfrm>
-          <a:prstGeom prst="rect">
-            <a:avLst/>
-          </a:prstGeom>
-        </p:spPr>
-      </p:pic>
-      <p:pic>
-        <p:nvPicPr>
-          <p:cNvPr id="8" name="Picture 7"/>
-          <p:cNvPicPr>
-            <a:picLocks noChangeAspect="1"/>
-          </p:cNvPicPr>
-          <p:nvPr/>
-        </p:nvPicPr>
-        <p:blipFill>
-          <a:blip r:embed="rId6"/>
-          <a:stretch>
-            <a:fillRect/>
-          </a:stretch>
-        </p:blipFill>
-        <p:spPr>
-          <a:xfrm>
-            <a:off x="893723" y="2897512"/>
-            <a:ext cx="279400" cy="368300"/>
-          </a:xfrm>
-          <a:prstGeom prst="rect">
-            <a:avLst/>
-          </a:prstGeom>
-        </p:spPr>
-      </p:pic>
-      <p:pic>
-        <p:nvPicPr>
-          <p:cNvPr id="11" name="Picture 10"/>
-          <p:cNvPicPr>
-            <a:picLocks noChangeAspect="1"/>
-          </p:cNvPicPr>
-          <p:nvPr/>
-        </p:nvPicPr>
-        <p:blipFill>
-          <a:blip r:embed="rId7"/>
-          <a:stretch>
-            <a:fillRect/>
-          </a:stretch>
-        </p:blipFill>
-        <p:spPr>
-          <a:xfrm>
-            <a:off x="6455137" y="5069213"/>
-            <a:ext cx="1968500" cy="457200"/>
-          </a:xfrm>
-          <a:prstGeom prst="rect">
-            <a:avLst/>
-          </a:prstGeom>
-        </p:spPr>
-      </p:pic>
-      <p:pic>
-        <p:nvPicPr>
-          <p:cNvPr id="17" name="Picture 16"/>
-          <p:cNvPicPr>
-            <a:picLocks noChangeAspect="1"/>
-          </p:cNvPicPr>
-          <p:nvPr/>
-        </p:nvPicPr>
-        <p:blipFill>
-          <a:blip r:embed="rId8"/>
-          <a:stretch>
-            <a:fillRect/>
-          </a:stretch>
-        </p:blipFill>
-        <p:spPr>
-          <a:xfrm>
-            <a:off x="2402924" y="5069213"/>
-            <a:ext cx="2336800" cy="457200"/>
-          </a:xfrm>
-          <a:prstGeom prst="rect">
-            <a:avLst/>
-          </a:prstGeom>
-        </p:spPr>
-      </p:pic>
     </p:spTree>
-    <p:extLst>
-      <p:ext uri="{BB962C8B-B14F-4D97-AF65-F5344CB8AC3E}">
-        <p14:creationId xmlns:p14="http://schemas.microsoft.com/office/powerpoint/2010/main" val="3360494917"/>
-      </p:ext>
-    </p:extLst>
   </p:cSld>
   <p:clrMapOvr>
     <a:masterClrMapping/>
@@ -13704,30 +14111,66 @@
           </a:p>
         </p:txBody>
       </p:sp>
+      <p:sp>
+        <p:nvSpPr>
+          <p:cNvPr id="2" name="TextBox 1"/>
+          <p:cNvSpPr txBox="1"/>
+          <p:nvPr/>
+        </p:nvSpPr>
+        <p:spPr>
+          <a:xfrm>
+            <a:off x="372046" y="1090349"/>
+            <a:ext cx="8172190" cy="461665"/>
+          </a:xfrm>
+          <a:prstGeom prst="rect">
+            <a:avLst/>
+          </a:prstGeom>
+          <a:noFill/>
+        </p:spPr>
+        <p:txBody>
+          <a:bodyPr wrap="square" rtlCol="0">
+            <a:spAutoFit/>
+          </a:bodyPr>
+          <a:lstStyle/>
+          <a:p>
+            <a:pPr marL="342900" indent="-342900">
+              <a:buFont typeface="Arial"/>
+              <a:buChar char="•"/>
+            </a:pPr>
+            <a:r>
+              <a:rPr lang="en-US" sz="2400" dirty="0" smtClean="0">
+                <a:solidFill>
+                  <a:schemeClr val="bg1"/>
+                </a:solidFill>
+              </a:rPr>
+              <a:t>Define a likelihood:</a:t>
+            </a:r>
+            <a:endParaRPr lang="en-US" sz="2400" dirty="0">
+              <a:solidFill>
+                <a:schemeClr val="bg1"/>
+              </a:solidFill>
+            </a:endParaRPr>
+          </a:p>
+        </p:txBody>
+      </p:sp>
       <p:pic>
         <p:nvPicPr>
-          <p:cNvPr id="2" name="Picture 1" descr="map_TON1009_4285.pdf"/>
+          <p:cNvPr id="3" name="Picture 2"/>
           <p:cNvPicPr>
             <a:picLocks noChangeAspect="1"/>
           </p:cNvPicPr>
           <p:nvPr/>
         </p:nvPicPr>
         <p:blipFill>
-          <a:blip r:embed="rId3">
-            <a:extLst>
-              <a:ext uri="{28A0092B-C50C-407E-A947-70E740481C1C}">
-                <a14:useLocalDpi xmlns:a14="http://schemas.microsoft.com/office/drawing/2010/main" val="0"/>
-              </a:ext>
-            </a:extLst>
-          </a:blip>
+          <a:blip r:embed="rId3"/>
           <a:stretch>
             <a:fillRect/>
           </a:stretch>
         </p:blipFill>
         <p:spPr>
           <a:xfrm>
-            <a:off x="1257261" y="831643"/>
-            <a:ext cx="6360066" cy="5300055"/>
+            <a:off x="1731665" y="1623357"/>
+            <a:ext cx="5892621" cy="826726"/>
           </a:xfrm>
           <a:prstGeom prst="rect">
             <a:avLst/>
@@ -13736,44 +14179,14 @@
       </p:pic>
       <p:sp>
         <p:nvSpPr>
-          <p:cNvPr id="3" name="TextBox 2"/>
+          <p:cNvPr id="7" name="TextBox 6"/>
           <p:cNvSpPr txBox="1"/>
           <p:nvPr/>
         </p:nvSpPr>
         <p:spPr>
           <a:xfrm>
-            <a:off x="2476033" y="3360853"/>
-            <a:ext cx="938403" cy="307777"/>
-          </a:xfrm>
-          <a:prstGeom prst="rect">
-            <a:avLst/>
-          </a:prstGeom>
-          <a:noFill/>
-        </p:spPr>
-        <p:txBody>
-          <a:bodyPr wrap="none" rtlCol="0">
-            <a:spAutoFit/>
-          </a:bodyPr>
-          <a:lstStyle/>
-          <a:p>
-            <a:r>
-              <a:rPr lang="en-US" dirty="0" smtClean="0"/>
-              <a:t>L = 0.802</a:t>
-            </a:r>
-            <a:endParaRPr lang="en-US" dirty="0"/>
-          </a:p>
-        </p:txBody>
-      </p:sp>
-      <p:sp>
-        <p:nvSpPr>
-          <p:cNvPr id="4" name="TextBox 3"/>
-          <p:cNvSpPr txBox="1"/>
-          <p:nvPr/>
-        </p:nvSpPr>
-        <p:spPr>
-          <a:xfrm>
-            <a:off x="4592847" y="3796994"/>
-            <a:ext cx="1051993" cy="307777"/>
+            <a:off x="524446" y="2859028"/>
+            <a:ext cx="8172190" cy="3416320"/>
           </a:xfrm>
           <a:prstGeom prst="rect">
             <a:avLst/>
@@ -13786,18 +14199,247 @@
           </a:bodyPr>
           <a:lstStyle/>
           <a:p>
-            <a:r>
-              <a:rPr lang="en-US" dirty="0" smtClean="0"/>
-              <a:t>L = 0.062</a:t>
-            </a:r>
-            <a:endParaRPr lang="en-US" dirty="0"/>
+            <a:pPr marL="342900" indent="-342900">
+              <a:buFont typeface="Arial"/>
+              <a:buChar char="•"/>
+            </a:pPr>
+            <a:r>
+              <a:rPr lang="en-US" sz="2400" dirty="0" smtClean="0">
+                <a:solidFill>
+                  <a:schemeClr val="bg1"/>
+                </a:solidFill>
+              </a:rPr>
+              <a:t>   = impact parameter</a:t>
+            </a:r>
+          </a:p>
+          <a:p>
+            <a:pPr marL="342900" indent="-342900">
+              <a:buFont typeface="Arial"/>
+              <a:buChar char="•"/>
+            </a:pPr>
+            <a:endParaRPr lang="en-US" sz="2400" dirty="0" smtClean="0">
+              <a:solidFill>
+                <a:schemeClr val="bg1"/>
+              </a:solidFill>
+            </a:endParaRPr>
+          </a:p>
+          <a:p>
+            <a:pPr marL="342900" indent="-342900">
+              <a:buFont typeface="Arial"/>
+              <a:buChar char="•"/>
+            </a:pPr>
+            <a:r>
+              <a:rPr lang="en-US" sz="2400" dirty="0">
+                <a:solidFill>
+                  <a:schemeClr val="bg1"/>
+                </a:solidFill>
+              </a:rPr>
+              <a:t> </a:t>
+            </a:r>
+            <a:endParaRPr lang="en-US" sz="2400" dirty="0" smtClean="0">
+              <a:solidFill>
+                <a:schemeClr val="bg1"/>
+              </a:solidFill>
+            </a:endParaRPr>
+          </a:p>
+          <a:p>
+            <a:pPr marL="342900" indent="-342900">
+              <a:buFont typeface="Arial"/>
+              <a:buChar char="•"/>
+            </a:pPr>
+            <a:endParaRPr lang="en-US" sz="2400" dirty="0" smtClean="0">
+              <a:solidFill>
+                <a:schemeClr val="bg1"/>
+              </a:solidFill>
+            </a:endParaRPr>
+          </a:p>
+          <a:p>
+            <a:pPr marL="342900" indent="-342900">
+              <a:buFont typeface="Arial"/>
+              <a:buChar char="•"/>
+            </a:pPr>
+            <a:r>
+              <a:rPr lang="en-US" sz="2400" dirty="0" smtClean="0">
+                <a:solidFill>
+                  <a:schemeClr val="bg1"/>
+                </a:solidFill>
+              </a:rPr>
+              <a:t>           = viral radius of the galaxy</a:t>
+            </a:r>
+          </a:p>
+          <a:p>
+            <a:pPr marL="342900" indent="-342900">
+              <a:buFont typeface="Arial"/>
+              <a:buChar char="•"/>
+            </a:pPr>
+            <a:endParaRPr lang="en-US" sz="2400" dirty="0">
+              <a:solidFill>
+                <a:schemeClr val="bg1"/>
+              </a:solidFill>
+            </a:endParaRPr>
+          </a:p>
+          <a:p>
+            <a:pPr marL="342900" indent="-342900">
+              <a:buFont typeface="Arial"/>
+              <a:buChar char="•"/>
+            </a:pPr>
+            <a:r>
+              <a:rPr lang="en-US" sz="2400" dirty="0" smtClean="0">
+                <a:solidFill>
+                  <a:schemeClr val="bg1"/>
+                </a:solidFill>
+              </a:rPr>
+              <a:t>Require                                       and </a:t>
+            </a:r>
+          </a:p>
+          <a:p>
+            <a:pPr marL="342900" indent="-342900">
+              <a:buFont typeface="Arial"/>
+              <a:buChar char="•"/>
+            </a:pPr>
+            <a:endParaRPr lang="en-US" sz="2400" dirty="0">
+              <a:solidFill>
+                <a:schemeClr val="bg1"/>
+              </a:solidFill>
+            </a:endParaRPr>
+          </a:p>
+          <a:p>
+            <a:pPr marL="342900" indent="-342900">
+              <a:buFont typeface="Arial"/>
+              <a:buChar char="•"/>
+            </a:pPr>
+            <a:endParaRPr lang="en-US" sz="2400" dirty="0">
+              <a:solidFill>
+                <a:schemeClr val="bg1"/>
+              </a:solidFill>
+            </a:endParaRPr>
           </a:p>
         </p:txBody>
       </p:sp>
+      <p:pic>
+        <p:nvPicPr>
+          <p:cNvPr id="4" name="Picture 3"/>
+          <p:cNvPicPr>
+            <a:picLocks noChangeAspect="1"/>
+          </p:cNvPicPr>
+          <p:nvPr/>
+        </p:nvPicPr>
+        <p:blipFill>
+          <a:blip r:embed="rId3"/>
+          <a:stretch>
+            <a:fillRect/>
+          </a:stretch>
+        </p:blipFill>
+        <p:spPr>
+          <a:xfrm>
+            <a:off x="868065" y="4302336"/>
+            <a:ext cx="863600" cy="457200"/>
+          </a:xfrm>
+          <a:prstGeom prst="rect">
+            <a:avLst/>
+          </a:prstGeom>
+        </p:spPr>
+      </p:pic>
+      <p:pic>
+        <p:nvPicPr>
+          <p:cNvPr id="5" name="Picture 4"/>
+          <p:cNvPicPr>
+            <a:picLocks noChangeAspect="1"/>
+          </p:cNvPicPr>
+          <p:nvPr/>
+        </p:nvPicPr>
+        <p:blipFill>
+          <a:blip r:embed="rId3"/>
+          <a:stretch>
+            <a:fillRect/>
+          </a:stretch>
+        </p:blipFill>
+        <p:spPr>
+          <a:xfrm>
+            <a:off x="868065" y="3513256"/>
+            <a:ext cx="4800600" cy="546100"/>
+          </a:xfrm>
+          <a:prstGeom prst="rect">
+            <a:avLst/>
+          </a:prstGeom>
+        </p:spPr>
+      </p:pic>
+      <p:pic>
+        <p:nvPicPr>
+          <p:cNvPr id="8" name="Picture 7"/>
+          <p:cNvPicPr>
+            <a:picLocks noChangeAspect="1"/>
+          </p:cNvPicPr>
+          <p:nvPr/>
+        </p:nvPicPr>
+        <p:blipFill>
+          <a:blip r:embed="rId3"/>
+          <a:stretch>
+            <a:fillRect/>
+          </a:stretch>
+        </p:blipFill>
+        <p:spPr>
+          <a:xfrm>
+            <a:off x="893723" y="2897512"/>
+            <a:ext cx="279400" cy="368300"/>
+          </a:xfrm>
+          <a:prstGeom prst="rect">
+            <a:avLst/>
+          </a:prstGeom>
+        </p:spPr>
+      </p:pic>
+      <p:pic>
+        <p:nvPicPr>
+          <p:cNvPr id="11" name="Picture 10"/>
+          <p:cNvPicPr>
+            <a:picLocks noChangeAspect="1"/>
+          </p:cNvPicPr>
+          <p:nvPr/>
+        </p:nvPicPr>
+        <p:blipFill>
+          <a:blip r:embed="rId3"/>
+          <a:stretch>
+            <a:fillRect/>
+          </a:stretch>
+        </p:blipFill>
+        <p:spPr>
+          <a:xfrm>
+            <a:off x="6455137" y="5069213"/>
+            <a:ext cx="1968500" cy="457200"/>
+          </a:xfrm>
+          <a:prstGeom prst="rect">
+            <a:avLst/>
+          </a:prstGeom>
+        </p:spPr>
+      </p:pic>
+      <p:pic>
+        <p:nvPicPr>
+          <p:cNvPr id="17" name="Picture 16"/>
+          <p:cNvPicPr>
+            <a:picLocks noChangeAspect="1"/>
+          </p:cNvPicPr>
+          <p:nvPr/>
+        </p:nvPicPr>
+        <p:blipFill>
+          <a:blip r:embed="rId3"/>
+          <a:stretch>
+            <a:fillRect/>
+          </a:stretch>
+        </p:blipFill>
+        <p:spPr>
+          <a:xfrm>
+            <a:off x="2402924" y="5069213"/>
+            <a:ext cx="2336800" cy="457200"/>
+          </a:xfrm>
+          <a:prstGeom prst="rect">
+            <a:avLst/>
+          </a:prstGeom>
+        </p:spPr>
+      </p:pic>
     </p:spTree>
     <p:extLst>
       <p:ext uri="{BB962C8B-B14F-4D97-AF65-F5344CB8AC3E}">
-        <p14:creationId xmlns:p14="http://schemas.microsoft.com/office/powerpoint/2010/main" val="3620677062"/>
+        <p14:creationId xmlns:p14="http://schemas.microsoft.com/office/powerpoint/2010/main" val="3360494917"/>
       </p:ext>
     </p:extLst>
   </p:cSld>
@@ -13846,8 +14488,8 @@
         </p:nvSpPr>
         <p:spPr>
           <a:xfrm>
-            <a:off x="628550" y="19028"/>
-            <a:ext cx="8077500" cy="917393"/>
+            <a:off x="628550" y="57513"/>
+            <a:ext cx="8077500" cy="955876"/>
           </a:xfrm>
           <a:prstGeom prst="rect">
             <a:avLst/>
@@ -13871,15 +14513,7 @@
                   <a:srgbClr val="FFFFFF"/>
                 </a:solidFill>
               </a:rPr>
-              <a:t>Results so far</a:t>
-            </a:r>
-            <a:r>
-              <a:rPr lang="is-IS" sz="3600" i="1" dirty="0" smtClean="0">
-                <a:solidFill>
-                  <a:srgbClr val="FFFFFF"/>
-                </a:solidFill>
-              </a:rPr>
-              <a:t>…</a:t>
+              <a:t>Associating galaxies with absorbers</a:t>
             </a:r>
             <a:endParaRPr lang="en" sz="3600" i="1" dirty="0">
               <a:solidFill>
@@ -13889,16 +14523,76 @@
           </a:p>
         </p:txBody>
       </p:sp>
-      <p:sp>
-        <p:nvSpPr>
-          <p:cNvPr id="2" name="TextBox 1"/>
+      <p:pic>
+        <p:nvPicPr>
+          <p:cNvPr id="2" name="Picture 1" descr="map_TON1009_4285.pdf"/>
+          <p:cNvPicPr>
+            <a:picLocks noChangeAspect="1"/>
+          </p:cNvPicPr>
+          <p:nvPr/>
+        </p:nvPicPr>
+        <p:blipFill>
+          <a:blip r:embed="rId3">
+            <a:extLst>
+              <a:ext uri="{28A0092B-C50C-407E-A947-70E740481C1C}">
+                <a14:useLocalDpi xmlns:a14="http://schemas.microsoft.com/office/drawing/2010/main" val="0"/>
+              </a:ext>
+            </a:extLst>
+          </a:blip>
+          <a:stretch>
+            <a:fillRect/>
+          </a:stretch>
+        </p:blipFill>
+        <p:spPr>
+          <a:xfrm>
+            <a:off x="1257261" y="831643"/>
+            <a:ext cx="6360066" cy="5300055"/>
+          </a:xfrm>
+          <a:prstGeom prst="rect">
+            <a:avLst/>
+          </a:prstGeom>
+        </p:spPr>
+      </p:pic>
+      <p:sp>
+        <p:nvSpPr>
+          <p:cNvPr id="3" name="TextBox 2"/>
           <p:cNvSpPr txBox="1"/>
           <p:nvPr/>
         </p:nvSpPr>
         <p:spPr>
           <a:xfrm>
-            <a:off x="782580" y="1103179"/>
-            <a:ext cx="7769520" cy="4832093"/>
+            <a:off x="2476033" y="3360853"/>
+            <a:ext cx="938403" cy="307777"/>
+          </a:xfrm>
+          <a:prstGeom prst="rect">
+            <a:avLst/>
+          </a:prstGeom>
+          <a:noFill/>
+        </p:spPr>
+        <p:txBody>
+          <a:bodyPr wrap="none" rtlCol="0">
+            <a:spAutoFit/>
+          </a:bodyPr>
+          <a:lstStyle/>
+          <a:p>
+            <a:r>
+              <a:rPr lang="en-US" dirty="0" smtClean="0"/>
+              <a:t>L = 0.802</a:t>
+            </a:r>
+            <a:endParaRPr lang="en-US" dirty="0"/>
+          </a:p>
+        </p:txBody>
+      </p:sp>
+      <p:sp>
+        <p:nvSpPr>
+          <p:cNvPr id="4" name="TextBox 3"/>
+          <p:cNvSpPr txBox="1"/>
+          <p:nvPr/>
+        </p:nvSpPr>
+        <p:spPr>
+          <a:xfrm>
+            <a:off x="4592847" y="3796994"/>
+            <a:ext cx="1051993" cy="307777"/>
           </a:xfrm>
           <a:prstGeom prst="rect">
             <a:avLst/>
@@ -13911,152 +14605,18 @@
           </a:bodyPr>
           <a:lstStyle/>
           <a:p>
-            <a:pPr marL="457200" indent="-457200">
-              <a:buFont typeface="Arial"/>
-              <a:buChar char="•"/>
-            </a:pPr>
-            <a:r>
-              <a:rPr lang="en-US" sz="2800" dirty="0" smtClean="0">
-                <a:solidFill>
-                  <a:srgbClr val="FFFFFF"/>
-                </a:solidFill>
-              </a:rPr>
-              <a:t>35 COS sightlines analyzed</a:t>
-            </a:r>
-          </a:p>
-          <a:p>
-            <a:pPr marL="457200" indent="-457200">
-              <a:buFont typeface="Arial"/>
-              <a:buChar char="•"/>
-            </a:pPr>
-            <a:endParaRPr lang="en-US" sz="2800" dirty="0">
-              <a:solidFill>
-                <a:srgbClr val="FFFFFF"/>
-              </a:solidFill>
-            </a:endParaRPr>
-          </a:p>
-          <a:p>
-            <a:pPr marL="457200" indent="-457200">
-              <a:buFont typeface="Arial"/>
-              <a:buChar char="•"/>
-            </a:pPr>
-            <a:r>
-              <a:rPr lang="en-US" sz="2800" dirty="0" smtClean="0">
-                <a:solidFill>
-                  <a:srgbClr val="FFFFFF"/>
-                </a:solidFill>
-              </a:rPr>
-              <a:t>175 Lyα lines</a:t>
-            </a:r>
-          </a:p>
-          <a:p>
-            <a:pPr marL="457200" indent="-457200">
-              <a:buFont typeface="Arial"/>
-              <a:buChar char="•"/>
-            </a:pPr>
-            <a:endParaRPr lang="en-US" sz="2800" dirty="0" smtClean="0">
-              <a:solidFill>
-                <a:srgbClr val="FFFFFF"/>
-              </a:solidFill>
-            </a:endParaRPr>
-          </a:p>
-          <a:p>
-            <a:pPr lvl="1"/>
-            <a:r>
-              <a:rPr lang="en-US" sz="2800" dirty="0">
-                <a:solidFill>
-                  <a:srgbClr val="FFFFFF"/>
-                </a:solidFill>
-              </a:rPr>
-              <a:t>	</a:t>
-            </a:r>
-            <a:r>
-              <a:rPr lang="en-US" sz="2800" dirty="0" smtClean="0">
-                <a:solidFill>
-                  <a:srgbClr val="FFFFFF"/>
-                </a:solidFill>
-              </a:rPr>
-              <a:t>- 41 associated</a:t>
-            </a:r>
-          </a:p>
-          <a:p>
-            <a:pPr lvl="1"/>
-            <a:endParaRPr lang="en-US" sz="2800" dirty="0" smtClean="0">
-              <a:solidFill>
-                <a:srgbClr val="FFFFFF"/>
-              </a:solidFill>
-            </a:endParaRPr>
-          </a:p>
-          <a:p>
-            <a:pPr lvl="1"/>
-            <a:r>
-              <a:rPr lang="en-US" sz="2800" dirty="0">
-                <a:solidFill>
-                  <a:srgbClr val="FFFFFF"/>
-                </a:solidFill>
-              </a:rPr>
-              <a:t>	</a:t>
-            </a:r>
-            <a:r>
-              <a:rPr lang="en-US" sz="2800" dirty="0" smtClean="0">
-                <a:solidFill>
-                  <a:srgbClr val="FFFFFF"/>
-                </a:solidFill>
-              </a:rPr>
-              <a:t>- 44 ambiguous (no best match)</a:t>
-            </a:r>
-          </a:p>
-          <a:p>
-            <a:pPr lvl="1"/>
-            <a:endParaRPr lang="en-US" sz="2800" dirty="0" smtClean="0">
-              <a:solidFill>
-                <a:srgbClr val="FFFFFF"/>
-              </a:solidFill>
-            </a:endParaRPr>
-          </a:p>
-          <a:p>
-            <a:pPr lvl="1"/>
-            <a:r>
-              <a:rPr lang="en-US" sz="2800" dirty="0">
-                <a:solidFill>
-                  <a:srgbClr val="FFFFFF"/>
-                </a:solidFill>
-              </a:rPr>
-              <a:t>	</a:t>
-            </a:r>
-            <a:r>
-              <a:rPr lang="en-US" sz="2800" dirty="0" smtClean="0">
-                <a:solidFill>
-                  <a:srgbClr val="FFFFFF"/>
-                </a:solidFill>
-              </a:rPr>
-              <a:t>- 88 IGM (no galaxies nearby)</a:t>
-            </a:r>
-          </a:p>
-          <a:p>
-            <a:pPr marL="457200" indent="-457200">
-              <a:buFont typeface="Arial"/>
-              <a:buChar char="•"/>
-            </a:pPr>
-            <a:endParaRPr lang="en-US" sz="2800" dirty="0">
-              <a:solidFill>
-                <a:srgbClr val="FFFFFF"/>
-              </a:solidFill>
-            </a:endParaRPr>
-          </a:p>
-          <a:p>
-            <a:endParaRPr lang="en-US" sz="2800" dirty="0">
-              <a:solidFill>
-                <a:srgbClr val="FFFFFF"/>
-              </a:solidFill>
-            </a:endParaRPr>
+            <a:r>
+              <a:rPr lang="en-US" dirty="0" smtClean="0"/>
+              <a:t>L = 0.062</a:t>
+            </a:r>
+            <a:endParaRPr lang="en-US" dirty="0"/>
           </a:p>
         </p:txBody>
       </p:sp>
     </p:spTree>
     <p:extLst>
       <p:ext uri="{BB962C8B-B14F-4D97-AF65-F5344CB8AC3E}">
-        <p14:creationId xmlns:p14="http://schemas.microsoft.com/office/powerpoint/2010/main" val="2512173972"/>
+        <p14:creationId xmlns:p14="http://schemas.microsoft.com/office/powerpoint/2010/main" val="3620677062"/>
       </p:ext>
     </p:extLst>
   </p:cSld>
